--- a/2022-05-12-NDCLondon-DatabaseDevOps/database-devops.pptx
+++ b/2022-05-12-NDCLondon-DatabaseDevOps/database-devops.pptx
@@ -5,7 +5,7 @@
     <p:sldMasterId id="2147483648" r:id="rId1"/>
   </p:sldMasterIdLst>
   <p:notesMasterIdLst>
-    <p:notesMasterId r:id="rId39"/>
+    <p:notesMasterId r:id="rId37"/>
   </p:notesMasterIdLst>
   <p:sldIdLst>
     <p:sldId id="363" r:id="rId2"/>
@@ -31,20 +31,18 @@
     <p:sldId id="333" r:id="rId22"/>
     <p:sldId id="334" r:id="rId23"/>
     <p:sldId id="346" r:id="rId24"/>
-    <p:sldId id="338" r:id="rId25"/>
-    <p:sldId id="355" r:id="rId26"/>
-    <p:sldId id="359" r:id="rId27"/>
-    <p:sldId id="357" r:id="rId28"/>
-    <p:sldId id="340" r:id="rId29"/>
-    <p:sldId id="356" r:id="rId30"/>
-    <p:sldId id="348" r:id="rId31"/>
-    <p:sldId id="347" r:id="rId32"/>
-    <p:sldId id="343" r:id="rId33"/>
-    <p:sldId id="349" r:id="rId34"/>
-    <p:sldId id="369" r:id="rId35"/>
-    <p:sldId id="328" r:id="rId36"/>
-    <p:sldId id="337" r:id="rId37"/>
-    <p:sldId id="393" r:id="rId38"/>
+    <p:sldId id="359" r:id="rId25"/>
+    <p:sldId id="357" r:id="rId26"/>
+    <p:sldId id="340" r:id="rId27"/>
+    <p:sldId id="356" r:id="rId28"/>
+    <p:sldId id="348" r:id="rId29"/>
+    <p:sldId id="347" r:id="rId30"/>
+    <p:sldId id="343" r:id="rId31"/>
+    <p:sldId id="349" r:id="rId32"/>
+    <p:sldId id="369" r:id="rId33"/>
+    <p:sldId id="328" r:id="rId34"/>
+    <p:sldId id="337" r:id="rId35"/>
+    <p:sldId id="393" r:id="rId36"/>
   </p:sldIdLst>
   <p:sldSz cx="12192000" cy="6858000"/>
   <p:notesSz cx="6858000" cy="9144000"/>
@@ -555,6 +553,17 @@
               <a:t>Login to GH incognito</a:t>
             </a:r>
           </a:p>
+          <a:p>
+            <a:r>
+              <a:rPr lang="en-US" dirty="0"/>
+              <a:t>Reset </a:t>
+            </a:r>
+            <a:r>
+              <a:rPr lang="en-US"/>
+              <a:t>databases back to 0</a:t>
+            </a:r>
+            <a:endParaRPr lang="en-US" dirty="0"/>
+          </a:p>
         </p:txBody>
       </p:sp>
       <p:sp>
@@ -1968,7 +1977,7 @@
     </p:spTree>
     <p:extLst>
       <p:ext uri="{BB962C8B-B14F-4D97-AF65-F5344CB8AC3E}">
-        <p14:creationId xmlns:p14="http://schemas.microsoft.com/office/powerpoint/2010/main" val="2136270793"/>
+        <p14:creationId xmlns:p14="http://schemas.microsoft.com/office/powerpoint/2010/main" val="27411901"/>
       </p:ext>
     </p:extLst>
   </p:cSld>
@@ -2052,7 +2061,7 @@
     </p:spTree>
     <p:extLst>
       <p:ext uri="{BB962C8B-B14F-4D97-AF65-F5344CB8AC3E}">
-        <p14:creationId xmlns:p14="http://schemas.microsoft.com/office/powerpoint/2010/main" val="1228227801"/>
+        <p14:creationId xmlns:p14="http://schemas.microsoft.com/office/powerpoint/2010/main" val="1890222556"/>
       </p:ext>
     </p:extLst>
   </p:cSld>
@@ -2136,7 +2145,7 @@
     </p:spTree>
     <p:extLst>
       <p:ext uri="{BB962C8B-B14F-4D97-AF65-F5344CB8AC3E}">
-        <p14:creationId xmlns:p14="http://schemas.microsoft.com/office/powerpoint/2010/main" val="27411901"/>
+        <p14:creationId xmlns:p14="http://schemas.microsoft.com/office/powerpoint/2010/main" val="2197956779"/>
       </p:ext>
     </p:extLst>
   </p:cSld>
@@ -2220,7 +2229,7 @@
     </p:spTree>
     <p:extLst>
       <p:ext uri="{BB962C8B-B14F-4D97-AF65-F5344CB8AC3E}">
-        <p14:creationId xmlns:p14="http://schemas.microsoft.com/office/powerpoint/2010/main" val="1890222556"/>
+        <p14:creationId xmlns:p14="http://schemas.microsoft.com/office/powerpoint/2010/main" val="3997215496"/>
       </p:ext>
     </p:extLst>
   </p:cSld>
@@ -2304,7 +2313,7 @@
     </p:spTree>
     <p:extLst>
       <p:ext uri="{BB962C8B-B14F-4D97-AF65-F5344CB8AC3E}">
-        <p14:creationId xmlns:p14="http://schemas.microsoft.com/office/powerpoint/2010/main" val="2197956779"/>
+        <p14:creationId xmlns:p14="http://schemas.microsoft.com/office/powerpoint/2010/main" val="3127007986"/>
       </p:ext>
     </p:extLst>
   </p:cSld>
@@ -2388,7 +2397,7 @@
     </p:spTree>
     <p:extLst>
       <p:ext uri="{BB962C8B-B14F-4D97-AF65-F5344CB8AC3E}">
-        <p14:creationId xmlns:p14="http://schemas.microsoft.com/office/powerpoint/2010/main" val="3997215496"/>
+        <p14:creationId xmlns:p14="http://schemas.microsoft.com/office/powerpoint/2010/main" val="53297640"/>
       </p:ext>
     </p:extLst>
   </p:cSld>
@@ -2526,7 +2535,14 @@
           <a:bodyPr/>
           <a:lstStyle/>
           <a:p>
-            <a:endParaRPr lang="en-US" dirty="0"/>
+            <a:r>
+              <a:rPr lang="en-US" dirty="0" err="1"/>
+              <a:t>Devs</a:t>
+            </a:r>
+            <a:r>
+              <a:rPr lang="en-US" dirty="0"/>
+              <a:t> + DBA’s n</a:t>
+            </a:r>
           </a:p>
         </p:txBody>
       </p:sp>
@@ -2556,7 +2572,7 @@
     </p:spTree>
     <p:extLst>
       <p:ext uri="{BB962C8B-B14F-4D97-AF65-F5344CB8AC3E}">
-        <p14:creationId xmlns:p14="http://schemas.microsoft.com/office/powerpoint/2010/main" val="3127007986"/>
+        <p14:creationId xmlns:p14="http://schemas.microsoft.com/office/powerpoint/2010/main" val="2200799168"/>
       </p:ext>
     </p:extLst>
   </p:cSld>
@@ -2640,7 +2656,7 @@
     </p:spTree>
     <p:extLst>
       <p:ext uri="{BB962C8B-B14F-4D97-AF65-F5344CB8AC3E}">
-        <p14:creationId xmlns:p14="http://schemas.microsoft.com/office/powerpoint/2010/main" val="53297640"/>
+        <p14:creationId xmlns:p14="http://schemas.microsoft.com/office/powerpoint/2010/main" val="2338709084"/>
       </p:ext>
     </p:extLst>
   </p:cSld>
@@ -2694,14 +2710,7 @@
           <a:bodyPr/>
           <a:lstStyle/>
           <a:p>
-            <a:r>
-              <a:rPr lang="en-US" dirty="0" err="1"/>
-              <a:t>Devs</a:t>
-            </a:r>
-            <a:r>
-              <a:rPr lang="en-US" dirty="0"/>
-              <a:t> + DBA’s n</a:t>
-            </a:r>
+            <a:endParaRPr lang="en-US" dirty="0"/>
           </a:p>
         </p:txBody>
       </p:sp>
@@ -2712,7 +2721,7 @@
             <a:spLocks noGrp="1"/>
           </p:cNvSpPr>
           <p:nvPr>
-            <p:ph type="sldNum" sz="quarter" idx="10"/>
+            <p:ph type="sldNum" sz="quarter" idx="5"/>
           </p:nvPr>
         </p:nvSpPr>
         <p:spPr/>
@@ -2720,7 +2729,7 @@
           <a:bodyPr/>
           <a:lstStyle/>
           <a:p>
-            <a:fld id="{2B57EC6A-F5A4-441D-B3C5-D1EF8312AF7C}" type="slidenum">
+            <a:fld id="{EACEE071-6BA9-400B-8DDD-7178D39C29B3}" type="slidenum">
               <a:rPr lang="en-US" smtClean="0"/>
               <a:t>32</a:t>
             </a:fld>
@@ -2731,7 +2740,7 @@
     </p:spTree>
     <p:extLst>
       <p:ext uri="{BB962C8B-B14F-4D97-AF65-F5344CB8AC3E}">
-        <p14:creationId xmlns:p14="http://schemas.microsoft.com/office/powerpoint/2010/main" val="2200799168"/>
+        <p14:creationId xmlns:p14="http://schemas.microsoft.com/office/powerpoint/2010/main" val="1644152500"/>
       </p:ext>
     </p:extLst>
   </p:cSld>
@@ -2785,7 +2794,7 @@
           <a:bodyPr/>
           <a:lstStyle/>
           <a:p>
-            <a:endParaRPr lang="en-US" dirty="0"/>
+            <a:endParaRPr lang="en-US" baseline="0" dirty="0"/>
           </a:p>
         </p:txBody>
       </p:sp>
@@ -2815,7 +2824,7 @@
     </p:spTree>
     <p:extLst>
       <p:ext uri="{BB962C8B-B14F-4D97-AF65-F5344CB8AC3E}">
-        <p14:creationId xmlns:p14="http://schemas.microsoft.com/office/powerpoint/2010/main" val="2338709084"/>
+        <p14:creationId xmlns:p14="http://schemas.microsoft.com/office/powerpoint/2010/main" val="1406868589"/>
       </p:ext>
     </p:extLst>
   </p:cSld>
@@ -2891,174 +2900,6 @@
             <a:fld id="{EACEE071-6BA9-400B-8DDD-7178D39C29B3}" type="slidenum">
               <a:rPr lang="en-US" smtClean="0"/>
               <a:t>34</a:t>
-            </a:fld>
-            <a:endParaRPr lang="en-US"/>
-          </a:p>
-        </p:txBody>
-      </p:sp>
-    </p:spTree>
-    <p:extLst>
-      <p:ext uri="{BB962C8B-B14F-4D97-AF65-F5344CB8AC3E}">
-        <p14:creationId xmlns:p14="http://schemas.microsoft.com/office/powerpoint/2010/main" val="1644152500"/>
-      </p:ext>
-    </p:extLst>
-  </p:cSld>
-  <p:clrMapOvr>
-    <a:masterClrMapping/>
-  </p:clrMapOvr>
-</p:notes>
-</file>
-
-<file path=ppt/notesSlides/notesSlide35.xml><?xml version="1.0" encoding="utf-8"?>
-<p:notes xmlns:a="http://schemas.openxmlformats.org/drawingml/2006/main" xmlns:r="http://schemas.openxmlformats.org/officeDocument/2006/relationships" xmlns:p="http://schemas.openxmlformats.org/presentationml/2006/main">
-  <p:cSld>
-    <p:spTree>
-      <p:nvGrpSpPr>
-        <p:cNvPr id="1" name=""/>
-        <p:cNvGrpSpPr/>
-        <p:nvPr/>
-      </p:nvGrpSpPr>
-      <p:grpSpPr>
-        <a:xfrm>
-          <a:off x="0" y="0"/>
-          <a:ext cx="0" cy="0"/>
-          <a:chOff x="0" y="0"/>
-          <a:chExt cx="0" cy="0"/>
-        </a:xfrm>
-      </p:grpSpPr>
-      <p:sp>
-        <p:nvSpPr>
-          <p:cNvPr id="2" name="Slide Image Placeholder 1"/>
-          <p:cNvSpPr>
-            <a:spLocks noGrp="1" noRot="1" noChangeAspect="1"/>
-          </p:cNvSpPr>
-          <p:nvPr>
-            <p:ph type="sldImg"/>
-          </p:nvPr>
-        </p:nvSpPr>
-        <p:spPr/>
-      </p:sp>
-      <p:sp>
-        <p:nvSpPr>
-          <p:cNvPr id="3" name="Notes Placeholder 2"/>
-          <p:cNvSpPr>
-            <a:spLocks noGrp="1"/>
-          </p:cNvSpPr>
-          <p:nvPr>
-            <p:ph type="body" idx="1"/>
-          </p:nvPr>
-        </p:nvSpPr>
-        <p:spPr/>
-        <p:txBody>
-          <a:bodyPr/>
-          <a:lstStyle/>
-          <a:p>
-            <a:endParaRPr lang="en-US" baseline="0" dirty="0"/>
-          </a:p>
-        </p:txBody>
-      </p:sp>
-      <p:sp>
-        <p:nvSpPr>
-          <p:cNvPr id="4" name="Slide Number Placeholder 3"/>
-          <p:cNvSpPr>
-            <a:spLocks noGrp="1"/>
-          </p:cNvSpPr>
-          <p:nvPr>
-            <p:ph type="sldNum" sz="quarter" idx="10"/>
-          </p:nvPr>
-        </p:nvSpPr>
-        <p:spPr/>
-        <p:txBody>
-          <a:bodyPr/>
-          <a:lstStyle/>
-          <a:p>
-            <a:fld id="{2B57EC6A-F5A4-441D-B3C5-D1EF8312AF7C}" type="slidenum">
-              <a:rPr lang="en-US" smtClean="0"/>
-              <a:t>35</a:t>
-            </a:fld>
-            <a:endParaRPr lang="en-US"/>
-          </a:p>
-        </p:txBody>
-      </p:sp>
-    </p:spTree>
-    <p:extLst>
-      <p:ext uri="{BB962C8B-B14F-4D97-AF65-F5344CB8AC3E}">
-        <p14:creationId xmlns:p14="http://schemas.microsoft.com/office/powerpoint/2010/main" val="1406868589"/>
-      </p:ext>
-    </p:extLst>
-  </p:cSld>
-  <p:clrMapOvr>
-    <a:masterClrMapping/>
-  </p:clrMapOvr>
-</p:notes>
-</file>
-
-<file path=ppt/notesSlides/notesSlide36.xml><?xml version="1.0" encoding="utf-8"?>
-<p:notes xmlns:a="http://schemas.openxmlformats.org/drawingml/2006/main" xmlns:r="http://schemas.openxmlformats.org/officeDocument/2006/relationships" xmlns:p="http://schemas.openxmlformats.org/presentationml/2006/main">
-  <p:cSld>
-    <p:spTree>
-      <p:nvGrpSpPr>
-        <p:cNvPr id="1" name=""/>
-        <p:cNvGrpSpPr/>
-        <p:nvPr/>
-      </p:nvGrpSpPr>
-      <p:grpSpPr>
-        <a:xfrm>
-          <a:off x="0" y="0"/>
-          <a:ext cx="0" cy="0"/>
-          <a:chOff x="0" y="0"/>
-          <a:chExt cx="0" cy="0"/>
-        </a:xfrm>
-      </p:grpSpPr>
-      <p:sp>
-        <p:nvSpPr>
-          <p:cNvPr id="2" name="Slide Image Placeholder 1"/>
-          <p:cNvSpPr>
-            <a:spLocks noGrp="1" noRot="1" noChangeAspect="1"/>
-          </p:cNvSpPr>
-          <p:nvPr>
-            <p:ph type="sldImg"/>
-          </p:nvPr>
-        </p:nvSpPr>
-        <p:spPr/>
-      </p:sp>
-      <p:sp>
-        <p:nvSpPr>
-          <p:cNvPr id="3" name="Notes Placeholder 2"/>
-          <p:cNvSpPr>
-            <a:spLocks noGrp="1"/>
-          </p:cNvSpPr>
-          <p:nvPr>
-            <p:ph type="body" idx="1"/>
-          </p:nvPr>
-        </p:nvSpPr>
-        <p:spPr/>
-        <p:txBody>
-          <a:bodyPr/>
-          <a:lstStyle/>
-          <a:p>
-            <a:endParaRPr lang="en-US" dirty="0"/>
-          </a:p>
-        </p:txBody>
-      </p:sp>
-      <p:sp>
-        <p:nvSpPr>
-          <p:cNvPr id="4" name="Slide Number Placeholder 3"/>
-          <p:cNvSpPr>
-            <a:spLocks noGrp="1"/>
-          </p:cNvSpPr>
-          <p:nvPr>
-            <p:ph type="sldNum" sz="quarter" idx="5"/>
-          </p:nvPr>
-        </p:nvSpPr>
-        <p:spPr/>
-        <p:txBody>
-          <a:bodyPr/>
-          <a:lstStyle/>
-          <a:p>
-            <a:fld id="{EACEE071-6BA9-400B-8DDD-7178D39C29B3}" type="slidenum">
-              <a:rPr lang="en-US" smtClean="0"/>
-              <a:t>36</a:t>
             </a:fld>
             <a:endParaRPr lang="en-US"/>
           </a:p>
@@ -8510,10 +8351,10 @@
       </p:sp>
       <p:pic>
         <p:nvPicPr>
-          <p:cNvPr id="7" name="Picture 2">
+          <p:cNvPr id="1028" name="Picture 4" descr="Julie Gunderson - devopsdays Los Angeles 2020">
             <a:extLst>
               <a:ext uri="{FF2B5EF4-FFF2-40B4-BE49-F238E27FC236}">
-                <a16:creationId xmlns:a16="http://schemas.microsoft.com/office/drawing/2014/main" id="{6F084253-3636-4FF0-993A-EB59D67408DB}"/>
+                <a16:creationId xmlns:a16="http://schemas.microsoft.com/office/drawing/2014/main" id="{1883C3ED-885F-1A60-7C4C-76D257508F7F}"/>
               </a:ext>
             </a:extLst>
           </p:cNvPr>
@@ -8532,44 +8373,6 @@
               <a:prstClr val="white"/>
             </a:duotone>
             <a:extLst>
-              <a:ext uri="{BEBA8EAE-BF5A-486C-A8C5-ECC9F3942E4B}">
-                <a14:imgProps xmlns:a14="http://schemas.microsoft.com/office/drawing/2010/main">
-                  <a14:imgLayer r:embed="rId4">
-                    <a14:imgEffect>
-                      <a14:backgroundRemoval t="7500" b="99000" l="500" r="98250">
-                        <a14:foregroundMark x1="37000" y1="22000" x2="41000" y2="9000"/>
-                        <a14:foregroundMark x1="41000" y1="9000" x2="51750" y2="500"/>
-                        <a14:foregroundMark x1="51750" y1="500" x2="62500" y2="7750"/>
-                        <a14:foregroundMark x1="62500" y1="7750" x2="70250" y2="19250"/>
-                        <a14:foregroundMark x1="70250" y1="19250" x2="71000" y2="34000"/>
-                        <a14:foregroundMark x1="71000" y1="34000" x2="91250" y2="53250"/>
-                        <a14:foregroundMark x1="91250" y1="53250" x2="95500" y2="65250"/>
-                        <a14:foregroundMark x1="95500" y1="65250" x2="83000" y2="81250"/>
-                        <a14:foregroundMark x1="83000" y1="81250" x2="16750" y2="99000"/>
-                        <a14:foregroundMark x1="16750" y1="99000" x2="22500" y2="77750"/>
-                        <a14:foregroundMark x1="92500" y1="68250" x2="88250" y2="82250"/>
-                        <a14:foregroundMark x1="88250" y1="82250" x2="73500" y2="88500"/>
-                        <a14:foregroundMark x1="73500" y1="88500" x2="71500" y2="79250"/>
-                        <a14:foregroundMark x1="91500" y1="67500" x2="98250" y2="79000"/>
-                        <a14:foregroundMark x1="98250" y1="79000" x2="87500" y2="86250"/>
-                        <a14:foregroundMark x1="87500" y1="86250" x2="87250" y2="80750"/>
-                        <a14:foregroundMark x1="0" y1="46250" x2="20000" y2="67500"/>
-                        <a14:foregroundMark x1="20000" y1="67500" x2="19750" y2="81000"/>
-                        <a14:foregroundMark x1="19750" y1="81000" x2="6750" y2="79500"/>
-                        <a14:foregroundMark x1="6750" y1="79500" x2="500" y2="70500"/>
-                        <a14:foregroundMark x1="61000" y1="8000" x2="44750" y2="7500"/>
-                        <a14:foregroundMark x1="44750" y1="7500" x2="34000" y2="43250"/>
-                        <a14:foregroundMark x1="34000" y1="43250" x2="32250" y2="57250"/>
-                        <a14:foregroundMark x1="32250" y1="57250" x2="45500" y2="70750"/>
-                        <a14:foregroundMark x1="45500" y1="70750" x2="61250" y2="57750"/>
-                        <a14:foregroundMark x1="61250" y1="57750" x2="73750" y2="32000"/>
-                        <a14:foregroundMark x1="73750" y1="32000" x2="66750" y2="19250"/>
-                        <a14:foregroundMark x1="66750" y1="19250" x2="66250" y2="16750"/>
-                      </a14:backgroundRemoval>
-                    </a14:imgEffect>
-                  </a14:imgLayer>
-                </a14:imgProps>
-              </a:ext>
               <a:ext uri="{28A0092B-C50C-407E-A947-70E740481C1C}">
                 <a14:useLocalDpi xmlns:a14="http://schemas.microsoft.com/office/drawing/2010/main" val="0"/>
               </a:ext>
@@ -8582,8 +8385,8 @@
         </p:blipFill>
         <p:spPr bwMode="auto">
           <a:xfrm>
-            <a:off x="9622545" y="4403822"/>
-            <a:ext cx="2454178" cy="2454178"/>
+            <a:off x="9764817" y="4770123"/>
+            <a:ext cx="2093075" cy="2093075"/>
           </a:xfrm>
           <a:prstGeom prst="rect">
             <a:avLst/>
@@ -8653,7 +8456,7 @@
                   </a:schemeClr>
                 </a:solidFill>
               </a:rPr>
-              <a:t>Desired Outcomes of SQL Server </a:t>
+              <a:t>Desired Outputs of Database </a:t>
             </a:r>
             <a:r>
               <a:rPr lang="en-US" dirty="0" err="1">
@@ -9356,7 +9159,7 @@
                   </a:schemeClr>
                 </a:solidFill>
               </a:rPr>
-              <a:t>Desired Outcomes of SQL Server </a:t>
+              <a:t>Desired Outputs of Database </a:t>
             </a:r>
             <a:r>
               <a:rPr lang="en-US" dirty="0" err="1">
@@ -9765,7 +9568,7 @@
         </p:nvSpPr>
         <p:spPr>
           <a:xfrm>
-            <a:off x="4352982" y="2865161"/>
+            <a:off x="4352982" y="2909497"/>
             <a:ext cx="5393317" cy="503744"/>
           </a:xfrm>
           <a:prstGeom prst="rect">
@@ -10129,7 +9932,7 @@
           <a:p>
             <a:r>
               <a:rPr lang="en-US" dirty="0"/>
-              <a:t>Source Control traditionally not built-in to SQL Server tools (SSMS)</a:t>
+              <a:t>Source Control traditionally not built-in to Database tools (SSMS)</a:t>
             </a:r>
           </a:p>
           <a:p>
@@ -11050,21 +10853,13 @@
           <a:p>
             <a:r>
               <a:rPr lang="en-US" dirty="0"/>
-              <a:t>72% of companies do not have automated builds and deploys for </a:t>
+              <a:t>72%+ of companies do not have automated builds and deploys for their databases</a:t>
             </a:r>
-            <a:r>
-              <a:rPr lang="en-US"/>
-              <a:t>their databases</a:t>
-            </a:r>
-          </a:p>
-          <a:p>
-            <a:r>
-              <a:rPr lang="en-US"/>
-              <a:t>The </a:t>
-            </a:r>
+          </a:p>
+          <a:p>
             <a:r>
               <a:rPr lang="en-US" dirty="0"/>
-              <a:t>database is stateful, applications are not (or shouldn’t be.)</a:t>
+              <a:t>The database is stateful, applications are not (or shouldn’t be.)</a:t>
             </a:r>
           </a:p>
           <a:p>
@@ -15949,7 +15744,7 @@
           <a:p>
             <a:r>
               <a:rPr lang="en-US" dirty="0"/>
-              <a:t>Examples of tools: Flyway, EF Migrations, Redgate SQL Change Automation (hybrid), </a:t>
+              <a:t>Examples of tools: Flyway, EF Migrations, </a:t>
             </a:r>
             <a:r>
               <a:rPr lang="en-US" dirty="0" err="1"/>
@@ -17029,15 +16824,7 @@
           <a:p>
             <a:r>
               <a:rPr lang="en-US" dirty="0"/>
-              <a:t>One Pull Request/Commit/</a:t>
-            </a:r>
-            <a:r>
-              <a:rPr lang="en-US" dirty="0" err="1"/>
-              <a:t>Checkin</a:t>
-            </a:r>
-            <a:r>
-              <a:rPr lang="en-US" dirty="0"/>
-              <a:t> for the application code and SQL code</a:t>
+              <a:t>One Pull Request/Commit for the application code and SQL code</a:t>
             </a:r>
           </a:p>
           <a:p>
@@ -17668,1157 +17455,6 @@
                   </a:schemeClr>
                 </a:solidFill>
               </a:rPr>
-              <a:t>Tool Review: Flyway</a:t>
-            </a:r>
-          </a:p>
-        </p:txBody>
-      </p:sp>
-      <p:sp>
-        <p:nvSpPr>
-          <p:cNvPr id="3" name="Content Placeholder 2"/>
-          <p:cNvSpPr>
-            <a:spLocks noGrp="1"/>
-          </p:cNvSpPr>
-          <p:nvPr>
-            <p:ph idx="1"/>
-          </p:nvPr>
-        </p:nvSpPr>
-        <p:spPr/>
-        <p:txBody>
-          <a:bodyPr/>
-          <a:lstStyle/>
-          <a:p>
-            <a:r>
-              <a:rPr lang="en-US" dirty="0"/>
-              <a:t>Open source</a:t>
-            </a:r>
-          </a:p>
-          <a:p>
-            <a:r>
-              <a:rPr lang="en-US" dirty="0"/>
-              <a:t>Migration-based approach</a:t>
-            </a:r>
-          </a:p>
-          <a:p>
-            <a:r>
-              <a:rPr lang="en-US" dirty="0"/>
-              <a:t>Command line tool</a:t>
-            </a:r>
-          </a:p>
-          <a:p>
-            <a:r>
-              <a:rPr lang="en-US" dirty="0"/>
-              <a:t>$950/</a:t>
-            </a:r>
-            <a:r>
-              <a:rPr lang="en-US" dirty="0" err="1"/>
-              <a:t>yr</a:t>
-            </a:r>
-            <a:r>
-              <a:rPr lang="en-US" dirty="0"/>
-              <a:t> for 10 schemas for Pro, $2950/</a:t>
-            </a:r>
-            <a:r>
-              <a:rPr lang="en-US" dirty="0" err="1"/>
-              <a:t>yr</a:t>
-            </a:r>
-            <a:r>
-              <a:rPr lang="en-US" dirty="0"/>
-              <a:t>/10 schemas for Enterprise</a:t>
-            </a:r>
-          </a:p>
-        </p:txBody>
-      </p:sp>
-      <p:grpSp>
-        <p:nvGrpSpPr>
-          <p:cNvPr id="12" name="Group 11">
-            <a:extLst>
-              <a:ext uri="{FF2B5EF4-FFF2-40B4-BE49-F238E27FC236}">
-                <a16:creationId xmlns:a16="http://schemas.microsoft.com/office/drawing/2014/main" id="{48F7BD60-2860-40E8-824E-899960DDCF64}"/>
-              </a:ext>
-            </a:extLst>
-          </p:cNvPr>
-          <p:cNvGrpSpPr/>
-          <p:nvPr/>
-        </p:nvGrpSpPr>
-        <p:grpSpPr>
-          <a:xfrm>
-            <a:off x="9970651" y="6185410"/>
-            <a:ext cx="2130724" cy="474323"/>
-            <a:chOff x="9970651" y="6185410"/>
-            <a:chExt cx="2130724" cy="474323"/>
-          </a:xfrm>
-        </p:grpSpPr>
-        <p:sp>
-          <p:nvSpPr>
-            <p:cNvPr id="13" name="Subtitle 2">
-              <a:extLst>
-                <a:ext uri="{FF2B5EF4-FFF2-40B4-BE49-F238E27FC236}">
-                  <a16:creationId xmlns:a16="http://schemas.microsoft.com/office/drawing/2014/main" id="{A731B29E-B1AF-49D9-AB14-B18BB8EFAB04}"/>
-                </a:ext>
-              </a:extLst>
-            </p:cNvPr>
-            <p:cNvSpPr txBox="1">
-              <a:spLocks/>
-            </p:cNvSpPr>
-            <p:nvPr/>
-          </p:nvSpPr>
-          <p:spPr>
-            <a:xfrm>
-              <a:off x="10041147" y="6185410"/>
-              <a:ext cx="2060228" cy="474323"/>
-            </a:xfrm>
-            <a:prstGeom prst="rect">
-              <a:avLst/>
-            </a:prstGeom>
-          </p:spPr>
-          <p:txBody>
-            <a:bodyPr vert="horz" lIns="91440" tIns="45720" rIns="91440" bIns="45720" rtlCol="0">
-              <a:normAutofit/>
-            </a:bodyPr>
-            <a:lstStyle>
-              <a:lvl1pPr marL="0" indent="0" algn="ctr" defTabSz="914400" rtl="0" eaLnBrk="1" latinLnBrk="0" hangingPunct="1">
-                <a:lnSpc>
-                  <a:spcPct val="90000"/>
-                </a:lnSpc>
-                <a:spcBef>
-                  <a:spcPts val="1000"/>
-                </a:spcBef>
-                <a:buFont typeface="Arial" panose="020B0604020202020204" pitchFamily="34" charset="0"/>
-                <a:buNone/>
-                <a:defRPr sz="2400" kern="1200">
-                  <a:solidFill>
-                    <a:schemeClr val="tx1"/>
-                  </a:solidFill>
-                  <a:latin typeface="+mn-lt"/>
-                  <a:ea typeface="+mn-ea"/>
-                  <a:cs typeface="+mn-cs"/>
-                </a:defRPr>
-              </a:lvl1pPr>
-              <a:lvl2pPr marL="457200" indent="0" algn="ctr" defTabSz="914400" rtl="0" eaLnBrk="1" latinLnBrk="0" hangingPunct="1">
-                <a:lnSpc>
-                  <a:spcPct val="90000"/>
-                </a:lnSpc>
-                <a:spcBef>
-                  <a:spcPts val="500"/>
-                </a:spcBef>
-                <a:buFont typeface="Arial" panose="020B0604020202020204" pitchFamily="34" charset="0"/>
-                <a:buNone/>
-                <a:defRPr sz="2000" kern="1200">
-                  <a:solidFill>
-                    <a:schemeClr val="tx1"/>
-                  </a:solidFill>
-                  <a:latin typeface="+mn-lt"/>
-                  <a:ea typeface="+mn-ea"/>
-                  <a:cs typeface="+mn-cs"/>
-                </a:defRPr>
-              </a:lvl2pPr>
-              <a:lvl3pPr marL="914400" indent="0" algn="ctr" defTabSz="914400" rtl="0" eaLnBrk="1" latinLnBrk="0" hangingPunct="1">
-                <a:lnSpc>
-                  <a:spcPct val="90000"/>
-                </a:lnSpc>
-                <a:spcBef>
-                  <a:spcPts val="500"/>
-                </a:spcBef>
-                <a:buFont typeface="Arial" panose="020B0604020202020204" pitchFamily="34" charset="0"/>
-                <a:buNone/>
-                <a:defRPr sz="1800" kern="1200">
-                  <a:solidFill>
-                    <a:schemeClr val="tx1"/>
-                  </a:solidFill>
-                  <a:latin typeface="+mn-lt"/>
-                  <a:ea typeface="+mn-ea"/>
-                  <a:cs typeface="+mn-cs"/>
-                </a:defRPr>
-              </a:lvl3pPr>
-              <a:lvl4pPr marL="1371600" indent="0" algn="ctr" defTabSz="914400" rtl="0" eaLnBrk="1" latinLnBrk="0" hangingPunct="1">
-                <a:lnSpc>
-                  <a:spcPct val="90000"/>
-                </a:lnSpc>
-                <a:spcBef>
-                  <a:spcPts val="500"/>
-                </a:spcBef>
-                <a:buFont typeface="Arial" panose="020B0604020202020204" pitchFamily="34" charset="0"/>
-                <a:buNone/>
-                <a:defRPr sz="1600" kern="1200">
-                  <a:solidFill>
-                    <a:schemeClr val="tx1"/>
-                  </a:solidFill>
-                  <a:latin typeface="+mn-lt"/>
-                  <a:ea typeface="+mn-ea"/>
-                  <a:cs typeface="+mn-cs"/>
-                </a:defRPr>
-              </a:lvl4pPr>
-              <a:lvl5pPr marL="1828800" indent="0" algn="ctr" defTabSz="914400" rtl="0" eaLnBrk="1" latinLnBrk="0" hangingPunct="1">
-                <a:lnSpc>
-                  <a:spcPct val="90000"/>
-                </a:lnSpc>
-                <a:spcBef>
-                  <a:spcPts val="500"/>
-                </a:spcBef>
-                <a:buFont typeface="Arial" panose="020B0604020202020204" pitchFamily="34" charset="0"/>
-                <a:buNone/>
-                <a:defRPr sz="1600" kern="1200">
-                  <a:solidFill>
-                    <a:schemeClr val="tx1"/>
-                  </a:solidFill>
-                  <a:latin typeface="+mn-lt"/>
-                  <a:ea typeface="+mn-ea"/>
-                  <a:cs typeface="+mn-cs"/>
-                </a:defRPr>
-              </a:lvl5pPr>
-              <a:lvl6pPr marL="2286000" indent="0" algn="ctr" defTabSz="914400" rtl="0" eaLnBrk="1" latinLnBrk="0" hangingPunct="1">
-                <a:lnSpc>
-                  <a:spcPct val="90000"/>
-                </a:lnSpc>
-                <a:spcBef>
-                  <a:spcPts val="500"/>
-                </a:spcBef>
-                <a:buFont typeface="Arial" panose="020B0604020202020204" pitchFamily="34" charset="0"/>
-                <a:buNone/>
-                <a:defRPr sz="1600" kern="1200">
-                  <a:solidFill>
-                    <a:schemeClr val="tx1"/>
-                  </a:solidFill>
-                  <a:latin typeface="+mn-lt"/>
-                  <a:ea typeface="+mn-ea"/>
-                  <a:cs typeface="+mn-cs"/>
-                </a:defRPr>
-              </a:lvl6pPr>
-              <a:lvl7pPr marL="2743200" indent="0" algn="ctr" defTabSz="914400" rtl="0" eaLnBrk="1" latinLnBrk="0" hangingPunct="1">
-                <a:lnSpc>
-                  <a:spcPct val="90000"/>
-                </a:lnSpc>
-                <a:spcBef>
-                  <a:spcPts val="500"/>
-                </a:spcBef>
-                <a:buFont typeface="Arial" panose="020B0604020202020204" pitchFamily="34" charset="0"/>
-                <a:buNone/>
-                <a:defRPr sz="1600" kern="1200">
-                  <a:solidFill>
-                    <a:schemeClr val="tx1"/>
-                  </a:solidFill>
-                  <a:latin typeface="+mn-lt"/>
-                  <a:ea typeface="+mn-ea"/>
-                  <a:cs typeface="+mn-cs"/>
-                </a:defRPr>
-              </a:lvl7pPr>
-              <a:lvl8pPr marL="3200400" indent="0" algn="ctr" defTabSz="914400" rtl="0" eaLnBrk="1" latinLnBrk="0" hangingPunct="1">
-                <a:lnSpc>
-                  <a:spcPct val="90000"/>
-                </a:lnSpc>
-                <a:spcBef>
-                  <a:spcPts val="500"/>
-                </a:spcBef>
-                <a:buFont typeface="Arial" panose="020B0604020202020204" pitchFamily="34" charset="0"/>
-                <a:buNone/>
-                <a:defRPr sz="1600" kern="1200">
-                  <a:solidFill>
-                    <a:schemeClr val="tx1"/>
-                  </a:solidFill>
-                  <a:latin typeface="+mn-lt"/>
-                  <a:ea typeface="+mn-ea"/>
-                  <a:cs typeface="+mn-cs"/>
-                </a:defRPr>
-              </a:lvl8pPr>
-              <a:lvl9pPr marL="3657600" indent="0" algn="ctr" defTabSz="914400" rtl="0" eaLnBrk="1" latinLnBrk="0" hangingPunct="1">
-                <a:lnSpc>
-                  <a:spcPct val="90000"/>
-                </a:lnSpc>
-                <a:spcBef>
-                  <a:spcPts val="500"/>
-                </a:spcBef>
-                <a:buFont typeface="Arial" panose="020B0604020202020204" pitchFamily="34" charset="0"/>
-                <a:buNone/>
-                <a:defRPr sz="1600" kern="1200">
-                  <a:solidFill>
-                    <a:schemeClr val="tx1"/>
-                  </a:solidFill>
-                  <a:latin typeface="+mn-lt"/>
-                  <a:ea typeface="+mn-ea"/>
-                  <a:cs typeface="+mn-cs"/>
-                </a:defRPr>
-              </a:lvl9pPr>
-            </a:lstStyle>
-            <a:p>
-              <a:r>
-                <a:rPr lang="en-US" dirty="0" err="1">
-                  <a:solidFill>
-                    <a:schemeClr val="bg1">
-                      <a:lumMod val="65000"/>
-                    </a:schemeClr>
-                  </a:solidFill>
-                </a:rPr>
-                <a:t>scottsauber</a:t>
-              </a:r>
-              <a:endParaRPr lang="en-US" dirty="0">
-                <a:solidFill>
-                  <a:schemeClr val="bg1">
-                    <a:lumMod val="65000"/>
-                  </a:schemeClr>
-                </a:solidFill>
-              </a:endParaRPr>
-            </a:p>
-          </p:txBody>
-        </p:sp>
-        <p:sp>
-          <p:nvSpPr>
-            <p:cNvPr id="14" name="Rectangle 13">
-              <a:extLst>
-                <a:ext uri="{FF2B5EF4-FFF2-40B4-BE49-F238E27FC236}">
-                  <a16:creationId xmlns:a16="http://schemas.microsoft.com/office/drawing/2014/main" id="{73E10D2D-C70A-4AFA-882E-05473E7F24A9}"/>
-                </a:ext>
-              </a:extLst>
-            </p:cNvPr>
-            <p:cNvSpPr/>
-            <p:nvPr/>
-          </p:nvSpPr>
-          <p:spPr>
-            <a:xfrm>
-              <a:off x="9970651" y="6285411"/>
-              <a:ext cx="347472" cy="274320"/>
-            </a:xfrm>
-            <a:prstGeom prst="rect">
-              <a:avLst/>
-            </a:prstGeom>
-            <a:blipFill dpi="0" rotWithShape="1">
-              <a:blip r:embed="rId3">
-                <a:alphaModFix amt="50000"/>
-              </a:blip>
-              <a:srcRect/>
-              <a:stretch>
-                <a:fillRect/>
-              </a:stretch>
-            </a:blipFill>
-            <a:ln>
-              <a:noFill/>
-            </a:ln>
-          </p:spPr>
-          <p:style>
-            <a:lnRef idx="2">
-              <a:schemeClr val="accent1">
-                <a:shade val="50000"/>
-              </a:schemeClr>
-            </a:lnRef>
-            <a:fillRef idx="1">
-              <a:schemeClr val="accent1"/>
-            </a:fillRef>
-            <a:effectRef idx="0">
-              <a:schemeClr val="accent1"/>
-            </a:effectRef>
-            <a:fontRef idx="minor">
-              <a:schemeClr val="lt1"/>
-            </a:fontRef>
-          </p:style>
-          <p:txBody>
-            <a:bodyPr rtlCol="0" anchor="ctr"/>
-            <a:lstStyle/>
-            <a:p>
-              <a:pPr algn="ctr"/>
-              <a:endParaRPr lang="en-US"/>
-            </a:p>
-          </p:txBody>
-        </p:sp>
-      </p:grpSp>
-    </p:spTree>
-    <p:extLst>
-      <p:ext uri="{BB962C8B-B14F-4D97-AF65-F5344CB8AC3E}">
-        <p14:creationId xmlns:p14="http://schemas.microsoft.com/office/powerpoint/2010/main" val="3525944537"/>
-      </p:ext>
-    </p:extLst>
-  </p:cSld>
-  <p:clrMapOvr>
-    <a:masterClrMapping/>
-  </p:clrMapOvr>
-  <p:timing>
-    <p:tnLst>
-      <p:par>
-        <p:cTn id="1" dur="indefinite" restart="never" nodeType="tmRoot">
-          <p:childTnLst>
-            <p:seq concurrent="1" nextAc="seek">
-              <p:cTn id="2" dur="indefinite" nodeType="mainSeq">
-                <p:childTnLst>
-                  <p:par>
-                    <p:cTn id="3" fill="hold">
-                      <p:stCondLst>
-                        <p:cond delay="indefinite"/>
-                      </p:stCondLst>
-                      <p:childTnLst>
-                        <p:par>
-                          <p:cTn id="4" fill="hold">
-                            <p:stCondLst>
-                              <p:cond delay="0"/>
-                            </p:stCondLst>
-                            <p:childTnLst>
-                              <p:par>
-                                <p:cTn id="5" presetID="10" presetClass="entr" presetSubtype="0" fill="hold" grpId="0" nodeType="clickEffect">
-                                  <p:stCondLst>
-                                    <p:cond delay="0"/>
-                                  </p:stCondLst>
-                                  <p:childTnLst>
-                                    <p:set>
-                                      <p:cBhvr>
-                                        <p:cTn id="6" dur="1" fill="hold">
-                                          <p:stCondLst>
-                                            <p:cond delay="0"/>
-                                          </p:stCondLst>
-                                        </p:cTn>
-                                        <p:tgtEl>
-                                          <p:spTgt spid="3">
-                                            <p:txEl>
-                                              <p:pRg st="0" end="0"/>
-                                            </p:txEl>
-                                          </p:spTgt>
-                                        </p:tgtEl>
-                                        <p:attrNameLst>
-                                          <p:attrName>style.visibility</p:attrName>
-                                        </p:attrNameLst>
-                                      </p:cBhvr>
-                                      <p:to>
-                                        <p:strVal val="visible"/>
-                                      </p:to>
-                                    </p:set>
-                                    <p:animEffect transition="in" filter="fade">
-                                      <p:cBhvr>
-                                        <p:cTn id="7" dur="500"/>
-                                        <p:tgtEl>
-                                          <p:spTgt spid="3">
-                                            <p:txEl>
-                                              <p:pRg st="0" end="0"/>
-                                            </p:txEl>
-                                          </p:spTgt>
-                                        </p:tgtEl>
-                                      </p:cBhvr>
-                                    </p:animEffect>
-                                  </p:childTnLst>
-                                  <p:subTnLst>
-                                    <p:animClr clrSpc="rgb" dir="cw">
-                                      <p:cBhvr override="childStyle">
-                                        <p:cTn dur="1" fill="hold" display="0" masterRel="nextClick" afterEffect="1"/>
-                                        <p:tgtEl>
-                                          <p:spTgt spid="3">
-                                            <p:txEl>
-                                              <p:pRg st="0" end="0"/>
-                                            </p:txEl>
-                                          </p:spTgt>
-                                        </p:tgtEl>
-                                        <p:attrNameLst>
-                                          <p:attrName>ppt_c</p:attrName>
-                                        </p:attrNameLst>
-                                      </p:cBhvr>
-                                      <p:to>
-                                        <a:srgbClr val="B2B2B2"/>
-                                      </p:to>
-                                    </p:animClr>
-                                  </p:subTnLst>
-                                </p:cTn>
-                              </p:par>
-                            </p:childTnLst>
-                          </p:cTn>
-                        </p:par>
-                      </p:childTnLst>
-                    </p:cTn>
-                  </p:par>
-                  <p:par>
-                    <p:cTn id="8" fill="hold">
-                      <p:stCondLst>
-                        <p:cond delay="indefinite"/>
-                      </p:stCondLst>
-                      <p:childTnLst>
-                        <p:par>
-                          <p:cTn id="9" fill="hold">
-                            <p:stCondLst>
-                              <p:cond delay="0"/>
-                            </p:stCondLst>
-                            <p:childTnLst>
-                              <p:par>
-                                <p:cTn id="10" presetID="10" presetClass="entr" presetSubtype="0" fill="hold" grpId="0" nodeType="clickEffect">
-                                  <p:stCondLst>
-                                    <p:cond delay="0"/>
-                                  </p:stCondLst>
-                                  <p:childTnLst>
-                                    <p:set>
-                                      <p:cBhvr>
-                                        <p:cTn id="11" dur="1" fill="hold">
-                                          <p:stCondLst>
-                                            <p:cond delay="0"/>
-                                          </p:stCondLst>
-                                        </p:cTn>
-                                        <p:tgtEl>
-                                          <p:spTgt spid="3">
-                                            <p:txEl>
-                                              <p:pRg st="1" end="1"/>
-                                            </p:txEl>
-                                          </p:spTgt>
-                                        </p:tgtEl>
-                                        <p:attrNameLst>
-                                          <p:attrName>style.visibility</p:attrName>
-                                        </p:attrNameLst>
-                                      </p:cBhvr>
-                                      <p:to>
-                                        <p:strVal val="visible"/>
-                                      </p:to>
-                                    </p:set>
-                                    <p:animEffect transition="in" filter="fade">
-                                      <p:cBhvr>
-                                        <p:cTn id="12" dur="500"/>
-                                        <p:tgtEl>
-                                          <p:spTgt spid="3">
-                                            <p:txEl>
-                                              <p:pRg st="1" end="1"/>
-                                            </p:txEl>
-                                          </p:spTgt>
-                                        </p:tgtEl>
-                                      </p:cBhvr>
-                                    </p:animEffect>
-                                  </p:childTnLst>
-                                  <p:subTnLst>
-                                    <p:animClr clrSpc="rgb" dir="cw">
-                                      <p:cBhvr override="childStyle">
-                                        <p:cTn dur="1" fill="hold" display="0" masterRel="nextClick" afterEffect="1"/>
-                                        <p:tgtEl>
-                                          <p:spTgt spid="3">
-                                            <p:txEl>
-                                              <p:pRg st="1" end="1"/>
-                                            </p:txEl>
-                                          </p:spTgt>
-                                        </p:tgtEl>
-                                        <p:attrNameLst>
-                                          <p:attrName>ppt_c</p:attrName>
-                                        </p:attrNameLst>
-                                      </p:cBhvr>
-                                      <p:to>
-                                        <a:srgbClr val="B2B2B2"/>
-                                      </p:to>
-                                    </p:animClr>
-                                  </p:subTnLst>
-                                </p:cTn>
-                              </p:par>
-                            </p:childTnLst>
-                          </p:cTn>
-                        </p:par>
-                      </p:childTnLst>
-                    </p:cTn>
-                  </p:par>
-                  <p:par>
-                    <p:cTn id="13" fill="hold">
-                      <p:stCondLst>
-                        <p:cond delay="indefinite"/>
-                      </p:stCondLst>
-                      <p:childTnLst>
-                        <p:par>
-                          <p:cTn id="14" fill="hold">
-                            <p:stCondLst>
-                              <p:cond delay="0"/>
-                            </p:stCondLst>
-                            <p:childTnLst>
-                              <p:par>
-                                <p:cTn id="15" presetID="10" presetClass="entr" presetSubtype="0" fill="hold" grpId="0" nodeType="clickEffect">
-                                  <p:stCondLst>
-                                    <p:cond delay="0"/>
-                                  </p:stCondLst>
-                                  <p:childTnLst>
-                                    <p:set>
-                                      <p:cBhvr>
-                                        <p:cTn id="16" dur="1" fill="hold">
-                                          <p:stCondLst>
-                                            <p:cond delay="0"/>
-                                          </p:stCondLst>
-                                        </p:cTn>
-                                        <p:tgtEl>
-                                          <p:spTgt spid="3">
-                                            <p:txEl>
-                                              <p:pRg st="2" end="2"/>
-                                            </p:txEl>
-                                          </p:spTgt>
-                                        </p:tgtEl>
-                                        <p:attrNameLst>
-                                          <p:attrName>style.visibility</p:attrName>
-                                        </p:attrNameLst>
-                                      </p:cBhvr>
-                                      <p:to>
-                                        <p:strVal val="visible"/>
-                                      </p:to>
-                                    </p:set>
-                                    <p:animEffect transition="in" filter="fade">
-                                      <p:cBhvr>
-                                        <p:cTn id="17" dur="500"/>
-                                        <p:tgtEl>
-                                          <p:spTgt spid="3">
-                                            <p:txEl>
-                                              <p:pRg st="2" end="2"/>
-                                            </p:txEl>
-                                          </p:spTgt>
-                                        </p:tgtEl>
-                                      </p:cBhvr>
-                                    </p:animEffect>
-                                  </p:childTnLst>
-                                  <p:subTnLst>
-                                    <p:animClr clrSpc="rgb" dir="cw">
-                                      <p:cBhvr override="childStyle">
-                                        <p:cTn dur="1" fill="hold" display="0" masterRel="nextClick" afterEffect="1"/>
-                                        <p:tgtEl>
-                                          <p:spTgt spid="3">
-                                            <p:txEl>
-                                              <p:pRg st="2" end="2"/>
-                                            </p:txEl>
-                                          </p:spTgt>
-                                        </p:tgtEl>
-                                        <p:attrNameLst>
-                                          <p:attrName>ppt_c</p:attrName>
-                                        </p:attrNameLst>
-                                      </p:cBhvr>
-                                      <p:to>
-                                        <a:srgbClr val="B2B2B2"/>
-                                      </p:to>
-                                    </p:animClr>
-                                  </p:subTnLst>
-                                </p:cTn>
-                              </p:par>
-                            </p:childTnLst>
-                          </p:cTn>
-                        </p:par>
-                      </p:childTnLst>
-                    </p:cTn>
-                  </p:par>
-                  <p:par>
-                    <p:cTn id="18" fill="hold">
-                      <p:stCondLst>
-                        <p:cond delay="indefinite"/>
-                      </p:stCondLst>
-                      <p:childTnLst>
-                        <p:par>
-                          <p:cTn id="19" fill="hold">
-                            <p:stCondLst>
-                              <p:cond delay="0"/>
-                            </p:stCondLst>
-                            <p:childTnLst>
-                              <p:par>
-                                <p:cTn id="20" presetID="10" presetClass="entr" presetSubtype="0" fill="hold" grpId="0" nodeType="clickEffect">
-                                  <p:stCondLst>
-                                    <p:cond delay="0"/>
-                                  </p:stCondLst>
-                                  <p:childTnLst>
-                                    <p:set>
-                                      <p:cBhvr>
-                                        <p:cTn id="21" dur="1" fill="hold">
-                                          <p:stCondLst>
-                                            <p:cond delay="0"/>
-                                          </p:stCondLst>
-                                        </p:cTn>
-                                        <p:tgtEl>
-                                          <p:spTgt spid="3">
-                                            <p:txEl>
-                                              <p:pRg st="3" end="3"/>
-                                            </p:txEl>
-                                          </p:spTgt>
-                                        </p:tgtEl>
-                                        <p:attrNameLst>
-                                          <p:attrName>style.visibility</p:attrName>
-                                        </p:attrNameLst>
-                                      </p:cBhvr>
-                                      <p:to>
-                                        <p:strVal val="visible"/>
-                                      </p:to>
-                                    </p:set>
-                                    <p:animEffect transition="in" filter="fade">
-                                      <p:cBhvr>
-                                        <p:cTn id="22" dur="500"/>
-                                        <p:tgtEl>
-                                          <p:spTgt spid="3">
-                                            <p:txEl>
-                                              <p:pRg st="3" end="3"/>
-                                            </p:txEl>
-                                          </p:spTgt>
-                                        </p:tgtEl>
-                                      </p:cBhvr>
-                                    </p:animEffect>
-                                  </p:childTnLst>
-                                  <p:subTnLst>
-                                    <p:animClr clrSpc="rgb" dir="cw">
-                                      <p:cBhvr override="childStyle">
-                                        <p:cTn dur="1" fill="hold" display="0" masterRel="nextClick" afterEffect="1"/>
-                                        <p:tgtEl>
-                                          <p:spTgt spid="3">
-                                            <p:txEl>
-                                              <p:pRg st="3" end="3"/>
-                                            </p:txEl>
-                                          </p:spTgt>
-                                        </p:tgtEl>
-                                        <p:attrNameLst>
-                                          <p:attrName>ppt_c</p:attrName>
-                                        </p:attrNameLst>
-                                      </p:cBhvr>
-                                      <p:to>
-                                        <a:srgbClr val="B2B2B2"/>
-                                      </p:to>
-                                    </p:animClr>
-                                  </p:subTnLst>
-                                </p:cTn>
-                              </p:par>
-                            </p:childTnLst>
-                          </p:cTn>
-                        </p:par>
-                      </p:childTnLst>
-                    </p:cTn>
-                  </p:par>
-                </p:childTnLst>
-              </p:cTn>
-              <p:prevCondLst>
-                <p:cond evt="onPrev" delay="0">
-                  <p:tgtEl>
-                    <p:sldTgt/>
-                  </p:tgtEl>
-                </p:cond>
-              </p:prevCondLst>
-              <p:nextCondLst>
-                <p:cond evt="onNext" delay="0">
-                  <p:tgtEl>
-                    <p:sldTgt/>
-                  </p:tgtEl>
-                </p:cond>
-              </p:nextCondLst>
-            </p:seq>
-          </p:childTnLst>
-        </p:cTn>
-      </p:par>
-    </p:tnLst>
-    <p:bldLst>
-      <p:bldP spid="3" grpId="0" build="p"/>
-    </p:bldLst>
-  </p:timing>
-</p:sld>
-</file>
-
-<file path=ppt/slides/slide25.xml><?xml version="1.0" encoding="utf-8"?>
-<p:sld xmlns:a="http://schemas.openxmlformats.org/drawingml/2006/main" xmlns:r="http://schemas.openxmlformats.org/officeDocument/2006/relationships" xmlns:p="http://schemas.openxmlformats.org/presentationml/2006/main">
-  <p:cSld>
-    <p:spTree>
-      <p:nvGrpSpPr>
-        <p:cNvPr id="1" name=""/>
-        <p:cNvGrpSpPr/>
-        <p:nvPr/>
-      </p:nvGrpSpPr>
-      <p:grpSpPr>
-        <a:xfrm>
-          <a:off x="0" y="0"/>
-          <a:ext cx="0" cy="0"/>
-          <a:chOff x="0" y="0"/>
-          <a:chExt cx="0" cy="0"/>
-        </a:xfrm>
-      </p:grpSpPr>
-      <p:sp>
-        <p:nvSpPr>
-          <p:cNvPr id="2" name="Title 1"/>
-          <p:cNvSpPr>
-            <a:spLocks noGrp="1"/>
-          </p:cNvSpPr>
-          <p:nvPr>
-            <p:ph type="title"/>
-          </p:nvPr>
-        </p:nvSpPr>
-        <p:spPr/>
-        <p:txBody>
-          <a:bodyPr/>
-          <a:lstStyle/>
-          <a:p>
-            <a:r>
-              <a:rPr lang="en-US" dirty="0">
-                <a:solidFill>
-                  <a:schemeClr val="bg1">
-                    <a:lumMod val="65000"/>
-                  </a:schemeClr>
-                </a:solidFill>
-              </a:rPr>
-              <a:t>Flyway Demo</a:t>
-            </a:r>
-          </a:p>
-        </p:txBody>
-      </p:sp>
-      <p:sp>
-        <p:nvSpPr>
-          <p:cNvPr id="3" name="Content Placeholder 2"/>
-          <p:cNvSpPr>
-            <a:spLocks noGrp="1"/>
-          </p:cNvSpPr>
-          <p:nvPr>
-            <p:ph idx="1"/>
-          </p:nvPr>
-        </p:nvSpPr>
-        <p:spPr/>
-        <p:txBody>
-          <a:bodyPr/>
-          <a:lstStyle/>
-          <a:p>
-            <a:r>
-              <a:rPr lang="en-US" dirty="0"/>
-              <a:t>Demo</a:t>
-            </a:r>
-          </a:p>
-          <a:p>
-            <a:r>
-              <a:rPr lang="en-US" dirty="0"/>
-              <a:t>Config</a:t>
-            </a:r>
-          </a:p>
-          <a:p>
-            <a:r>
-              <a:rPr lang="en-US" dirty="0"/>
-              <a:t>Baseline</a:t>
-            </a:r>
-          </a:p>
-          <a:p>
-            <a:r>
-              <a:rPr lang="en-US" dirty="0"/>
-              <a:t>Migrate</a:t>
-            </a:r>
-          </a:p>
-        </p:txBody>
-      </p:sp>
-      <p:grpSp>
-        <p:nvGrpSpPr>
-          <p:cNvPr id="12" name="Group 11">
-            <a:extLst>
-              <a:ext uri="{FF2B5EF4-FFF2-40B4-BE49-F238E27FC236}">
-                <a16:creationId xmlns:a16="http://schemas.microsoft.com/office/drawing/2014/main" id="{48F7BD60-2860-40E8-824E-899960DDCF64}"/>
-              </a:ext>
-            </a:extLst>
-          </p:cNvPr>
-          <p:cNvGrpSpPr/>
-          <p:nvPr/>
-        </p:nvGrpSpPr>
-        <p:grpSpPr>
-          <a:xfrm>
-            <a:off x="9970651" y="6185410"/>
-            <a:ext cx="2130724" cy="474323"/>
-            <a:chOff x="9970651" y="6185410"/>
-            <a:chExt cx="2130724" cy="474323"/>
-          </a:xfrm>
-        </p:grpSpPr>
-        <p:sp>
-          <p:nvSpPr>
-            <p:cNvPr id="13" name="Subtitle 2">
-              <a:extLst>
-                <a:ext uri="{FF2B5EF4-FFF2-40B4-BE49-F238E27FC236}">
-                  <a16:creationId xmlns:a16="http://schemas.microsoft.com/office/drawing/2014/main" id="{A731B29E-B1AF-49D9-AB14-B18BB8EFAB04}"/>
-                </a:ext>
-              </a:extLst>
-            </p:cNvPr>
-            <p:cNvSpPr txBox="1">
-              <a:spLocks/>
-            </p:cNvSpPr>
-            <p:nvPr/>
-          </p:nvSpPr>
-          <p:spPr>
-            <a:xfrm>
-              <a:off x="10041147" y="6185410"/>
-              <a:ext cx="2060228" cy="474323"/>
-            </a:xfrm>
-            <a:prstGeom prst="rect">
-              <a:avLst/>
-            </a:prstGeom>
-          </p:spPr>
-          <p:txBody>
-            <a:bodyPr vert="horz" lIns="91440" tIns="45720" rIns="91440" bIns="45720" rtlCol="0">
-              <a:normAutofit/>
-            </a:bodyPr>
-            <a:lstStyle>
-              <a:lvl1pPr marL="0" indent="0" algn="ctr" defTabSz="914400" rtl="0" eaLnBrk="1" latinLnBrk="0" hangingPunct="1">
-                <a:lnSpc>
-                  <a:spcPct val="90000"/>
-                </a:lnSpc>
-                <a:spcBef>
-                  <a:spcPts val="1000"/>
-                </a:spcBef>
-                <a:buFont typeface="Arial" panose="020B0604020202020204" pitchFamily="34" charset="0"/>
-                <a:buNone/>
-                <a:defRPr sz="2400" kern="1200">
-                  <a:solidFill>
-                    <a:schemeClr val="tx1"/>
-                  </a:solidFill>
-                  <a:latin typeface="+mn-lt"/>
-                  <a:ea typeface="+mn-ea"/>
-                  <a:cs typeface="+mn-cs"/>
-                </a:defRPr>
-              </a:lvl1pPr>
-              <a:lvl2pPr marL="457200" indent="0" algn="ctr" defTabSz="914400" rtl="0" eaLnBrk="1" latinLnBrk="0" hangingPunct="1">
-                <a:lnSpc>
-                  <a:spcPct val="90000"/>
-                </a:lnSpc>
-                <a:spcBef>
-                  <a:spcPts val="500"/>
-                </a:spcBef>
-                <a:buFont typeface="Arial" panose="020B0604020202020204" pitchFamily="34" charset="0"/>
-                <a:buNone/>
-                <a:defRPr sz="2000" kern="1200">
-                  <a:solidFill>
-                    <a:schemeClr val="tx1"/>
-                  </a:solidFill>
-                  <a:latin typeface="+mn-lt"/>
-                  <a:ea typeface="+mn-ea"/>
-                  <a:cs typeface="+mn-cs"/>
-                </a:defRPr>
-              </a:lvl2pPr>
-              <a:lvl3pPr marL="914400" indent="0" algn="ctr" defTabSz="914400" rtl="0" eaLnBrk="1" latinLnBrk="0" hangingPunct="1">
-                <a:lnSpc>
-                  <a:spcPct val="90000"/>
-                </a:lnSpc>
-                <a:spcBef>
-                  <a:spcPts val="500"/>
-                </a:spcBef>
-                <a:buFont typeface="Arial" panose="020B0604020202020204" pitchFamily="34" charset="0"/>
-                <a:buNone/>
-                <a:defRPr sz="1800" kern="1200">
-                  <a:solidFill>
-                    <a:schemeClr val="tx1"/>
-                  </a:solidFill>
-                  <a:latin typeface="+mn-lt"/>
-                  <a:ea typeface="+mn-ea"/>
-                  <a:cs typeface="+mn-cs"/>
-                </a:defRPr>
-              </a:lvl3pPr>
-              <a:lvl4pPr marL="1371600" indent="0" algn="ctr" defTabSz="914400" rtl="0" eaLnBrk="1" latinLnBrk="0" hangingPunct="1">
-                <a:lnSpc>
-                  <a:spcPct val="90000"/>
-                </a:lnSpc>
-                <a:spcBef>
-                  <a:spcPts val="500"/>
-                </a:spcBef>
-                <a:buFont typeface="Arial" panose="020B0604020202020204" pitchFamily="34" charset="0"/>
-                <a:buNone/>
-                <a:defRPr sz="1600" kern="1200">
-                  <a:solidFill>
-                    <a:schemeClr val="tx1"/>
-                  </a:solidFill>
-                  <a:latin typeface="+mn-lt"/>
-                  <a:ea typeface="+mn-ea"/>
-                  <a:cs typeface="+mn-cs"/>
-                </a:defRPr>
-              </a:lvl4pPr>
-              <a:lvl5pPr marL="1828800" indent="0" algn="ctr" defTabSz="914400" rtl="0" eaLnBrk="1" latinLnBrk="0" hangingPunct="1">
-                <a:lnSpc>
-                  <a:spcPct val="90000"/>
-                </a:lnSpc>
-                <a:spcBef>
-                  <a:spcPts val="500"/>
-                </a:spcBef>
-                <a:buFont typeface="Arial" panose="020B0604020202020204" pitchFamily="34" charset="0"/>
-                <a:buNone/>
-                <a:defRPr sz="1600" kern="1200">
-                  <a:solidFill>
-                    <a:schemeClr val="tx1"/>
-                  </a:solidFill>
-                  <a:latin typeface="+mn-lt"/>
-                  <a:ea typeface="+mn-ea"/>
-                  <a:cs typeface="+mn-cs"/>
-                </a:defRPr>
-              </a:lvl5pPr>
-              <a:lvl6pPr marL="2286000" indent="0" algn="ctr" defTabSz="914400" rtl="0" eaLnBrk="1" latinLnBrk="0" hangingPunct="1">
-                <a:lnSpc>
-                  <a:spcPct val="90000"/>
-                </a:lnSpc>
-                <a:spcBef>
-                  <a:spcPts val="500"/>
-                </a:spcBef>
-                <a:buFont typeface="Arial" panose="020B0604020202020204" pitchFamily="34" charset="0"/>
-                <a:buNone/>
-                <a:defRPr sz="1600" kern="1200">
-                  <a:solidFill>
-                    <a:schemeClr val="tx1"/>
-                  </a:solidFill>
-                  <a:latin typeface="+mn-lt"/>
-                  <a:ea typeface="+mn-ea"/>
-                  <a:cs typeface="+mn-cs"/>
-                </a:defRPr>
-              </a:lvl6pPr>
-              <a:lvl7pPr marL="2743200" indent="0" algn="ctr" defTabSz="914400" rtl="0" eaLnBrk="1" latinLnBrk="0" hangingPunct="1">
-                <a:lnSpc>
-                  <a:spcPct val="90000"/>
-                </a:lnSpc>
-                <a:spcBef>
-                  <a:spcPts val="500"/>
-                </a:spcBef>
-                <a:buFont typeface="Arial" panose="020B0604020202020204" pitchFamily="34" charset="0"/>
-                <a:buNone/>
-                <a:defRPr sz="1600" kern="1200">
-                  <a:solidFill>
-                    <a:schemeClr val="tx1"/>
-                  </a:solidFill>
-                  <a:latin typeface="+mn-lt"/>
-                  <a:ea typeface="+mn-ea"/>
-                  <a:cs typeface="+mn-cs"/>
-                </a:defRPr>
-              </a:lvl7pPr>
-              <a:lvl8pPr marL="3200400" indent="0" algn="ctr" defTabSz="914400" rtl="0" eaLnBrk="1" latinLnBrk="0" hangingPunct="1">
-                <a:lnSpc>
-                  <a:spcPct val="90000"/>
-                </a:lnSpc>
-                <a:spcBef>
-                  <a:spcPts val="500"/>
-                </a:spcBef>
-                <a:buFont typeface="Arial" panose="020B0604020202020204" pitchFamily="34" charset="0"/>
-                <a:buNone/>
-                <a:defRPr sz="1600" kern="1200">
-                  <a:solidFill>
-                    <a:schemeClr val="tx1"/>
-                  </a:solidFill>
-                  <a:latin typeface="+mn-lt"/>
-                  <a:ea typeface="+mn-ea"/>
-                  <a:cs typeface="+mn-cs"/>
-                </a:defRPr>
-              </a:lvl8pPr>
-              <a:lvl9pPr marL="3657600" indent="0" algn="ctr" defTabSz="914400" rtl="0" eaLnBrk="1" latinLnBrk="0" hangingPunct="1">
-                <a:lnSpc>
-                  <a:spcPct val="90000"/>
-                </a:lnSpc>
-                <a:spcBef>
-                  <a:spcPts val="500"/>
-                </a:spcBef>
-                <a:buFont typeface="Arial" panose="020B0604020202020204" pitchFamily="34" charset="0"/>
-                <a:buNone/>
-                <a:defRPr sz="1600" kern="1200">
-                  <a:solidFill>
-                    <a:schemeClr val="tx1"/>
-                  </a:solidFill>
-                  <a:latin typeface="+mn-lt"/>
-                  <a:ea typeface="+mn-ea"/>
-                  <a:cs typeface="+mn-cs"/>
-                </a:defRPr>
-              </a:lvl9pPr>
-            </a:lstStyle>
-            <a:p>
-              <a:r>
-                <a:rPr lang="en-US" dirty="0" err="1">
-                  <a:solidFill>
-                    <a:schemeClr val="bg1">
-                      <a:lumMod val="65000"/>
-                    </a:schemeClr>
-                  </a:solidFill>
-                </a:rPr>
-                <a:t>scottsauber</a:t>
-              </a:r>
-              <a:endParaRPr lang="en-US" dirty="0">
-                <a:solidFill>
-                  <a:schemeClr val="bg1">
-                    <a:lumMod val="65000"/>
-                  </a:schemeClr>
-                </a:solidFill>
-              </a:endParaRPr>
-            </a:p>
-          </p:txBody>
-        </p:sp>
-        <p:sp>
-          <p:nvSpPr>
-            <p:cNvPr id="14" name="Rectangle 13">
-              <a:extLst>
-                <a:ext uri="{FF2B5EF4-FFF2-40B4-BE49-F238E27FC236}">
-                  <a16:creationId xmlns:a16="http://schemas.microsoft.com/office/drawing/2014/main" id="{73E10D2D-C70A-4AFA-882E-05473E7F24A9}"/>
-                </a:ext>
-              </a:extLst>
-            </p:cNvPr>
-            <p:cNvSpPr/>
-            <p:nvPr/>
-          </p:nvSpPr>
-          <p:spPr>
-            <a:xfrm>
-              <a:off x="9970651" y="6285411"/>
-              <a:ext cx="347472" cy="274320"/>
-            </a:xfrm>
-            <a:prstGeom prst="rect">
-              <a:avLst/>
-            </a:prstGeom>
-            <a:blipFill dpi="0" rotWithShape="1">
-              <a:blip r:embed="rId3">
-                <a:alphaModFix amt="50000"/>
-              </a:blip>
-              <a:srcRect/>
-              <a:stretch>
-                <a:fillRect/>
-              </a:stretch>
-            </a:blipFill>
-            <a:ln>
-              <a:noFill/>
-            </a:ln>
-          </p:spPr>
-          <p:style>
-            <a:lnRef idx="2">
-              <a:schemeClr val="accent1">
-                <a:shade val="50000"/>
-              </a:schemeClr>
-            </a:lnRef>
-            <a:fillRef idx="1">
-              <a:schemeClr val="accent1"/>
-            </a:fillRef>
-            <a:effectRef idx="0">
-              <a:schemeClr val="accent1"/>
-            </a:effectRef>
-            <a:fontRef idx="minor">
-              <a:schemeClr val="lt1"/>
-            </a:fontRef>
-          </p:style>
-          <p:txBody>
-            <a:bodyPr rtlCol="0" anchor="ctr"/>
-            <a:lstStyle/>
-            <a:p>
-              <a:pPr algn="ctr"/>
-              <a:endParaRPr lang="en-US"/>
-            </a:p>
-          </p:txBody>
-        </p:sp>
-      </p:grpSp>
-    </p:spTree>
-    <p:extLst>
-      <p:ext uri="{BB962C8B-B14F-4D97-AF65-F5344CB8AC3E}">
-        <p14:creationId xmlns:p14="http://schemas.microsoft.com/office/powerpoint/2010/main" val="4010225555"/>
-      </p:ext>
-    </p:extLst>
-  </p:cSld>
-  <p:clrMapOvr>
-    <a:masterClrMapping/>
-  </p:clrMapOvr>
-</p:sld>
-</file>
-
-<file path=ppt/slides/slide26.xml><?xml version="1.0" encoding="utf-8"?>
-<p:sld xmlns:a="http://schemas.openxmlformats.org/drawingml/2006/main" xmlns:r="http://schemas.openxmlformats.org/officeDocument/2006/relationships" xmlns:p="http://schemas.openxmlformats.org/presentationml/2006/main">
-  <p:cSld>
-    <p:spTree>
-      <p:nvGrpSpPr>
-        <p:cNvPr id="1" name=""/>
-        <p:cNvGrpSpPr/>
-        <p:nvPr/>
-      </p:nvGrpSpPr>
-      <p:grpSpPr>
-        <a:xfrm>
-          <a:off x="0" y="0"/>
-          <a:ext cx="0" cy="0"/>
-          <a:chOff x="0" y="0"/>
-          <a:chExt cx="0" cy="0"/>
-        </a:xfrm>
-      </p:grpSpPr>
-      <p:sp>
-        <p:nvSpPr>
-          <p:cNvPr id="2" name="Title 1"/>
-          <p:cNvSpPr>
-            <a:spLocks noGrp="1"/>
-          </p:cNvSpPr>
-          <p:nvPr>
-            <p:ph type="title"/>
-          </p:nvPr>
-        </p:nvSpPr>
-        <p:spPr/>
-        <p:txBody>
-          <a:bodyPr/>
-          <a:lstStyle/>
-          <a:p>
-            <a:r>
-              <a:rPr lang="en-US" dirty="0">
-                <a:solidFill>
-                  <a:schemeClr val="bg1">
-                    <a:lumMod val="65000"/>
-                  </a:schemeClr>
-                </a:solidFill>
-              </a:rPr>
               <a:t>Automated Builds: How</a:t>
             </a:r>
           </a:p>
@@ -19803,7 +18439,7 @@
 </p:sld>
 </file>
 
-<file path=ppt/slides/slide27.xml><?xml version="1.0" encoding="utf-8"?>
+<file path=ppt/slides/slide25.xml><?xml version="1.0" encoding="utf-8"?>
 <p:sld xmlns:a="http://schemas.openxmlformats.org/drawingml/2006/main" xmlns:r="http://schemas.openxmlformats.org/officeDocument/2006/relationships" xmlns:p="http://schemas.openxmlformats.org/presentationml/2006/main">
   <p:cSld>
     <p:spTree>
@@ -20898,7 +19534,7 @@
 </p:sld>
 </file>
 
-<file path=ppt/slides/slide28.xml><?xml version="1.0" encoding="utf-8"?>
+<file path=ppt/slides/slide26.xml><?xml version="1.0" encoding="utf-8"?>
 <p:sld xmlns:a="http://schemas.openxmlformats.org/drawingml/2006/main" xmlns:r="http://schemas.openxmlformats.org/officeDocument/2006/relationships" xmlns:p="http://schemas.openxmlformats.org/presentationml/2006/main">
   <p:cSld>
     <p:spTree>
@@ -21933,7 +20569,7 @@
 </p:sld>
 </file>
 
-<file path=ppt/slides/slide29.xml><?xml version="1.0" encoding="utf-8"?>
+<file path=ppt/slides/slide27.xml><?xml version="1.0" encoding="utf-8"?>
 <p:sld xmlns:a="http://schemas.openxmlformats.org/drawingml/2006/main" xmlns:r="http://schemas.openxmlformats.org/officeDocument/2006/relationships" xmlns:p="http://schemas.openxmlformats.org/presentationml/2006/main">
   <p:cSld>
     <p:spTree>
@@ -22334,6 +20970,1923 @@
 </p:sld>
 </file>
 
+<file path=ppt/slides/slide28.xml><?xml version="1.0" encoding="utf-8"?>
+<p:sld xmlns:a="http://schemas.openxmlformats.org/drawingml/2006/main" xmlns:r="http://schemas.openxmlformats.org/officeDocument/2006/relationships" xmlns:p="http://schemas.openxmlformats.org/presentationml/2006/main">
+  <p:cSld>
+    <p:spTree>
+      <p:nvGrpSpPr>
+        <p:cNvPr id="1" name=""/>
+        <p:cNvGrpSpPr/>
+        <p:nvPr/>
+      </p:nvGrpSpPr>
+      <p:grpSpPr>
+        <a:xfrm>
+          <a:off x="0" y="0"/>
+          <a:ext cx="0" cy="0"/>
+          <a:chOff x="0" y="0"/>
+          <a:chExt cx="0" cy="0"/>
+        </a:xfrm>
+      </p:grpSpPr>
+      <p:sp>
+        <p:nvSpPr>
+          <p:cNvPr id="2" name="Title 1"/>
+          <p:cNvSpPr>
+            <a:spLocks noGrp="1"/>
+          </p:cNvSpPr>
+          <p:nvPr>
+            <p:ph type="title"/>
+          </p:nvPr>
+        </p:nvSpPr>
+        <p:spPr/>
+        <p:txBody>
+          <a:bodyPr/>
+          <a:lstStyle/>
+          <a:p>
+            <a:r>
+              <a:rPr lang="en-US" dirty="0">
+                <a:solidFill>
+                  <a:schemeClr val="bg1">
+                    <a:lumMod val="65000"/>
+                  </a:schemeClr>
+                </a:solidFill>
+              </a:rPr>
+              <a:t>Common Gotcha’s </a:t>
+            </a:r>
+            <a:r>
+              <a:rPr lang="en-US">
+                <a:solidFill>
+                  <a:schemeClr val="bg1">
+                    <a:lumMod val="65000"/>
+                  </a:schemeClr>
+                </a:solidFill>
+              </a:rPr>
+              <a:t>Building The Database</a:t>
+            </a:r>
+            <a:endParaRPr lang="en-US" dirty="0">
+              <a:solidFill>
+                <a:schemeClr val="bg1">
+                  <a:lumMod val="65000"/>
+                </a:schemeClr>
+              </a:solidFill>
+            </a:endParaRPr>
+          </a:p>
+        </p:txBody>
+      </p:sp>
+      <p:sp>
+        <p:nvSpPr>
+          <p:cNvPr id="3" name="Content Placeholder 2"/>
+          <p:cNvSpPr>
+            <a:spLocks noGrp="1"/>
+          </p:cNvSpPr>
+          <p:nvPr>
+            <p:ph idx="1"/>
+          </p:nvPr>
+        </p:nvSpPr>
+        <p:spPr/>
+        <p:txBody>
+          <a:bodyPr/>
+          <a:lstStyle/>
+          <a:p>
+            <a:r>
+              <a:rPr lang="en-US" dirty="0"/>
+              <a:t>You will pay for the sins of your ancestors</a:t>
+            </a:r>
+          </a:p>
+          <a:p>
+            <a:r>
+              <a:rPr lang="en-US" dirty="0"/>
+              <a:t>Linked Servers</a:t>
+            </a:r>
+          </a:p>
+          <a:p>
+            <a:r>
+              <a:rPr lang="en-US" dirty="0"/>
+              <a:t>Cross-Database Hopping</a:t>
+            </a:r>
+          </a:p>
+          <a:p>
+            <a:r>
+              <a:rPr lang="en-US" dirty="0"/>
+              <a:t>Old Stored Procedures or Views Referencing Old Tables/Columns</a:t>
+            </a:r>
+          </a:p>
+          <a:p>
+            <a:r>
+              <a:rPr lang="en-US" dirty="0"/>
+              <a:t>Multi-tenant challenges</a:t>
+            </a:r>
+          </a:p>
+        </p:txBody>
+      </p:sp>
+      <p:grpSp>
+        <p:nvGrpSpPr>
+          <p:cNvPr id="12" name="Group 11">
+            <a:extLst>
+              <a:ext uri="{FF2B5EF4-FFF2-40B4-BE49-F238E27FC236}">
+                <a16:creationId xmlns:a16="http://schemas.microsoft.com/office/drawing/2014/main" id="{8A278790-7757-48E3-8988-4EA9F2835B70}"/>
+              </a:ext>
+            </a:extLst>
+          </p:cNvPr>
+          <p:cNvGrpSpPr/>
+          <p:nvPr/>
+        </p:nvGrpSpPr>
+        <p:grpSpPr>
+          <a:xfrm>
+            <a:off x="9970651" y="6185410"/>
+            <a:ext cx="2130724" cy="474323"/>
+            <a:chOff x="9970651" y="6185410"/>
+            <a:chExt cx="2130724" cy="474323"/>
+          </a:xfrm>
+        </p:grpSpPr>
+        <p:sp>
+          <p:nvSpPr>
+            <p:cNvPr id="13" name="Subtitle 2">
+              <a:extLst>
+                <a:ext uri="{FF2B5EF4-FFF2-40B4-BE49-F238E27FC236}">
+                  <a16:creationId xmlns:a16="http://schemas.microsoft.com/office/drawing/2014/main" id="{1B2F9D29-43ED-4D87-A41A-D4C9CAFD7B40}"/>
+                </a:ext>
+              </a:extLst>
+            </p:cNvPr>
+            <p:cNvSpPr txBox="1">
+              <a:spLocks/>
+            </p:cNvSpPr>
+            <p:nvPr/>
+          </p:nvSpPr>
+          <p:spPr>
+            <a:xfrm>
+              <a:off x="10041147" y="6185410"/>
+              <a:ext cx="2060228" cy="474323"/>
+            </a:xfrm>
+            <a:prstGeom prst="rect">
+              <a:avLst/>
+            </a:prstGeom>
+          </p:spPr>
+          <p:txBody>
+            <a:bodyPr vert="horz" lIns="91440" tIns="45720" rIns="91440" bIns="45720" rtlCol="0">
+              <a:normAutofit/>
+            </a:bodyPr>
+            <a:lstStyle>
+              <a:lvl1pPr marL="0" indent="0" algn="ctr" defTabSz="914400" rtl="0" eaLnBrk="1" latinLnBrk="0" hangingPunct="1">
+                <a:lnSpc>
+                  <a:spcPct val="90000"/>
+                </a:lnSpc>
+                <a:spcBef>
+                  <a:spcPts val="1000"/>
+                </a:spcBef>
+                <a:buFont typeface="Arial" panose="020B0604020202020204" pitchFamily="34" charset="0"/>
+                <a:buNone/>
+                <a:defRPr sz="2400" kern="1200">
+                  <a:solidFill>
+                    <a:schemeClr val="tx1"/>
+                  </a:solidFill>
+                  <a:latin typeface="+mn-lt"/>
+                  <a:ea typeface="+mn-ea"/>
+                  <a:cs typeface="+mn-cs"/>
+                </a:defRPr>
+              </a:lvl1pPr>
+              <a:lvl2pPr marL="457200" indent="0" algn="ctr" defTabSz="914400" rtl="0" eaLnBrk="1" latinLnBrk="0" hangingPunct="1">
+                <a:lnSpc>
+                  <a:spcPct val="90000"/>
+                </a:lnSpc>
+                <a:spcBef>
+                  <a:spcPts val="500"/>
+                </a:spcBef>
+                <a:buFont typeface="Arial" panose="020B0604020202020204" pitchFamily="34" charset="0"/>
+                <a:buNone/>
+                <a:defRPr sz="2000" kern="1200">
+                  <a:solidFill>
+                    <a:schemeClr val="tx1"/>
+                  </a:solidFill>
+                  <a:latin typeface="+mn-lt"/>
+                  <a:ea typeface="+mn-ea"/>
+                  <a:cs typeface="+mn-cs"/>
+                </a:defRPr>
+              </a:lvl2pPr>
+              <a:lvl3pPr marL="914400" indent="0" algn="ctr" defTabSz="914400" rtl="0" eaLnBrk="1" latinLnBrk="0" hangingPunct="1">
+                <a:lnSpc>
+                  <a:spcPct val="90000"/>
+                </a:lnSpc>
+                <a:spcBef>
+                  <a:spcPts val="500"/>
+                </a:spcBef>
+                <a:buFont typeface="Arial" panose="020B0604020202020204" pitchFamily="34" charset="0"/>
+                <a:buNone/>
+                <a:defRPr sz="1800" kern="1200">
+                  <a:solidFill>
+                    <a:schemeClr val="tx1"/>
+                  </a:solidFill>
+                  <a:latin typeface="+mn-lt"/>
+                  <a:ea typeface="+mn-ea"/>
+                  <a:cs typeface="+mn-cs"/>
+                </a:defRPr>
+              </a:lvl3pPr>
+              <a:lvl4pPr marL="1371600" indent="0" algn="ctr" defTabSz="914400" rtl="0" eaLnBrk="1" latinLnBrk="0" hangingPunct="1">
+                <a:lnSpc>
+                  <a:spcPct val="90000"/>
+                </a:lnSpc>
+                <a:spcBef>
+                  <a:spcPts val="500"/>
+                </a:spcBef>
+                <a:buFont typeface="Arial" panose="020B0604020202020204" pitchFamily="34" charset="0"/>
+                <a:buNone/>
+                <a:defRPr sz="1600" kern="1200">
+                  <a:solidFill>
+                    <a:schemeClr val="tx1"/>
+                  </a:solidFill>
+                  <a:latin typeface="+mn-lt"/>
+                  <a:ea typeface="+mn-ea"/>
+                  <a:cs typeface="+mn-cs"/>
+                </a:defRPr>
+              </a:lvl4pPr>
+              <a:lvl5pPr marL="1828800" indent="0" algn="ctr" defTabSz="914400" rtl="0" eaLnBrk="1" latinLnBrk="0" hangingPunct="1">
+                <a:lnSpc>
+                  <a:spcPct val="90000"/>
+                </a:lnSpc>
+                <a:spcBef>
+                  <a:spcPts val="500"/>
+                </a:spcBef>
+                <a:buFont typeface="Arial" panose="020B0604020202020204" pitchFamily="34" charset="0"/>
+                <a:buNone/>
+                <a:defRPr sz="1600" kern="1200">
+                  <a:solidFill>
+                    <a:schemeClr val="tx1"/>
+                  </a:solidFill>
+                  <a:latin typeface="+mn-lt"/>
+                  <a:ea typeface="+mn-ea"/>
+                  <a:cs typeface="+mn-cs"/>
+                </a:defRPr>
+              </a:lvl5pPr>
+              <a:lvl6pPr marL="2286000" indent="0" algn="ctr" defTabSz="914400" rtl="0" eaLnBrk="1" latinLnBrk="0" hangingPunct="1">
+                <a:lnSpc>
+                  <a:spcPct val="90000"/>
+                </a:lnSpc>
+                <a:spcBef>
+                  <a:spcPts val="500"/>
+                </a:spcBef>
+                <a:buFont typeface="Arial" panose="020B0604020202020204" pitchFamily="34" charset="0"/>
+                <a:buNone/>
+                <a:defRPr sz="1600" kern="1200">
+                  <a:solidFill>
+                    <a:schemeClr val="tx1"/>
+                  </a:solidFill>
+                  <a:latin typeface="+mn-lt"/>
+                  <a:ea typeface="+mn-ea"/>
+                  <a:cs typeface="+mn-cs"/>
+                </a:defRPr>
+              </a:lvl6pPr>
+              <a:lvl7pPr marL="2743200" indent="0" algn="ctr" defTabSz="914400" rtl="0" eaLnBrk="1" latinLnBrk="0" hangingPunct="1">
+                <a:lnSpc>
+                  <a:spcPct val="90000"/>
+                </a:lnSpc>
+                <a:spcBef>
+                  <a:spcPts val="500"/>
+                </a:spcBef>
+                <a:buFont typeface="Arial" panose="020B0604020202020204" pitchFamily="34" charset="0"/>
+                <a:buNone/>
+                <a:defRPr sz="1600" kern="1200">
+                  <a:solidFill>
+                    <a:schemeClr val="tx1"/>
+                  </a:solidFill>
+                  <a:latin typeface="+mn-lt"/>
+                  <a:ea typeface="+mn-ea"/>
+                  <a:cs typeface="+mn-cs"/>
+                </a:defRPr>
+              </a:lvl7pPr>
+              <a:lvl8pPr marL="3200400" indent="0" algn="ctr" defTabSz="914400" rtl="0" eaLnBrk="1" latinLnBrk="0" hangingPunct="1">
+                <a:lnSpc>
+                  <a:spcPct val="90000"/>
+                </a:lnSpc>
+                <a:spcBef>
+                  <a:spcPts val="500"/>
+                </a:spcBef>
+                <a:buFont typeface="Arial" panose="020B0604020202020204" pitchFamily="34" charset="0"/>
+                <a:buNone/>
+                <a:defRPr sz="1600" kern="1200">
+                  <a:solidFill>
+                    <a:schemeClr val="tx1"/>
+                  </a:solidFill>
+                  <a:latin typeface="+mn-lt"/>
+                  <a:ea typeface="+mn-ea"/>
+                  <a:cs typeface="+mn-cs"/>
+                </a:defRPr>
+              </a:lvl8pPr>
+              <a:lvl9pPr marL="3657600" indent="0" algn="ctr" defTabSz="914400" rtl="0" eaLnBrk="1" latinLnBrk="0" hangingPunct="1">
+                <a:lnSpc>
+                  <a:spcPct val="90000"/>
+                </a:lnSpc>
+                <a:spcBef>
+                  <a:spcPts val="500"/>
+                </a:spcBef>
+                <a:buFont typeface="Arial" panose="020B0604020202020204" pitchFamily="34" charset="0"/>
+                <a:buNone/>
+                <a:defRPr sz="1600" kern="1200">
+                  <a:solidFill>
+                    <a:schemeClr val="tx1"/>
+                  </a:solidFill>
+                  <a:latin typeface="+mn-lt"/>
+                  <a:ea typeface="+mn-ea"/>
+                  <a:cs typeface="+mn-cs"/>
+                </a:defRPr>
+              </a:lvl9pPr>
+            </a:lstStyle>
+            <a:p>
+              <a:r>
+                <a:rPr lang="en-US" dirty="0" err="1">
+                  <a:solidFill>
+                    <a:schemeClr val="bg1">
+                      <a:lumMod val="65000"/>
+                    </a:schemeClr>
+                  </a:solidFill>
+                </a:rPr>
+                <a:t>scottsauber</a:t>
+              </a:r>
+              <a:endParaRPr lang="en-US" dirty="0">
+                <a:solidFill>
+                  <a:schemeClr val="bg1">
+                    <a:lumMod val="65000"/>
+                  </a:schemeClr>
+                </a:solidFill>
+              </a:endParaRPr>
+            </a:p>
+          </p:txBody>
+        </p:sp>
+        <p:sp>
+          <p:nvSpPr>
+            <p:cNvPr id="14" name="Rectangle 13">
+              <a:extLst>
+                <a:ext uri="{FF2B5EF4-FFF2-40B4-BE49-F238E27FC236}">
+                  <a16:creationId xmlns:a16="http://schemas.microsoft.com/office/drawing/2014/main" id="{19049C2B-FB14-4348-ACE6-F1CED6CF2415}"/>
+                </a:ext>
+              </a:extLst>
+            </p:cNvPr>
+            <p:cNvSpPr/>
+            <p:nvPr/>
+          </p:nvSpPr>
+          <p:spPr>
+            <a:xfrm>
+              <a:off x="9970651" y="6285411"/>
+              <a:ext cx="347472" cy="274320"/>
+            </a:xfrm>
+            <a:prstGeom prst="rect">
+              <a:avLst/>
+            </a:prstGeom>
+            <a:blipFill dpi="0" rotWithShape="1">
+              <a:blip r:embed="rId3">
+                <a:alphaModFix amt="50000"/>
+              </a:blip>
+              <a:srcRect/>
+              <a:stretch>
+                <a:fillRect/>
+              </a:stretch>
+            </a:blipFill>
+            <a:ln>
+              <a:noFill/>
+            </a:ln>
+          </p:spPr>
+          <p:style>
+            <a:lnRef idx="2">
+              <a:schemeClr val="accent1">
+                <a:shade val="50000"/>
+              </a:schemeClr>
+            </a:lnRef>
+            <a:fillRef idx="1">
+              <a:schemeClr val="accent1"/>
+            </a:fillRef>
+            <a:effectRef idx="0">
+              <a:schemeClr val="accent1"/>
+            </a:effectRef>
+            <a:fontRef idx="minor">
+              <a:schemeClr val="lt1"/>
+            </a:fontRef>
+          </p:style>
+          <p:txBody>
+            <a:bodyPr rtlCol="0" anchor="ctr"/>
+            <a:lstStyle/>
+            <a:p>
+              <a:pPr algn="ctr"/>
+              <a:endParaRPr lang="en-US"/>
+            </a:p>
+          </p:txBody>
+        </p:sp>
+      </p:grpSp>
+    </p:spTree>
+    <p:extLst>
+      <p:ext uri="{BB962C8B-B14F-4D97-AF65-F5344CB8AC3E}">
+        <p14:creationId xmlns:p14="http://schemas.microsoft.com/office/powerpoint/2010/main" val="3899512274"/>
+      </p:ext>
+    </p:extLst>
+  </p:cSld>
+  <p:clrMapOvr>
+    <a:masterClrMapping/>
+  </p:clrMapOvr>
+  <p:timing>
+    <p:tnLst>
+      <p:par>
+        <p:cTn id="1" dur="indefinite" restart="never" nodeType="tmRoot">
+          <p:childTnLst>
+            <p:seq concurrent="1" nextAc="seek">
+              <p:cTn id="2" dur="indefinite" nodeType="mainSeq">
+                <p:childTnLst>
+                  <p:par>
+                    <p:cTn id="3" fill="hold">
+                      <p:stCondLst>
+                        <p:cond delay="indefinite"/>
+                      </p:stCondLst>
+                      <p:childTnLst>
+                        <p:par>
+                          <p:cTn id="4" fill="hold">
+                            <p:stCondLst>
+                              <p:cond delay="0"/>
+                            </p:stCondLst>
+                            <p:childTnLst>
+                              <p:par>
+                                <p:cTn id="5" presetID="10" presetClass="entr" presetSubtype="0" fill="hold" grpId="0" nodeType="clickEffect">
+                                  <p:stCondLst>
+                                    <p:cond delay="0"/>
+                                  </p:stCondLst>
+                                  <p:childTnLst>
+                                    <p:set>
+                                      <p:cBhvr>
+                                        <p:cTn id="6" dur="1" fill="hold">
+                                          <p:stCondLst>
+                                            <p:cond delay="0"/>
+                                          </p:stCondLst>
+                                        </p:cTn>
+                                        <p:tgtEl>
+                                          <p:spTgt spid="3">
+                                            <p:txEl>
+                                              <p:pRg st="0" end="0"/>
+                                            </p:txEl>
+                                          </p:spTgt>
+                                        </p:tgtEl>
+                                        <p:attrNameLst>
+                                          <p:attrName>style.visibility</p:attrName>
+                                        </p:attrNameLst>
+                                      </p:cBhvr>
+                                      <p:to>
+                                        <p:strVal val="visible"/>
+                                      </p:to>
+                                    </p:set>
+                                    <p:animEffect transition="in" filter="fade">
+                                      <p:cBhvr>
+                                        <p:cTn id="7" dur="500"/>
+                                        <p:tgtEl>
+                                          <p:spTgt spid="3">
+                                            <p:txEl>
+                                              <p:pRg st="0" end="0"/>
+                                            </p:txEl>
+                                          </p:spTgt>
+                                        </p:tgtEl>
+                                      </p:cBhvr>
+                                    </p:animEffect>
+                                  </p:childTnLst>
+                                  <p:subTnLst>
+                                    <p:animClr clrSpc="rgb" dir="cw">
+                                      <p:cBhvr override="childStyle">
+                                        <p:cTn dur="1" fill="hold" display="0" masterRel="nextClick" afterEffect="1"/>
+                                        <p:tgtEl>
+                                          <p:spTgt spid="3">
+                                            <p:txEl>
+                                              <p:pRg st="0" end="0"/>
+                                            </p:txEl>
+                                          </p:spTgt>
+                                        </p:tgtEl>
+                                        <p:attrNameLst>
+                                          <p:attrName>ppt_c</p:attrName>
+                                        </p:attrNameLst>
+                                      </p:cBhvr>
+                                      <p:to>
+                                        <a:srgbClr val="B2B2B2"/>
+                                      </p:to>
+                                    </p:animClr>
+                                  </p:subTnLst>
+                                </p:cTn>
+                              </p:par>
+                            </p:childTnLst>
+                          </p:cTn>
+                        </p:par>
+                      </p:childTnLst>
+                    </p:cTn>
+                  </p:par>
+                  <p:par>
+                    <p:cTn id="8" fill="hold">
+                      <p:stCondLst>
+                        <p:cond delay="indefinite"/>
+                      </p:stCondLst>
+                      <p:childTnLst>
+                        <p:par>
+                          <p:cTn id="9" fill="hold">
+                            <p:stCondLst>
+                              <p:cond delay="0"/>
+                            </p:stCondLst>
+                            <p:childTnLst>
+                              <p:par>
+                                <p:cTn id="10" presetID="10" presetClass="entr" presetSubtype="0" fill="hold" grpId="0" nodeType="clickEffect">
+                                  <p:stCondLst>
+                                    <p:cond delay="0"/>
+                                  </p:stCondLst>
+                                  <p:childTnLst>
+                                    <p:set>
+                                      <p:cBhvr>
+                                        <p:cTn id="11" dur="1" fill="hold">
+                                          <p:stCondLst>
+                                            <p:cond delay="0"/>
+                                          </p:stCondLst>
+                                        </p:cTn>
+                                        <p:tgtEl>
+                                          <p:spTgt spid="3">
+                                            <p:txEl>
+                                              <p:pRg st="1" end="1"/>
+                                            </p:txEl>
+                                          </p:spTgt>
+                                        </p:tgtEl>
+                                        <p:attrNameLst>
+                                          <p:attrName>style.visibility</p:attrName>
+                                        </p:attrNameLst>
+                                      </p:cBhvr>
+                                      <p:to>
+                                        <p:strVal val="visible"/>
+                                      </p:to>
+                                    </p:set>
+                                    <p:animEffect transition="in" filter="fade">
+                                      <p:cBhvr>
+                                        <p:cTn id="12" dur="500"/>
+                                        <p:tgtEl>
+                                          <p:spTgt spid="3">
+                                            <p:txEl>
+                                              <p:pRg st="1" end="1"/>
+                                            </p:txEl>
+                                          </p:spTgt>
+                                        </p:tgtEl>
+                                      </p:cBhvr>
+                                    </p:animEffect>
+                                  </p:childTnLst>
+                                  <p:subTnLst>
+                                    <p:animClr clrSpc="rgb" dir="cw">
+                                      <p:cBhvr override="childStyle">
+                                        <p:cTn dur="1" fill="hold" display="0" masterRel="nextClick" afterEffect="1"/>
+                                        <p:tgtEl>
+                                          <p:spTgt spid="3">
+                                            <p:txEl>
+                                              <p:pRg st="1" end="1"/>
+                                            </p:txEl>
+                                          </p:spTgt>
+                                        </p:tgtEl>
+                                        <p:attrNameLst>
+                                          <p:attrName>ppt_c</p:attrName>
+                                        </p:attrNameLst>
+                                      </p:cBhvr>
+                                      <p:to>
+                                        <a:srgbClr val="B2B2B2"/>
+                                      </p:to>
+                                    </p:animClr>
+                                  </p:subTnLst>
+                                </p:cTn>
+                              </p:par>
+                            </p:childTnLst>
+                          </p:cTn>
+                        </p:par>
+                      </p:childTnLst>
+                    </p:cTn>
+                  </p:par>
+                  <p:par>
+                    <p:cTn id="13" fill="hold">
+                      <p:stCondLst>
+                        <p:cond delay="indefinite"/>
+                      </p:stCondLst>
+                      <p:childTnLst>
+                        <p:par>
+                          <p:cTn id="14" fill="hold">
+                            <p:stCondLst>
+                              <p:cond delay="0"/>
+                            </p:stCondLst>
+                            <p:childTnLst>
+                              <p:par>
+                                <p:cTn id="15" presetID="10" presetClass="entr" presetSubtype="0" fill="hold" grpId="0" nodeType="clickEffect">
+                                  <p:stCondLst>
+                                    <p:cond delay="0"/>
+                                  </p:stCondLst>
+                                  <p:childTnLst>
+                                    <p:set>
+                                      <p:cBhvr>
+                                        <p:cTn id="16" dur="1" fill="hold">
+                                          <p:stCondLst>
+                                            <p:cond delay="0"/>
+                                          </p:stCondLst>
+                                        </p:cTn>
+                                        <p:tgtEl>
+                                          <p:spTgt spid="3">
+                                            <p:txEl>
+                                              <p:pRg st="2" end="2"/>
+                                            </p:txEl>
+                                          </p:spTgt>
+                                        </p:tgtEl>
+                                        <p:attrNameLst>
+                                          <p:attrName>style.visibility</p:attrName>
+                                        </p:attrNameLst>
+                                      </p:cBhvr>
+                                      <p:to>
+                                        <p:strVal val="visible"/>
+                                      </p:to>
+                                    </p:set>
+                                    <p:animEffect transition="in" filter="fade">
+                                      <p:cBhvr>
+                                        <p:cTn id="17" dur="500"/>
+                                        <p:tgtEl>
+                                          <p:spTgt spid="3">
+                                            <p:txEl>
+                                              <p:pRg st="2" end="2"/>
+                                            </p:txEl>
+                                          </p:spTgt>
+                                        </p:tgtEl>
+                                      </p:cBhvr>
+                                    </p:animEffect>
+                                  </p:childTnLst>
+                                  <p:subTnLst>
+                                    <p:animClr clrSpc="rgb" dir="cw">
+                                      <p:cBhvr override="childStyle">
+                                        <p:cTn dur="1" fill="hold" display="0" masterRel="nextClick" afterEffect="1"/>
+                                        <p:tgtEl>
+                                          <p:spTgt spid="3">
+                                            <p:txEl>
+                                              <p:pRg st="2" end="2"/>
+                                            </p:txEl>
+                                          </p:spTgt>
+                                        </p:tgtEl>
+                                        <p:attrNameLst>
+                                          <p:attrName>ppt_c</p:attrName>
+                                        </p:attrNameLst>
+                                      </p:cBhvr>
+                                      <p:to>
+                                        <a:srgbClr val="B2B2B2"/>
+                                      </p:to>
+                                    </p:animClr>
+                                  </p:subTnLst>
+                                </p:cTn>
+                              </p:par>
+                            </p:childTnLst>
+                          </p:cTn>
+                        </p:par>
+                      </p:childTnLst>
+                    </p:cTn>
+                  </p:par>
+                  <p:par>
+                    <p:cTn id="18" fill="hold">
+                      <p:stCondLst>
+                        <p:cond delay="indefinite"/>
+                      </p:stCondLst>
+                      <p:childTnLst>
+                        <p:par>
+                          <p:cTn id="19" fill="hold">
+                            <p:stCondLst>
+                              <p:cond delay="0"/>
+                            </p:stCondLst>
+                            <p:childTnLst>
+                              <p:par>
+                                <p:cTn id="20" presetID="10" presetClass="entr" presetSubtype="0" fill="hold" grpId="0" nodeType="clickEffect">
+                                  <p:stCondLst>
+                                    <p:cond delay="0"/>
+                                  </p:stCondLst>
+                                  <p:childTnLst>
+                                    <p:set>
+                                      <p:cBhvr>
+                                        <p:cTn id="21" dur="1" fill="hold">
+                                          <p:stCondLst>
+                                            <p:cond delay="0"/>
+                                          </p:stCondLst>
+                                        </p:cTn>
+                                        <p:tgtEl>
+                                          <p:spTgt spid="3">
+                                            <p:txEl>
+                                              <p:pRg st="3" end="3"/>
+                                            </p:txEl>
+                                          </p:spTgt>
+                                        </p:tgtEl>
+                                        <p:attrNameLst>
+                                          <p:attrName>style.visibility</p:attrName>
+                                        </p:attrNameLst>
+                                      </p:cBhvr>
+                                      <p:to>
+                                        <p:strVal val="visible"/>
+                                      </p:to>
+                                    </p:set>
+                                    <p:animEffect transition="in" filter="fade">
+                                      <p:cBhvr>
+                                        <p:cTn id="22" dur="500"/>
+                                        <p:tgtEl>
+                                          <p:spTgt spid="3">
+                                            <p:txEl>
+                                              <p:pRg st="3" end="3"/>
+                                            </p:txEl>
+                                          </p:spTgt>
+                                        </p:tgtEl>
+                                      </p:cBhvr>
+                                    </p:animEffect>
+                                  </p:childTnLst>
+                                  <p:subTnLst>
+                                    <p:animClr clrSpc="rgb" dir="cw">
+                                      <p:cBhvr override="childStyle">
+                                        <p:cTn dur="1" fill="hold" display="0" masterRel="nextClick" afterEffect="1"/>
+                                        <p:tgtEl>
+                                          <p:spTgt spid="3">
+                                            <p:txEl>
+                                              <p:pRg st="3" end="3"/>
+                                            </p:txEl>
+                                          </p:spTgt>
+                                        </p:tgtEl>
+                                        <p:attrNameLst>
+                                          <p:attrName>ppt_c</p:attrName>
+                                        </p:attrNameLst>
+                                      </p:cBhvr>
+                                      <p:to>
+                                        <a:srgbClr val="B2B2B2"/>
+                                      </p:to>
+                                    </p:animClr>
+                                  </p:subTnLst>
+                                </p:cTn>
+                              </p:par>
+                            </p:childTnLst>
+                          </p:cTn>
+                        </p:par>
+                      </p:childTnLst>
+                    </p:cTn>
+                  </p:par>
+                  <p:par>
+                    <p:cTn id="23" fill="hold">
+                      <p:stCondLst>
+                        <p:cond delay="indefinite"/>
+                      </p:stCondLst>
+                      <p:childTnLst>
+                        <p:par>
+                          <p:cTn id="24" fill="hold">
+                            <p:stCondLst>
+                              <p:cond delay="0"/>
+                            </p:stCondLst>
+                            <p:childTnLst>
+                              <p:par>
+                                <p:cTn id="25" presetID="10" presetClass="entr" presetSubtype="0" fill="hold" grpId="0" nodeType="clickEffect">
+                                  <p:stCondLst>
+                                    <p:cond delay="0"/>
+                                  </p:stCondLst>
+                                  <p:childTnLst>
+                                    <p:set>
+                                      <p:cBhvr>
+                                        <p:cTn id="26" dur="1" fill="hold">
+                                          <p:stCondLst>
+                                            <p:cond delay="0"/>
+                                          </p:stCondLst>
+                                        </p:cTn>
+                                        <p:tgtEl>
+                                          <p:spTgt spid="3">
+                                            <p:txEl>
+                                              <p:pRg st="4" end="4"/>
+                                            </p:txEl>
+                                          </p:spTgt>
+                                        </p:tgtEl>
+                                        <p:attrNameLst>
+                                          <p:attrName>style.visibility</p:attrName>
+                                        </p:attrNameLst>
+                                      </p:cBhvr>
+                                      <p:to>
+                                        <p:strVal val="visible"/>
+                                      </p:to>
+                                    </p:set>
+                                    <p:animEffect transition="in" filter="fade">
+                                      <p:cBhvr>
+                                        <p:cTn id="27" dur="500"/>
+                                        <p:tgtEl>
+                                          <p:spTgt spid="3">
+                                            <p:txEl>
+                                              <p:pRg st="4" end="4"/>
+                                            </p:txEl>
+                                          </p:spTgt>
+                                        </p:tgtEl>
+                                      </p:cBhvr>
+                                    </p:animEffect>
+                                  </p:childTnLst>
+                                  <p:subTnLst>
+                                    <p:animClr clrSpc="rgb" dir="cw">
+                                      <p:cBhvr override="childStyle">
+                                        <p:cTn dur="1" fill="hold" display="0" masterRel="nextClick" afterEffect="1"/>
+                                        <p:tgtEl>
+                                          <p:spTgt spid="3">
+                                            <p:txEl>
+                                              <p:pRg st="4" end="4"/>
+                                            </p:txEl>
+                                          </p:spTgt>
+                                        </p:tgtEl>
+                                        <p:attrNameLst>
+                                          <p:attrName>ppt_c</p:attrName>
+                                        </p:attrNameLst>
+                                      </p:cBhvr>
+                                      <p:to>
+                                        <a:srgbClr val="B2B2B2"/>
+                                      </p:to>
+                                    </p:animClr>
+                                  </p:subTnLst>
+                                </p:cTn>
+                              </p:par>
+                            </p:childTnLst>
+                          </p:cTn>
+                        </p:par>
+                      </p:childTnLst>
+                    </p:cTn>
+                  </p:par>
+                </p:childTnLst>
+              </p:cTn>
+              <p:prevCondLst>
+                <p:cond evt="onPrev" delay="0">
+                  <p:tgtEl>
+                    <p:sldTgt/>
+                  </p:tgtEl>
+                </p:cond>
+              </p:prevCondLst>
+              <p:nextCondLst>
+                <p:cond evt="onNext" delay="0">
+                  <p:tgtEl>
+                    <p:sldTgt/>
+                  </p:tgtEl>
+                </p:cond>
+              </p:nextCondLst>
+            </p:seq>
+          </p:childTnLst>
+        </p:cTn>
+      </p:par>
+    </p:tnLst>
+    <p:bldLst>
+      <p:bldP spid="3" grpId="0" build="p"/>
+    </p:bldLst>
+  </p:timing>
+</p:sld>
+</file>
+
+<file path=ppt/slides/slide29.xml><?xml version="1.0" encoding="utf-8"?>
+<p:sld xmlns:a="http://schemas.openxmlformats.org/drawingml/2006/main" xmlns:r="http://schemas.openxmlformats.org/officeDocument/2006/relationships" xmlns:p="http://schemas.openxmlformats.org/presentationml/2006/main">
+  <p:cSld>
+    <p:spTree>
+      <p:nvGrpSpPr>
+        <p:cNvPr id="1" name=""/>
+        <p:cNvGrpSpPr/>
+        <p:nvPr/>
+      </p:nvGrpSpPr>
+      <p:grpSpPr>
+        <a:xfrm>
+          <a:off x="0" y="0"/>
+          <a:ext cx="0" cy="0"/>
+          <a:chOff x="0" y="0"/>
+          <a:chExt cx="0" cy="0"/>
+        </a:xfrm>
+      </p:grpSpPr>
+      <p:sp>
+        <p:nvSpPr>
+          <p:cNvPr id="2" name="Title 1"/>
+          <p:cNvSpPr>
+            <a:spLocks noGrp="1"/>
+          </p:cNvSpPr>
+          <p:nvPr>
+            <p:ph type="title"/>
+          </p:nvPr>
+        </p:nvSpPr>
+        <p:spPr/>
+        <p:txBody>
+          <a:bodyPr/>
+          <a:lstStyle/>
+          <a:p>
+            <a:r>
+              <a:rPr lang="en-US" dirty="0">
+                <a:solidFill>
+                  <a:schemeClr val="bg1">
+                    <a:lumMod val="65000"/>
+                  </a:schemeClr>
+                </a:solidFill>
+              </a:rPr>
+              <a:t>A Word On Rollbacks</a:t>
+            </a:r>
+          </a:p>
+        </p:txBody>
+      </p:sp>
+      <p:sp>
+        <p:nvSpPr>
+          <p:cNvPr id="3" name="Content Placeholder 2"/>
+          <p:cNvSpPr>
+            <a:spLocks noGrp="1"/>
+          </p:cNvSpPr>
+          <p:nvPr>
+            <p:ph idx="1"/>
+          </p:nvPr>
+        </p:nvSpPr>
+        <p:spPr>
+          <a:xfrm>
+            <a:off x="838200" y="1825625"/>
+            <a:ext cx="10515600" cy="4834108"/>
+          </a:xfrm>
+        </p:spPr>
+        <p:txBody>
+          <a:bodyPr>
+            <a:normAutofit/>
+          </a:bodyPr>
+          <a:lstStyle/>
+          <a:p>
+            <a:r>
+              <a:rPr lang="en-US" dirty="0"/>
+              <a:t>They are usually not worth the headache</a:t>
+            </a:r>
+          </a:p>
+          <a:p>
+            <a:r>
+              <a:rPr lang="en-US" dirty="0"/>
+              <a:t>Why did the deployments succeed in Dev, UAT, etc. but not in Production?</a:t>
+            </a:r>
+          </a:p>
+          <a:p>
+            <a:pPr lvl="1"/>
+            <a:r>
+              <a:rPr lang="en-US" dirty="0"/>
+              <a:t>Almost always a failure in people and/or process</a:t>
+            </a:r>
+          </a:p>
+          <a:p>
+            <a:r>
+              <a:rPr lang="en-US" dirty="0"/>
+              <a:t>How do you rollback something destructive (DROP, DELETE, TRUNCATE, etc.)?</a:t>
+            </a:r>
+          </a:p>
+          <a:p>
+            <a:r>
+              <a:rPr lang="en-US" dirty="0"/>
+              <a:t>Contextual</a:t>
+            </a:r>
+          </a:p>
+          <a:p>
+            <a:r>
+              <a:rPr lang="en-US" dirty="0"/>
+              <a:t>Tradeoffs</a:t>
+            </a:r>
+          </a:p>
+          <a:p>
+            <a:pPr lvl="1"/>
+            <a:r>
+              <a:rPr lang="en-US" dirty="0"/>
+              <a:t>Restore from backup but lose data in between deployment and restore.</a:t>
+            </a:r>
+          </a:p>
+          <a:p>
+            <a:r>
+              <a:rPr lang="en-US" dirty="0"/>
+              <a:t>Instead: Roll forward</a:t>
+            </a:r>
+          </a:p>
+        </p:txBody>
+      </p:sp>
+      <p:grpSp>
+        <p:nvGrpSpPr>
+          <p:cNvPr id="12" name="Group 11">
+            <a:extLst>
+              <a:ext uri="{FF2B5EF4-FFF2-40B4-BE49-F238E27FC236}">
+                <a16:creationId xmlns:a16="http://schemas.microsoft.com/office/drawing/2014/main" id="{1E455E13-339B-4D9C-B0D9-C993084C9B6D}"/>
+              </a:ext>
+            </a:extLst>
+          </p:cNvPr>
+          <p:cNvGrpSpPr/>
+          <p:nvPr/>
+        </p:nvGrpSpPr>
+        <p:grpSpPr>
+          <a:xfrm>
+            <a:off x="9970651" y="6185410"/>
+            <a:ext cx="2130724" cy="474323"/>
+            <a:chOff x="9970651" y="6185410"/>
+            <a:chExt cx="2130724" cy="474323"/>
+          </a:xfrm>
+        </p:grpSpPr>
+        <p:sp>
+          <p:nvSpPr>
+            <p:cNvPr id="13" name="Subtitle 2">
+              <a:extLst>
+                <a:ext uri="{FF2B5EF4-FFF2-40B4-BE49-F238E27FC236}">
+                  <a16:creationId xmlns:a16="http://schemas.microsoft.com/office/drawing/2014/main" id="{FCF20525-4390-436B-8C51-E8DE1EBA6454}"/>
+                </a:ext>
+              </a:extLst>
+            </p:cNvPr>
+            <p:cNvSpPr txBox="1">
+              <a:spLocks/>
+            </p:cNvSpPr>
+            <p:nvPr/>
+          </p:nvSpPr>
+          <p:spPr>
+            <a:xfrm>
+              <a:off x="10041147" y="6185410"/>
+              <a:ext cx="2060228" cy="474323"/>
+            </a:xfrm>
+            <a:prstGeom prst="rect">
+              <a:avLst/>
+            </a:prstGeom>
+          </p:spPr>
+          <p:txBody>
+            <a:bodyPr vert="horz" lIns="91440" tIns="45720" rIns="91440" bIns="45720" rtlCol="0">
+              <a:normAutofit/>
+            </a:bodyPr>
+            <a:lstStyle>
+              <a:lvl1pPr marL="0" indent="0" algn="ctr" defTabSz="914400" rtl="0" eaLnBrk="1" latinLnBrk="0" hangingPunct="1">
+                <a:lnSpc>
+                  <a:spcPct val="90000"/>
+                </a:lnSpc>
+                <a:spcBef>
+                  <a:spcPts val="1000"/>
+                </a:spcBef>
+                <a:buFont typeface="Arial" panose="020B0604020202020204" pitchFamily="34" charset="0"/>
+                <a:buNone/>
+                <a:defRPr sz="2400" kern="1200">
+                  <a:solidFill>
+                    <a:schemeClr val="tx1"/>
+                  </a:solidFill>
+                  <a:latin typeface="+mn-lt"/>
+                  <a:ea typeface="+mn-ea"/>
+                  <a:cs typeface="+mn-cs"/>
+                </a:defRPr>
+              </a:lvl1pPr>
+              <a:lvl2pPr marL="457200" indent="0" algn="ctr" defTabSz="914400" rtl="0" eaLnBrk="1" latinLnBrk="0" hangingPunct="1">
+                <a:lnSpc>
+                  <a:spcPct val="90000"/>
+                </a:lnSpc>
+                <a:spcBef>
+                  <a:spcPts val="500"/>
+                </a:spcBef>
+                <a:buFont typeface="Arial" panose="020B0604020202020204" pitchFamily="34" charset="0"/>
+                <a:buNone/>
+                <a:defRPr sz="2000" kern="1200">
+                  <a:solidFill>
+                    <a:schemeClr val="tx1"/>
+                  </a:solidFill>
+                  <a:latin typeface="+mn-lt"/>
+                  <a:ea typeface="+mn-ea"/>
+                  <a:cs typeface="+mn-cs"/>
+                </a:defRPr>
+              </a:lvl2pPr>
+              <a:lvl3pPr marL="914400" indent="0" algn="ctr" defTabSz="914400" rtl="0" eaLnBrk="1" latinLnBrk="0" hangingPunct="1">
+                <a:lnSpc>
+                  <a:spcPct val="90000"/>
+                </a:lnSpc>
+                <a:spcBef>
+                  <a:spcPts val="500"/>
+                </a:spcBef>
+                <a:buFont typeface="Arial" panose="020B0604020202020204" pitchFamily="34" charset="0"/>
+                <a:buNone/>
+                <a:defRPr sz="1800" kern="1200">
+                  <a:solidFill>
+                    <a:schemeClr val="tx1"/>
+                  </a:solidFill>
+                  <a:latin typeface="+mn-lt"/>
+                  <a:ea typeface="+mn-ea"/>
+                  <a:cs typeface="+mn-cs"/>
+                </a:defRPr>
+              </a:lvl3pPr>
+              <a:lvl4pPr marL="1371600" indent="0" algn="ctr" defTabSz="914400" rtl="0" eaLnBrk="1" latinLnBrk="0" hangingPunct="1">
+                <a:lnSpc>
+                  <a:spcPct val="90000"/>
+                </a:lnSpc>
+                <a:spcBef>
+                  <a:spcPts val="500"/>
+                </a:spcBef>
+                <a:buFont typeface="Arial" panose="020B0604020202020204" pitchFamily="34" charset="0"/>
+                <a:buNone/>
+                <a:defRPr sz="1600" kern="1200">
+                  <a:solidFill>
+                    <a:schemeClr val="tx1"/>
+                  </a:solidFill>
+                  <a:latin typeface="+mn-lt"/>
+                  <a:ea typeface="+mn-ea"/>
+                  <a:cs typeface="+mn-cs"/>
+                </a:defRPr>
+              </a:lvl4pPr>
+              <a:lvl5pPr marL="1828800" indent="0" algn="ctr" defTabSz="914400" rtl="0" eaLnBrk="1" latinLnBrk="0" hangingPunct="1">
+                <a:lnSpc>
+                  <a:spcPct val="90000"/>
+                </a:lnSpc>
+                <a:spcBef>
+                  <a:spcPts val="500"/>
+                </a:spcBef>
+                <a:buFont typeface="Arial" panose="020B0604020202020204" pitchFamily="34" charset="0"/>
+                <a:buNone/>
+                <a:defRPr sz="1600" kern="1200">
+                  <a:solidFill>
+                    <a:schemeClr val="tx1"/>
+                  </a:solidFill>
+                  <a:latin typeface="+mn-lt"/>
+                  <a:ea typeface="+mn-ea"/>
+                  <a:cs typeface="+mn-cs"/>
+                </a:defRPr>
+              </a:lvl5pPr>
+              <a:lvl6pPr marL="2286000" indent="0" algn="ctr" defTabSz="914400" rtl="0" eaLnBrk="1" latinLnBrk="0" hangingPunct="1">
+                <a:lnSpc>
+                  <a:spcPct val="90000"/>
+                </a:lnSpc>
+                <a:spcBef>
+                  <a:spcPts val="500"/>
+                </a:spcBef>
+                <a:buFont typeface="Arial" panose="020B0604020202020204" pitchFamily="34" charset="0"/>
+                <a:buNone/>
+                <a:defRPr sz="1600" kern="1200">
+                  <a:solidFill>
+                    <a:schemeClr val="tx1"/>
+                  </a:solidFill>
+                  <a:latin typeface="+mn-lt"/>
+                  <a:ea typeface="+mn-ea"/>
+                  <a:cs typeface="+mn-cs"/>
+                </a:defRPr>
+              </a:lvl6pPr>
+              <a:lvl7pPr marL="2743200" indent="0" algn="ctr" defTabSz="914400" rtl="0" eaLnBrk="1" latinLnBrk="0" hangingPunct="1">
+                <a:lnSpc>
+                  <a:spcPct val="90000"/>
+                </a:lnSpc>
+                <a:spcBef>
+                  <a:spcPts val="500"/>
+                </a:spcBef>
+                <a:buFont typeface="Arial" panose="020B0604020202020204" pitchFamily="34" charset="0"/>
+                <a:buNone/>
+                <a:defRPr sz="1600" kern="1200">
+                  <a:solidFill>
+                    <a:schemeClr val="tx1"/>
+                  </a:solidFill>
+                  <a:latin typeface="+mn-lt"/>
+                  <a:ea typeface="+mn-ea"/>
+                  <a:cs typeface="+mn-cs"/>
+                </a:defRPr>
+              </a:lvl7pPr>
+              <a:lvl8pPr marL="3200400" indent="0" algn="ctr" defTabSz="914400" rtl="0" eaLnBrk="1" latinLnBrk="0" hangingPunct="1">
+                <a:lnSpc>
+                  <a:spcPct val="90000"/>
+                </a:lnSpc>
+                <a:spcBef>
+                  <a:spcPts val="500"/>
+                </a:spcBef>
+                <a:buFont typeface="Arial" panose="020B0604020202020204" pitchFamily="34" charset="0"/>
+                <a:buNone/>
+                <a:defRPr sz="1600" kern="1200">
+                  <a:solidFill>
+                    <a:schemeClr val="tx1"/>
+                  </a:solidFill>
+                  <a:latin typeface="+mn-lt"/>
+                  <a:ea typeface="+mn-ea"/>
+                  <a:cs typeface="+mn-cs"/>
+                </a:defRPr>
+              </a:lvl8pPr>
+              <a:lvl9pPr marL="3657600" indent="0" algn="ctr" defTabSz="914400" rtl="0" eaLnBrk="1" latinLnBrk="0" hangingPunct="1">
+                <a:lnSpc>
+                  <a:spcPct val="90000"/>
+                </a:lnSpc>
+                <a:spcBef>
+                  <a:spcPts val="500"/>
+                </a:spcBef>
+                <a:buFont typeface="Arial" panose="020B0604020202020204" pitchFamily="34" charset="0"/>
+                <a:buNone/>
+                <a:defRPr sz="1600" kern="1200">
+                  <a:solidFill>
+                    <a:schemeClr val="tx1"/>
+                  </a:solidFill>
+                  <a:latin typeface="+mn-lt"/>
+                  <a:ea typeface="+mn-ea"/>
+                  <a:cs typeface="+mn-cs"/>
+                </a:defRPr>
+              </a:lvl9pPr>
+            </a:lstStyle>
+            <a:p>
+              <a:r>
+                <a:rPr lang="en-US" dirty="0" err="1">
+                  <a:solidFill>
+                    <a:schemeClr val="bg1">
+                      <a:lumMod val="65000"/>
+                    </a:schemeClr>
+                  </a:solidFill>
+                </a:rPr>
+                <a:t>scottsauber</a:t>
+              </a:r>
+              <a:endParaRPr lang="en-US" dirty="0">
+                <a:solidFill>
+                  <a:schemeClr val="bg1">
+                    <a:lumMod val="65000"/>
+                  </a:schemeClr>
+                </a:solidFill>
+              </a:endParaRPr>
+            </a:p>
+          </p:txBody>
+        </p:sp>
+        <p:sp>
+          <p:nvSpPr>
+            <p:cNvPr id="14" name="Rectangle 13">
+              <a:extLst>
+                <a:ext uri="{FF2B5EF4-FFF2-40B4-BE49-F238E27FC236}">
+                  <a16:creationId xmlns:a16="http://schemas.microsoft.com/office/drawing/2014/main" id="{79B59CE3-606B-495F-8BFF-EF27721B605D}"/>
+                </a:ext>
+              </a:extLst>
+            </p:cNvPr>
+            <p:cNvSpPr/>
+            <p:nvPr/>
+          </p:nvSpPr>
+          <p:spPr>
+            <a:xfrm>
+              <a:off x="9970651" y="6285411"/>
+              <a:ext cx="347472" cy="274320"/>
+            </a:xfrm>
+            <a:prstGeom prst="rect">
+              <a:avLst/>
+            </a:prstGeom>
+            <a:blipFill dpi="0" rotWithShape="1">
+              <a:blip r:embed="rId3">
+                <a:alphaModFix amt="50000"/>
+              </a:blip>
+              <a:srcRect/>
+              <a:stretch>
+                <a:fillRect/>
+              </a:stretch>
+            </a:blipFill>
+            <a:ln>
+              <a:noFill/>
+            </a:ln>
+          </p:spPr>
+          <p:style>
+            <a:lnRef idx="2">
+              <a:schemeClr val="accent1">
+                <a:shade val="50000"/>
+              </a:schemeClr>
+            </a:lnRef>
+            <a:fillRef idx="1">
+              <a:schemeClr val="accent1"/>
+            </a:fillRef>
+            <a:effectRef idx="0">
+              <a:schemeClr val="accent1"/>
+            </a:effectRef>
+            <a:fontRef idx="minor">
+              <a:schemeClr val="lt1"/>
+            </a:fontRef>
+          </p:style>
+          <p:txBody>
+            <a:bodyPr rtlCol="0" anchor="ctr"/>
+            <a:lstStyle/>
+            <a:p>
+              <a:pPr algn="ctr"/>
+              <a:endParaRPr lang="en-US"/>
+            </a:p>
+          </p:txBody>
+        </p:sp>
+      </p:grpSp>
+    </p:spTree>
+    <p:extLst>
+      <p:ext uri="{BB962C8B-B14F-4D97-AF65-F5344CB8AC3E}">
+        <p14:creationId xmlns:p14="http://schemas.microsoft.com/office/powerpoint/2010/main" val="2649175969"/>
+      </p:ext>
+    </p:extLst>
+  </p:cSld>
+  <p:clrMapOvr>
+    <a:masterClrMapping/>
+  </p:clrMapOvr>
+  <p:timing>
+    <p:tnLst>
+      <p:par>
+        <p:cTn id="1" dur="indefinite" restart="never" nodeType="tmRoot">
+          <p:childTnLst>
+            <p:seq concurrent="1" nextAc="seek">
+              <p:cTn id="2" dur="indefinite" nodeType="mainSeq">
+                <p:childTnLst>
+                  <p:par>
+                    <p:cTn id="3" fill="hold">
+                      <p:stCondLst>
+                        <p:cond delay="indefinite"/>
+                      </p:stCondLst>
+                      <p:childTnLst>
+                        <p:par>
+                          <p:cTn id="4" fill="hold">
+                            <p:stCondLst>
+                              <p:cond delay="0"/>
+                            </p:stCondLst>
+                            <p:childTnLst>
+                              <p:par>
+                                <p:cTn id="5" presetID="10" presetClass="entr" presetSubtype="0" fill="hold" grpId="0" nodeType="clickEffect">
+                                  <p:stCondLst>
+                                    <p:cond delay="0"/>
+                                  </p:stCondLst>
+                                  <p:childTnLst>
+                                    <p:set>
+                                      <p:cBhvr>
+                                        <p:cTn id="6" dur="1" fill="hold">
+                                          <p:stCondLst>
+                                            <p:cond delay="0"/>
+                                          </p:stCondLst>
+                                        </p:cTn>
+                                        <p:tgtEl>
+                                          <p:spTgt spid="3">
+                                            <p:txEl>
+                                              <p:pRg st="0" end="0"/>
+                                            </p:txEl>
+                                          </p:spTgt>
+                                        </p:tgtEl>
+                                        <p:attrNameLst>
+                                          <p:attrName>style.visibility</p:attrName>
+                                        </p:attrNameLst>
+                                      </p:cBhvr>
+                                      <p:to>
+                                        <p:strVal val="visible"/>
+                                      </p:to>
+                                    </p:set>
+                                    <p:animEffect transition="in" filter="fade">
+                                      <p:cBhvr>
+                                        <p:cTn id="7" dur="500"/>
+                                        <p:tgtEl>
+                                          <p:spTgt spid="3">
+                                            <p:txEl>
+                                              <p:pRg st="0" end="0"/>
+                                            </p:txEl>
+                                          </p:spTgt>
+                                        </p:tgtEl>
+                                      </p:cBhvr>
+                                    </p:animEffect>
+                                  </p:childTnLst>
+                                  <p:subTnLst>
+                                    <p:animClr clrSpc="rgb" dir="cw">
+                                      <p:cBhvr override="childStyle">
+                                        <p:cTn dur="1" fill="hold" display="0" masterRel="nextClick" afterEffect="1"/>
+                                        <p:tgtEl>
+                                          <p:spTgt spid="3">
+                                            <p:txEl>
+                                              <p:pRg st="0" end="0"/>
+                                            </p:txEl>
+                                          </p:spTgt>
+                                        </p:tgtEl>
+                                        <p:attrNameLst>
+                                          <p:attrName>ppt_c</p:attrName>
+                                        </p:attrNameLst>
+                                      </p:cBhvr>
+                                      <p:to>
+                                        <a:srgbClr val="B2B2B2"/>
+                                      </p:to>
+                                    </p:animClr>
+                                  </p:subTnLst>
+                                </p:cTn>
+                              </p:par>
+                            </p:childTnLst>
+                          </p:cTn>
+                        </p:par>
+                      </p:childTnLst>
+                    </p:cTn>
+                  </p:par>
+                  <p:par>
+                    <p:cTn id="8" fill="hold">
+                      <p:stCondLst>
+                        <p:cond delay="indefinite"/>
+                      </p:stCondLst>
+                      <p:childTnLst>
+                        <p:par>
+                          <p:cTn id="9" fill="hold">
+                            <p:stCondLst>
+                              <p:cond delay="0"/>
+                            </p:stCondLst>
+                            <p:childTnLst>
+                              <p:par>
+                                <p:cTn id="10" presetID="10" presetClass="entr" presetSubtype="0" fill="hold" grpId="0" nodeType="clickEffect">
+                                  <p:stCondLst>
+                                    <p:cond delay="0"/>
+                                  </p:stCondLst>
+                                  <p:childTnLst>
+                                    <p:set>
+                                      <p:cBhvr>
+                                        <p:cTn id="11" dur="1" fill="hold">
+                                          <p:stCondLst>
+                                            <p:cond delay="0"/>
+                                          </p:stCondLst>
+                                        </p:cTn>
+                                        <p:tgtEl>
+                                          <p:spTgt spid="3">
+                                            <p:txEl>
+                                              <p:pRg st="1" end="1"/>
+                                            </p:txEl>
+                                          </p:spTgt>
+                                        </p:tgtEl>
+                                        <p:attrNameLst>
+                                          <p:attrName>style.visibility</p:attrName>
+                                        </p:attrNameLst>
+                                      </p:cBhvr>
+                                      <p:to>
+                                        <p:strVal val="visible"/>
+                                      </p:to>
+                                    </p:set>
+                                    <p:animEffect transition="in" filter="fade">
+                                      <p:cBhvr>
+                                        <p:cTn id="12" dur="500"/>
+                                        <p:tgtEl>
+                                          <p:spTgt spid="3">
+                                            <p:txEl>
+                                              <p:pRg st="1" end="1"/>
+                                            </p:txEl>
+                                          </p:spTgt>
+                                        </p:tgtEl>
+                                      </p:cBhvr>
+                                    </p:animEffect>
+                                  </p:childTnLst>
+                                  <p:subTnLst>
+                                    <p:animClr clrSpc="rgb" dir="cw">
+                                      <p:cBhvr override="childStyle">
+                                        <p:cTn dur="1" fill="hold" display="0" masterRel="nextClick" afterEffect="1"/>
+                                        <p:tgtEl>
+                                          <p:spTgt spid="3">
+                                            <p:txEl>
+                                              <p:pRg st="1" end="1"/>
+                                            </p:txEl>
+                                          </p:spTgt>
+                                        </p:tgtEl>
+                                        <p:attrNameLst>
+                                          <p:attrName>ppt_c</p:attrName>
+                                        </p:attrNameLst>
+                                      </p:cBhvr>
+                                      <p:to>
+                                        <a:srgbClr val="B2B2B2"/>
+                                      </p:to>
+                                    </p:animClr>
+                                  </p:subTnLst>
+                                </p:cTn>
+                              </p:par>
+                              <p:par>
+                                <p:cTn id="13" presetID="10" presetClass="entr" presetSubtype="0" fill="hold" grpId="0" nodeType="withEffect">
+                                  <p:stCondLst>
+                                    <p:cond delay="0"/>
+                                  </p:stCondLst>
+                                  <p:childTnLst>
+                                    <p:set>
+                                      <p:cBhvr>
+                                        <p:cTn id="14" dur="1" fill="hold">
+                                          <p:stCondLst>
+                                            <p:cond delay="0"/>
+                                          </p:stCondLst>
+                                        </p:cTn>
+                                        <p:tgtEl>
+                                          <p:spTgt spid="3">
+                                            <p:txEl>
+                                              <p:pRg st="2" end="2"/>
+                                            </p:txEl>
+                                          </p:spTgt>
+                                        </p:tgtEl>
+                                        <p:attrNameLst>
+                                          <p:attrName>style.visibility</p:attrName>
+                                        </p:attrNameLst>
+                                      </p:cBhvr>
+                                      <p:to>
+                                        <p:strVal val="visible"/>
+                                      </p:to>
+                                    </p:set>
+                                    <p:animEffect transition="in" filter="fade">
+                                      <p:cBhvr>
+                                        <p:cTn id="15" dur="500"/>
+                                        <p:tgtEl>
+                                          <p:spTgt spid="3">
+                                            <p:txEl>
+                                              <p:pRg st="2" end="2"/>
+                                            </p:txEl>
+                                          </p:spTgt>
+                                        </p:tgtEl>
+                                      </p:cBhvr>
+                                    </p:animEffect>
+                                  </p:childTnLst>
+                                  <p:subTnLst>
+                                    <p:animClr clrSpc="rgb" dir="cw">
+                                      <p:cBhvr override="childStyle">
+                                        <p:cTn dur="1" fill="hold" display="0" masterRel="nextClick" afterEffect="1"/>
+                                        <p:tgtEl>
+                                          <p:spTgt spid="3">
+                                            <p:txEl>
+                                              <p:pRg st="2" end="2"/>
+                                            </p:txEl>
+                                          </p:spTgt>
+                                        </p:tgtEl>
+                                        <p:attrNameLst>
+                                          <p:attrName>ppt_c</p:attrName>
+                                        </p:attrNameLst>
+                                      </p:cBhvr>
+                                      <p:to>
+                                        <a:srgbClr val="B2B2B2"/>
+                                      </p:to>
+                                    </p:animClr>
+                                  </p:subTnLst>
+                                </p:cTn>
+                              </p:par>
+                            </p:childTnLst>
+                          </p:cTn>
+                        </p:par>
+                      </p:childTnLst>
+                    </p:cTn>
+                  </p:par>
+                  <p:par>
+                    <p:cTn id="16" fill="hold">
+                      <p:stCondLst>
+                        <p:cond delay="indefinite"/>
+                      </p:stCondLst>
+                      <p:childTnLst>
+                        <p:par>
+                          <p:cTn id="17" fill="hold">
+                            <p:stCondLst>
+                              <p:cond delay="0"/>
+                            </p:stCondLst>
+                            <p:childTnLst>
+                              <p:par>
+                                <p:cTn id="18" presetID="10" presetClass="entr" presetSubtype="0" fill="hold" grpId="0" nodeType="clickEffect">
+                                  <p:stCondLst>
+                                    <p:cond delay="0"/>
+                                  </p:stCondLst>
+                                  <p:childTnLst>
+                                    <p:set>
+                                      <p:cBhvr>
+                                        <p:cTn id="19" dur="1" fill="hold">
+                                          <p:stCondLst>
+                                            <p:cond delay="0"/>
+                                          </p:stCondLst>
+                                        </p:cTn>
+                                        <p:tgtEl>
+                                          <p:spTgt spid="3">
+                                            <p:txEl>
+                                              <p:pRg st="3" end="3"/>
+                                            </p:txEl>
+                                          </p:spTgt>
+                                        </p:tgtEl>
+                                        <p:attrNameLst>
+                                          <p:attrName>style.visibility</p:attrName>
+                                        </p:attrNameLst>
+                                      </p:cBhvr>
+                                      <p:to>
+                                        <p:strVal val="visible"/>
+                                      </p:to>
+                                    </p:set>
+                                    <p:animEffect transition="in" filter="fade">
+                                      <p:cBhvr>
+                                        <p:cTn id="20" dur="500"/>
+                                        <p:tgtEl>
+                                          <p:spTgt spid="3">
+                                            <p:txEl>
+                                              <p:pRg st="3" end="3"/>
+                                            </p:txEl>
+                                          </p:spTgt>
+                                        </p:tgtEl>
+                                      </p:cBhvr>
+                                    </p:animEffect>
+                                  </p:childTnLst>
+                                  <p:subTnLst>
+                                    <p:animClr clrSpc="rgb" dir="cw">
+                                      <p:cBhvr override="childStyle">
+                                        <p:cTn dur="1" fill="hold" display="0" masterRel="nextClick" afterEffect="1"/>
+                                        <p:tgtEl>
+                                          <p:spTgt spid="3">
+                                            <p:txEl>
+                                              <p:pRg st="3" end="3"/>
+                                            </p:txEl>
+                                          </p:spTgt>
+                                        </p:tgtEl>
+                                        <p:attrNameLst>
+                                          <p:attrName>ppt_c</p:attrName>
+                                        </p:attrNameLst>
+                                      </p:cBhvr>
+                                      <p:to>
+                                        <a:srgbClr val="B2B2B2"/>
+                                      </p:to>
+                                    </p:animClr>
+                                  </p:subTnLst>
+                                </p:cTn>
+                              </p:par>
+                            </p:childTnLst>
+                          </p:cTn>
+                        </p:par>
+                      </p:childTnLst>
+                    </p:cTn>
+                  </p:par>
+                  <p:par>
+                    <p:cTn id="21" fill="hold">
+                      <p:stCondLst>
+                        <p:cond delay="indefinite"/>
+                      </p:stCondLst>
+                      <p:childTnLst>
+                        <p:par>
+                          <p:cTn id="22" fill="hold">
+                            <p:stCondLst>
+                              <p:cond delay="0"/>
+                            </p:stCondLst>
+                            <p:childTnLst>
+                              <p:par>
+                                <p:cTn id="23" presetID="10" presetClass="entr" presetSubtype="0" fill="hold" grpId="0" nodeType="clickEffect">
+                                  <p:stCondLst>
+                                    <p:cond delay="0"/>
+                                  </p:stCondLst>
+                                  <p:childTnLst>
+                                    <p:set>
+                                      <p:cBhvr>
+                                        <p:cTn id="24" dur="1" fill="hold">
+                                          <p:stCondLst>
+                                            <p:cond delay="0"/>
+                                          </p:stCondLst>
+                                        </p:cTn>
+                                        <p:tgtEl>
+                                          <p:spTgt spid="3">
+                                            <p:txEl>
+                                              <p:pRg st="4" end="4"/>
+                                            </p:txEl>
+                                          </p:spTgt>
+                                        </p:tgtEl>
+                                        <p:attrNameLst>
+                                          <p:attrName>style.visibility</p:attrName>
+                                        </p:attrNameLst>
+                                      </p:cBhvr>
+                                      <p:to>
+                                        <p:strVal val="visible"/>
+                                      </p:to>
+                                    </p:set>
+                                    <p:animEffect transition="in" filter="fade">
+                                      <p:cBhvr>
+                                        <p:cTn id="25" dur="500"/>
+                                        <p:tgtEl>
+                                          <p:spTgt spid="3">
+                                            <p:txEl>
+                                              <p:pRg st="4" end="4"/>
+                                            </p:txEl>
+                                          </p:spTgt>
+                                        </p:tgtEl>
+                                      </p:cBhvr>
+                                    </p:animEffect>
+                                  </p:childTnLst>
+                                  <p:subTnLst>
+                                    <p:animClr clrSpc="rgb" dir="cw">
+                                      <p:cBhvr override="childStyle">
+                                        <p:cTn dur="1" fill="hold" display="0" masterRel="nextClick" afterEffect="1"/>
+                                        <p:tgtEl>
+                                          <p:spTgt spid="3">
+                                            <p:txEl>
+                                              <p:pRg st="4" end="4"/>
+                                            </p:txEl>
+                                          </p:spTgt>
+                                        </p:tgtEl>
+                                        <p:attrNameLst>
+                                          <p:attrName>ppt_c</p:attrName>
+                                        </p:attrNameLst>
+                                      </p:cBhvr>
+                                      <p:to>
+                                        <a:srgbClr val="B2B2B2"/>
+                                      </p:to>
+                                    </p:animClr>
+                                  </p:subTnLst>
+                                </p:cTn>
+                              </p:par>
+                            </p:childTnLst>
+                          </p:cTn>
+                        </p:par>
+                      </p:childTnLst>
+                    </p:cTn>
+                  </p:par>
+                  <p:par>
+                    <p:cTn id="26" fill="hold">
+                      <p:stCondLst>
+                        <p:cond delay="indefinite"/>
+                      </p:stCondLst>
+                      <p:childTnLst>
+                        <p:par>
+                          <p:cTn id="27" fill="hold">
+                            <p:stCondLst>
+                              <p:cond delay="0"/>
+                            </p:stCondLst>
+                            <p:childTnLst>
+                              <p:par>
+                                <p:cTn id="28" presetID="10" presetClass="entr" presetSubtype="0" fill="hold" grpId="0" nodeType="clickEffect">
+                                  <p:stCondLst>
+                                    <p:cond delay="0"/>
+                                  </p:stCondLst>
+                                  <p:childTnLst>
+                                    <p:set>
+                                      <p:cBhvr>
+                                        <p:cTn id="29" dur="1" fill="hold">
+                                          <p:stCondLst>
+                                            <p:cond delay="0"/>
+                                          </p:stCondLst>
+                                        </p:cTn>
+                                        <p:tgtEl>
+                                          <p:spTgt spid="3">
+                                            <p:txEl>
+                                              <p:pRg st="5" end="5"/>
+                                            </p:txEl>
+                                          </p:spTgt>
+                                        </p:tgtEl>
+                                        <p:attrNameLst>
+                                          <p:attrName>style.visibility</p:attrName>
+                                        </p:attrNameLst>
+                                      </p:cBhvr>
+                                      <p:to>
+                                        <p:strVal val="visible"/>
+                                      </p:to>
+                                    </p:set>
+                                    <p:animEffect transition="in" filter="fade">
+                                      <p:cBhvr>
+                                        <p:cTn id="30" dur="500"/>
+                                        <p:tgtEl>
+                                          <p:spTgt spid="3">
+                                            <p:txEl>
+                                              <p:pRg st="5" end="5"/>
+                                            </p:txEl>
+                                          </p:spTgt>
+                                        </p:tgtEl>
+                                      </p:cBhvr>
+                                    </p:animEffect>
+                                  </p:childTnLst>
+                                  <p:subTnLst>
+                                    <p:animClr clrSpc="rgb" dir="cw">
+                                      <p:cBhvr override="childStyle">
+                                        <p:cTn dur="1" fill="hold" display="0" masterRel="nextClick" afterEffect="1"/>
+                                        <p:tgtEl>
+                                          <p:spTgt spid="3">
+                                            <p:txEl>
+                                              <p:pRg st="5" end="5"/>
+                                            </p:txEl>
+                                          </p:spTgt>
+                                        </p:tgtEl>
+                                        <p:attrNameLst>
+                                          <p:attrName>ppt_c</p:attrName>
+                                        </p:attrNameLst>
+                                      </p:cBhvr>
+                                      <p:to>
+                                        <a:srgbClr val="B2B2B2"/>
+                                      </p:to>
+                                    </p:animClr>
+                                  </p:subTnLst>
+                                </p:cTn>
+                              </p:par>
+                              <p:par>
+                                <p:cTn id="31" presetID="10" presetClass="entr" presetSubtype="0" fill="hold" grpId="0" nodeType="withEffect">
+                                  <p:stCondLst>
+                                    <p:cond delay="0"/>
+                                  </p:stCondLst>
+                                  <p:childTnLst>
+                                    <p:set>
+                                      <p:cBhvr>
+                                        <p:cTn id="32" dur="1" fill="hold">
+                                          <p:stCondLst>
+                                            <p:cond delay="0"/>
+                                          </p:stCondLst>
+                                        </p:cTn>
+                                        <p:tgtEl>
+                                          <p:spTgt spid="3">
+                                            <p:txEl>
+                                              <p:pRg st="6" end="6"/>
+                                            </p:txEl>
+                                          </p:spTgt>
+                                        </p:tgtEl>
+                                        <p:attrNameLst>
+                                          <p:attrName>style.visibility</p:attrName>
+                                        </p:attrNameLst>
+                                      </p:cBhvr>
+                                      <p:to>
+                                        <p:strVal val="visible"/>
+                                      </p:to>
+                                    </p:set>
+                                    <p:animEffect transition="in" filter="fade">
+                                      <p:cBhvr>
+                                        <p:cTn id="33" dur="500"/>
+                                        <p:tgtEl>
+                                          <p:spTgt spid="3">
+                                            <p:txEl>
+                                              <p:pRg st="6" end="6"/>
+                                            </p:txEl>
+                                          </p:spTgt>
+                                        </p:tgtEl>
+                                      </p:cBhvr>
+                                    </p:animEffect>
+                                  </p:childTnLst>
+                                  <p:subTnLst>
+                                    <p:animClr clrSpc="rgb" dir="cw">
+                                      <p:cBhvr override="childStyle">
+                                        <p:cTn dur="1" fill="hold" display="0" masterRel="nextClick" afterEffect="1"/>
+                                        <p:tgtEl>
+                                          <p:spTgt spid="3">
+                                            <p:txEl>
+                                              <p:pRg st="6" end="6"/>
+                                            </p:txEl>
+                                          </p:spTgt>
+                                        </p:tgtEl>
+                                        <p:attrNameLst>
+                                          <p:attrName>ppt_c</p:attrName>
+                                        </p:attrNameLst>
+                                      </p:cBhvr>
+                                      <p:to>
+                                        <a:srgbClr val="B2B2B2"/>
+                                      </p:to>
+                                    </p:animClr>
+                                  </p:subTnLst>
+                                </p:cTn>
+                              </p:par>
+                            </p:childTnLst>
+                          </p:cTn>
+                        </p:par>
+                      </p:childTnLst>
+                    </p:cTn>
+                  </p:par>
+                  <p:par>
+                    <p:cTn id="34" fill="hold">
+                      <p:stCondLst>
+                        <p:cond delay="indefinite"/>
+                      </p:stCondLst>
+                      <p:childTnLst>
+                        <p:par>
+                          <p:cTn id="35" fill="hold">
+                            <p:stCondLst>
+                              <p:cond delay="0"/>
+                            </p:stCondLst>
+                            <p:childTnLst>
+                              <p:par>
+                                <p:cTn id="36" presetID="10" presetClass="entr" presetSubtype="0" fill="hold" grpId="0" nodeType="clickEffect">
+                                  <p:stCondLst>
+                                    <p:cond delay="0"/>
+                                  </p:stCondLst>
+                                  <p:childTnLst>
+                                    <p:set>
+                                      <p:cBhvr>
+                                        <p:cTn id="37" dur="1" fill="hold">
+                                          <p:stCondLst>
+                                            <p:cond delay="0"/>
+                                          </p:stCondLst>
+                                        </p:cTn>
+                                        <p:tgtEl>
+                                          <p:spTgt spid="3">
+                                            <p:txEl>
+                                              <p:pRg st="7" end="7"/>
+                                            </p:txEl>
+                                          </p:spTgt>
+                                        </p:tgtEl>
+                                        <p:attrNameLst>
+                                          <p:attrName>style.visibility</p:attrName>
+                                        </p:attrNameLst>
+                                      </p:cBhvr>
+                                      <p:to>
+                                        <p:strVal val="visible"/>
+                                      </p:to>
+                                    </p:set>
+                                    <p:animEffect transition="in" filter="fade">
+                                      <p:cBhvr>
+                                        <p:cTn id="38" dur="500"/>
+                                        <p:tgtEl>
+                                          <p:spTgt spid="3">
+                                            <p:txEl>
+                                              <p:pRg st="7" end="7"/>
+                                            </p:txEl>
+                                          </p:spTgt>
+                                        </p:tgtEl>
+                                      </p:cBhvr>
+                                    </p:animEffect>
+                                  </p:childTnLst>
+                                  <p:subTnLst>
+                                    <p:animClr clrSpc="rgb" dir="cw">
+                                      <p:cBhvr override="childStyle">
+                                        <p:cTn dur="1" fill="hold" display="0" masterRel="nextClick" afterEffect="1"/>
+                                        <p:tgtEl>
+                                          <p:spTgt spid="3">
+                                            <p:txEl>
+                                              <p:pRg st="7" end="7"/>
+                                            </p:txEl>
+                                          </p:spTgt>
+                                        </p:tgtEl>
+                                        <p:attrNameLst>
+                                          <p:attrName>ppt_c</p:attrName>
+                                        </p:attrNameLst>
+                                      </p:cBhvr>
+                                      <p:to>
+                                        <a:srgbClr val="B2B2B2"/>
+                                      </p:to>
+                                    </p:animClr>
+                                  </p:subTnLst>
+                                </p:cTn>
+                              </p:par>
+                            </p:childTnLst>
+                          </p:cTn>
+                        </p:par>
+                      </p:childTnLst>
+                    </p:cTn>
+                  </p:par>
+                </p:childTnLst>
+              </p:cTn>
+              <p:prevCondLst>
+                <p:cond evt="onPrev" delay="0">
+                  <p:tgtEl>
+                    <p:sldTgt/>
+                  </p:tgtEl>
+                </p:cond>
+              </p:prevCondLst>
+              <p:nextCondLst>
+                <p:cond evt="onNext" delay="0">
+                  <p:tgtEl>
+                    <p:sldTgt/>
+                  </p:tgtEl>
+                </p:cond>
+              </p:nextCondLst>
+            </p:seq>
+          </p:childTnLst>
+        </p:cTn>
+      </p:par>
+    </p:tnLst>
+    <p:bldLst>
+      <p:bldP spid="3" grpId="0" build="p"/>
+    </p:bldLst>
+  </p:timing>
+</p:sld>
+</file>
+
 <file path=ppt/slides/slide3.xml><?xml version="1.0" encoding="utf-8"?>
 <p:sld xmlns:a="http://schemas.openxmlformats.org/drawingml/2006/main" xmlns:r="http://schemas.openxmlformats.org/officeDocument/2006/relationships" xmlns:p="http://schemas.openxmlformats.org/presentationml/2006/main">
   <p:cSld>
@@ -22420,7 +22973,7 @@
           <a:p>
             <a:r>
               <a:rPr lang="en-US" dirty="0"/>
-              <a:t>Demos</a:t>
+              <a:t>Demo</a:t>
             </a:r>
           </a:p>
           <a:p>
@@ -22775,1923 +23328,6 @@
                   </a:schemeClr>
                 </a:solidFill>
               </a:rPr>
-              <a:t>Common Gotcha’s </a:t>
-            </a:r>
-            <a:r>
-              <a:rPr lang="en-US">
-                <a:solidFill>
-                  <a:schemeClr val="bg1">
-                    <a:lumMod val="65000"/>
-                  </a:schemeClr>
-                </a:solidFill>
-              </a:rPr>
-              <a:t>Building The Database</a:t>
-            </a:r>
-            <a:endParaRPr lang="en-US" dirty="0">
-              <a:solidFill>
-                <a:schemeClr val="bg1">
-                  <a:lumMod val="65000"/>
-                </a:schemeClr>
-              </a:solidFill>
-            </a:endParaRPr>
-          </a:p>
-        </p:txBody>
-      </p:sp>
-      <p:sp>
-        <p:nvSpPr>
-          <p:cNvPr id="3" name="Content Placeholder 2"/>
-          <p:cNvSpPr>
-            <a:spLocks noGrp="1"/>
-          </p:cNvSpPr>
-          <p:nvPr>
-            <p:ph idx="1"/>
-          </p:nvPr>
-        </p:nvSpPr>
-        <p:spPr/>
-        <p:txBody>
-          <a:bodyPr/>
-          <a:lstStyle/>
-          <a:p>
-            <a:r>
-              <a:rPr lang="en-US" dirty="0"/>
-              <a:t>You will pay for the sins of your ancestors</a:t>
-            </a:r>
-          </a:p>
-          <a:p>
-            <a:r>
-              <a:rPr lang="en-US" dirty="0"/>
-              <a:t>Linked Servers</a:t>
-            </a:r>
-          </a:p>
-          <a:p>
-            <a:r>
-              <a:rPr lang="en-US" dirty="0"/>
-              <a:t>Cross-Database Hopping</a:t>
-            </a:r>
-          </a:p>
-          <a:p>
-            <a:r>
-              <a:rPr lang="en-US" dirty="0"/>
-              <a:t>Old Stored Procedures or Views Referencing Old Tables/Columns</a:t>
-            </a:r>
-          </a:p>
-          <a:p>
-            <a:r>
-              <a:rPr lang="en-US" dirty="0"/>
-              <a:t>Multi-tenant challenges</a:t>
-            </a:r>
-          </a:p>
-        </p:txBody>
-      </p:sp>
-      <p:grpSp>
-        <p:nvGrpSpPr>
-          <p:cNvPr id="12" name="Group 11">
-            <a:extLst>
-              <a:ext uri="{FF2B5EF4-FFF2-40B4-BE49-F238E27FC236}">
-                <a16:creationId xmlns:a16="http://schemas.microsoft.com/office/drawing/2014/main" id="{8A278790-7757-48E3-8988-4EA9F2835B70}"/>
-              </a:ext>
-            </a:extLst>
-          </p:cNvPr>
-          <p:cNvGrpSpPr/>
-          <p:nvPr/>
-        </p:nvGrpSpPr>
-        <p:grpSpPr>
-          <a:xfrm>
-            <a:off x="9970651" y="6185410"/>
-            <a:ext cx="2130724" cy="474323"/>
-            <a:chOff x="9970651" y="6185410"/>
-            <a:chExt cx="2130724" cy="474323"/>
-          </a:xfrm>
-        </p:grpSpPr>
-        <p:sp>
-          <p:nvSpPr>
-            <p:cNvPr id="13" name="Subtitle 2">
-              <a:extLst>
-                <a:ext uri="{FF2B5EF4-FFF2-40B4-BE49-F238E27FC236}">
-                  <a16:creationId xmlns:a16="http://schemas.microsoft.com/office/drawing/2014/main" id="{1B2F9D29-43ED-4D87-A41A-D4C9CAFD7B40}"/>
-                </a:ext>
-              </a:extLst>
-            </p:cNvPr>
-            <p:cNvSpPr txBox="1">
-              <a:spLocks/>
-            </p:cNvSpPr>
-            <p:nvPr/>
-          </p:nvSpPr>
-          <p:spPr>
-            <a:xfrm>
-              <a:off x="10041147" y="6185410"/>
-              <a:ext cx="2060228" cy="474323"/>
-            </a:xfrm>
-            <a:prstGeom prst="rect">
-              <a:avLst/>
-            </a:prstGeom>
-          </p:spPr>
-          <p:txBody>
-            <a:bodyPr vert="horz" lIns="91440" tIns="45720" rIns="91440" bIns="45720" rtlCol="0">
-              <a:normAutofit/>
-            </a:bodyPr>
-            <a:lstStyle>
-              <a:lvl1pPr marL="0" indent="0" algn="ctr" defTabSz="914400" rtl="0" eaLnBrk="1" latinLnBrk="0" hangingPunct="1">
-                <a:lnSpc>
-                  <a:spcPct val="90000"/>
-                </a:lnSpc>
-                <a:spcBef>
-                  <a:spcPts val="1000"/>
-                </a:spcBef>
-                <a:buFont typeface="Arial" panose="020B0604020202020204" pitchFamily="34" charset="0"/>
-                <a:buNone/>
-                <a:defRPr sz="2400" kern="1200">
-                  <a:solidFill>
-                    <a:schemeClr val="tx1"/>
-                  </a:solidFill>
-                  <a:latin typeface="+mn-lt"/>
-                  <a:ea typeface="+mn-ea"/>
-                  <a:cs typeface="+mn-cs"/>
-                </a:defRPr>
-              </a:lvl1pPr>
-              <a:lvl2pPr marL="457200" indent="0" algn="ctr" defTabSz="914400" rtl="0" eaLnBrk="1" latinLnBrk="0" hangingPunct="1">
-                <a:lnSpc>
-                  <a:spcPct val="90000"/>
-                </a:lnSpc>
-                <a:spcBef>
-                  <a:spcPts val="500"/>
-                </a:spcBef>
-                <a:buFont typeface="Arial" panose="020B0604020202020204" pitchFamily="34" charset="0"/>
-                <a:buNone/>
-                <a:defRPr sz="2000" kern="1200">
-                  <a:solidFill>
-                    <a:schemeClr val="tx1"/>
-                  </a:solidFill>
-                  <a:latin typeface="+mn-lt"/>
-                  <a:ea typeface="+mn-ea"/>
-                  <a:cs typeface="+mn-cs"/>
-                </a:defRPr>
-              </a:lvl2pPr>
-              <a:lvl3pPr marL="914400" indent="0" algn="ctr" defTabSz="914400" rtl="0" eaLnBrk="1" latinLnBrk="0" hangingPunct="1">
-                <a:lnSpc>
-                  <a:spcPct val="90000"/>
-                </a:lnSpc>
-                <a:spcBef>
-                  <a:spcPts val="500"/>
-                </a:spcBef>
-                <a:buFont typeface="Arial" panose="020B0604020202020204" pitchFamily="34" charset="0"/>
-                <a:buNone/>
-                <a:defRPr sz="1800" kern="1200">
-                  <a:solidFill>
-                    <a:schemeClr val="tx1"/>
-                  </a:solidFill>
-                  <a:latin typeface="+mn-lt"/>
-                  <a:ea typeface="+mn-ea"/>
-                  <a:cs typeface="+mn-cs"/>
-                </a:defRPr>
-              </a:lvl3pPr>
-              <a:lvl4pPr marL="1371600" indent="0" algn="ctr" defTabSz="914400" rtl="0" eaLnBrk="1" latinLnBrk="0" hangingPunct="1">
-                <a:lnSpc>
-                  <a:spcPct val="90000"/>
-                </a:lnSpc>
-                <a:spcBef>
-                  <a:spcPts val="500"/>
-                </a:spcBef>
-                <a:buFont typeface="Arial" panose="020B0604020202020204" pitchFamily="34" charset="0"/>
-                <a:buNone/>
-                <a:defRPr sz="1600" kern="1200">
-                  <a:solidFill>
-                    <a:schemeClr val="tx1"/>
-                  </a:solidFill>
-                  <a:latin typeface="+mn-lt"/>
-                  <a:ea typeface="+mn-ea"/>
-                  <a:cs typeface="+mn-cs"/>
-                </a:defRPr>
-              </a:lvl4pPr>
-              <a:lvl5pPr marL="1828800" indent="0" algn="ctr" defTabSz="914400" rtl="0" eaLnBrk="1" latinLnBrk="0" hangingPunct="1">
-                <a:lnSpc>
-                  <a:spcPct val="90000"/>
-                </a:lnSpc>
-                <a:spcBef>
-                  <a:spcPts val="500"/>
-                </a:spcBef>
-                <a:buFont typeface="Arial" panose="020B0604020202020204" pitchFamily="34" charset="0"/>
-                <a:buNone/>
-                <a:defRPr sz="1600" kern="1200">
-                  <a:solidFill>
-                    <a:schemeClr val="tx1"/>
-                  </a:solidFill>
-                  <a:latin typeface="+mn-lt"/>
-                  <a:ea typeface="+mn-ea"/>
-                  <a:cs typeface="+mn-cs"/>
-                </a:defRPr>
-              </a:lvl5pPr>
-              <a:lvl6pPr marL="2286000" indent="0" algn="ctr" defTabSz="914400" rtl="0" eaLnBrk="1" latinLnBrk="0" hangingPunct="1">
-                <a:lnSpc>
-                  <a:spcPct val="90000"/>
-                </a:lnSpc>
-                <a:spcBef>
-                  <a:spcPts val="500"/>
-                </a:spcBef>
-                <a:buFont typeface="Arial" panose="020B0604020202020204" pitchFamily="34" charset="0"/>
-                <a:buNone/>
-                <a:defRPr sz="1600" kern="1200">
-                  <a:solidFill>
-                    <a:schemeClr val="tx1"/>
-                  </a:solidFill>
-                  <a:latin typeface="+mn-lt"/>
-                  <a:ea typeface="+mn-ea"/>
-                  <a:cs typeface="+mn-cs"/>
-                </a:defRPr>
-              </a:lvl6pPr>
-              <a:lvl7pPr marL="2743200" indent="0" algn="ctr" defTabSz="914400" rtl="0" eaLnBrk="1" latinLnBrk="0" hangingPunct="1">
-                <a:lnSpc>
-                  <a:spcPct val="90000"/>
-                </a:lnSpc>
-                <a:spcBef>
-                  <a:spcPts val="500"/>
-                </a:spcBef>
-                <a:buFont typeface="Arial" panose="020B0604020202020204" pitchFamily="34" charset="0"/>
-                <a:buNone/>
-                <a:defRPr sz="1600" kern="1200">
-                  <a:solidFill>
-                    <a:schemeClr val="tx1"/>
-                  </a:solidFill>
-                  <a:latin typeface="+mn-lt"/>
-                  <a:ea typeface="+mn-ea"/>
-                  <a:cs typeface="+mn-cs"/>
-                </a:defRPr>
-              </a:lvl7pPr>
-              <a:lvl8pPr marL="3200400" indent="0" algn="ctr" defTabSz="914400" rtl="0" eaLnBrk="1" latinLnBrk="0" hangingPunct="1">
-                <a:lnSpc>
-                  <a:spcPct val="90000"/>
-                </a:lnSpc>
-                <a:spcBef>
-                  <a:spcPts val="500"/>
-                </a:spcBef>
-                <a:buFont typeface="Arial" panose="020B0604020202020204" pitchFamily="34" charset="0"/>
-                <a:buNone/>
-                <a:defRPr sz="1600" kern="1200">
-                  <a:solidFill>
-                    <a:schemeClr val="tx1"/>
-                  </a:solidFill>
-                  <a:latin typeface="+mn-lt"/>
-                  <a:ea typeface="+mn-ea"/>
-                  <a:cs typeface="+mn-cs"/>
-                </a:defRPr>
-              </a:lvl8pPr>
-              <a:lvl9pPr marL="3657600" indent="0" algn="ctr" defTabSz="914400" rtl="0" eaLnBrk="1" latinLnBrk="0" hangingPunct="1">
-                <a:lnSpc>
-                  <a:spcPct val="90000"/>
-                </a:lnSpc>
-                <a:spcBef>
-                  <a:spcPts val="500"/>
-                </a:spcBef>
-                <a:buFont typeface="Arial" panose="020B0604020202020204" pitchFamily="34" charset="0"/>
-                <a:buNone/>
-                <a:defRPr sz="1600" kern="1200">
-                  <a:solidFill>
-                    <a:schemeClr val="tx1"/>
-                  </a:solidFill>
-                  <a:latin typeface="+mn-lt"/>
-                  <a:ea typeface="+mn-ea"/>
-                  <a:cs typeface="+mn-cs"/>
-                </a:defRPr>
-              </a:lvl9pPr>
-            </a:lstStyle>
-            <a:p>
-              <a:r>
-                <a:rPr lang="en-US" dirty="0" err="1">
-                  <a:solidFill>
-                    <a:schemeClr val="bg1">
-                      <a:lumMod val="65000"/>
-                    </a:schemeClr>
-                  </a:solidFill>
-                </a:rPr>
-                <a:t>scottsauber</a:t>
-              </a:r>
-              <a:endParaRPr lang="en-US" dirty="0">
-                <a:solidFill>
-                  <a:schemeClr val="bg1">
-                    <a:lumMod val="65000"/>
-                  </a:schemeClr>
-                </a:solidFill>
-              </a:endParaRPr>
-            </a:p>
-          </p:txBody>
-        </p:sp>
-        <p:sp>
-          <p:nvSpPr>
-            <p:cNvPr id="14" name="Rectangle 13">
-              <a:extLst>
-                <a:ext uri="{FF2B5EF4-FFF2-40B4-BE49-F238E27FC236}">
-                  <a16:creationId xmlns:a16="http://schemas.microsoft.com/office/drawing/2014/main" id="{19049C2B-FB14-4348-ACE6-F1CED6CF2415}"/>
-                </a:ext>
-              </a:extLst>
-            </p:cNvPr>
-            <p:cNvSpPr/>
-            <p:nvPr/>
-          </p:nvSpPr>
-          <p:spPr>
-            <a:xfrm>
-              <a:off x="9970651" y="6285411"/>
-              <a:ext cx="347472" cy="274320"/>
-            </a:xfrm>
-            <a:prstGeom prst="rect">
-              <a:avLst/>
-            </a:prstGeom>
-            <a:blipFill dpi="0" rotWithShape="1">
-              <a:blip r:embed="rId3">
-                <a:alphaModFix amt="50000"/>
-              </a:blip>
-              <a:srcRect/>
-              <a:stretch>
-                <a:fillRect/>
-              </a:stretch>
-            </a:blipFill>
-            <a:ln>
-              <a:noFill/>
-            </a:ln>
-          </p:spPr>
-          <p:style>
-            <a:lnRef idx="2">
-              <a:schemeClr val="accent1">
-                <a:shade val="50000"/>
-              </a:schemeClr>
-            </a:lnRef>
-            <a:fillRef idx="1">
-              <a:schemeClr val="accent1"/>
-            </a:fillRef>
-            <a:effectRef idx="0">
-              <a:schemeClr val="accent1"/>
-            </a:effectRef>
-            <a:fontRef idx="minor">
-              <a:schemeClr val="lt1"/>
-            </a:fontRef>
-          </p:style>
-          <p:txBody>
-            <a:bodyPr rtlCol="0" anchor="ctr"/>
-            <a:lstStyle/>
-            <a:p>
-              <a:pPr algn="ctr"/>
-              <a:endParaRPr lang="en-US"/>
-            </a:p>
-          </p:txBody>
-        </p:sp>
-      </p:grpSp>
-    </p:spTree>
-    <p:extLst>
-      <p:ext uri="{BB962C8B-B14F-4D97-AF65-F5344CB8AC3E}">
-        <p14:creationId xmlns:p14="http://schemas.microsoft.com/office/powerpoint/2010/main" val="3899512274"/>
-      </p:ext>
-    </p:extLst>
-  </p:cSld>
-  <p:clrMapOvr>
-    <a:masterClrMapping/>
-  </p:clrMapOvr>
-  <p:timing>
-    <p:tnLst>
-      <p:par>
-        <p:cTn id="1" dur="indefinite" restart="never" nodeType="tmRoot">
-          <p:childTnLst>
-            <p:seq concurrent="1" nextAc="seek">
-              <p:cTn id="2" dur="indefinite" nodeType="mainSeq">
-                <p:childTnLst>
-                  <p:par>
-                    <p:cTn id="3" fill="hold">
-                      <p:stCondLst>
-                        <p:cond delay="indefinite"/>
-                      </p:stCondLst>
-                      <p:childTnLst>
-                        <p:par>
-                          <p:cTn id="4" fill="hold">
-                            <p:stCondLst>
-                              <p:cond delay="0"/>
-                            </p:stCondLst>
-                            <p:childTnLst>
-                              <p:par>
-                                <p:cTn id="5" presetID="10" presetClass="entr" presetSubtype="0" fill="hold" grpId="0" nodeType="clickEffect">
-                                  <p:stCondLst>
-                                    <p:cond delay="0"/>
-                                  </p:stCondLst>
-                                  <p:childTnLst>
-                                    <p:set>
-                                      <p:cBhvr>
-                                        <p:cTn id="6" dur="1" fill="hold">
-                                          <p:stCondLst>
-                                            <p:cond delay="0"/>
-                                          </p:stCondLst>
-                                        </p:cTn>
-                                        <p:tgtEl>
-                                          <p:spTgt spid="3">
-                                            <p:txEl>
-                                              <p:pRg st="0" end="0"/>
-                                            </p:txEl>
-                                          </p:spTgt>
-                                        </p:tgtEl>
-                                        <p:attrNameLst>
-                                          <p:attrName>style.visibility</p:attrName>
-                                        </p:attrNameLst>
-                                      </p:cBhvr>
-                                      <p:to>
-                                        <p:strVal val="visible"/>
-                                      </p:to>
-                                    </p:set>
-                                    <p:animEffect transition="in" filter="fade">
-                                      <p:cBhvr>
-                                        <p:cTn id="7" dur="500"/>
-                                        <p:tgtEl>
-                                          <p:spTgt spid="3">
-                                            <p:txEl>
-                                              <p:pRg st="0" end="0"/>
-                                            </p:txEl>
-                                          </p:spTgt>
-                                        </p:tgtEl>
-                                      </p:cBhvr>
-                                    </p:animEffect>
-                                  </p:childTnLst>
-                                  <p:subTnLst>
-                                    <p:animClr clrSpc="rgb" dir="cw">
-                                      <p:cBhvr override="childStyle">
-                                        <p:cTn dur="1" fill="hold" display="0" masterRel="nextClick" afterEffect="1"/>
-                                        <p:tgtEl>
-                                          <p:spTgt spid="3">
-                                            <p:txEl>
-                                              <p:pRg st="0" end="0"/>
-                                            </p:txEl>
-                                          </p:spTgt>
-                                        </p:tgtEl>
-                                        <p:attrNameLst>
-                                          <p:attrName>ppt_c</p:attrName>
-                                        </p:attrNameLst>
-                                      </p:cBhvr>
-                                      <p:to>
-                                        <a:srgbClr val="B2B2B2"/>
-                                      </p:to>
-                                    </p:animClr>
-                                  </p:subTnLst>
-                                </p:cTn>
-                              </p:par>
-                            </p:childTnLst>
-                          </p:cTn>
-                        </p:par>
-                      </p:childTnLst>
-                    </p:cTn>
-                  </p:par>
-                  <p:par>
-                    <p:cTn id="8" fill="hold">
-                      <p:stCondLst>
-                        <p:cond delay="indefinite"/>
-                      </p:stCondLst>
-                      <p:childTnLst>
-                        <p:par>
-                          <p:cTn id="9" fill="hold">
-                            <p:stCondLst>
-                              <p:cond delay="0"/>
-                            </p:stCondLst>
-                            <p:childTnLst>
-                              <p:par>
-                                <p:cTn id="10" presetID="10" presetClass="entr" presetSubtype="0" fill="hold" grpId="0" nodeType="clickEffect">
-                                  <p:stCondLst>
-                                    <p:cond delay="0"/>
-                                  </p:stCondLst>
-                                  <p:childTnLst>
-                                    <p:set>
-                                      <p:cBhvr>
-                                        <p:cTn id="11" dur="1" fill="hold">
-                                          <p:stCondLst>
-                                            <p:cond delay="0"/>
-                                          </p:stCondLst>
-                                        </p:cTn>
-                                        <p:tgtEl>
-                                          <p:spTgt spid="3">
-                                            <p:txEl>
-                                              <p:pRg st="1" end="1"/>
-                                            </p:txEl>
-                                          </p:spTgt>
-                                        </p:tgtEl>
-                                        <p:attrNameLst>
-                                          <p:attrName>style.visibility</p:attrName>
-                                        </p:attrNameLst>
-                                      </p:cBhvr>
-                                      <p:to>
-                                        <p:strVal val="visible"/>
-                                      </p:to>
-                                    </p:set>
-                                    <p:animEffect transition="in" filter="fade">
-                                      <p:cBhvr>
-                                        <p:cTn id="12" dur="500"/>
-                                        <p:tgtEl>
-                                          <p:spTgt spid="3">
-                                            <p:txEl>
-                                              <p:pRg st="1" end="1"/>
-                                            </p:txEl>
-                                          </p:spTgt>
-                                        </p:tgtEl>
-                                      </p:cBhvr>
-                                    </p:animEffect>
-                                  </p:childTnLst>
-                                  <p:subTnLst>
-                                    <p:animClr clrSpc="rgb" dir="cw">
-                                      <p:cBhvr override="childStyle">
-                                        <p:cTn dur="1" fill="hold" display="0" masterRel="nextClick" afterEffect="1"/>
-                                        <p:tgtEl>
-                                          <p:spTgt spid="3">
-                                            <p:txEl>
-                                              <p:pRg st="1" end="1"/>
-                                            </p:txEl>
-                                          </p:spTgt>
-                                        </p:tgtEl>
-                                        <p:attrNameLst>
-                                          <p:attrName>ppt_c</p:attrName>
-                                        </p:attrNameLst>
-                                      </p:cBhvr>
-                                      <p:to>
-                                        <a:srgbClr val="B2B2B2"/>
-                                      </p:to>
-                                    </p:animClr>
-                                  </p:subTnLst>
-                                </p:cTn>
-                              </p:par>
-                            </p:childTnLst>
-                          </p:cTn>
-                        </p:par>
-                      </p:childTnLst>
-                    </p:cTn>
-                  </p:par>
-                  <p:par>
-                    <p:cTn id="13" fill="hold">
-                      <p:stCondLst>
-                        <p:cond delay="indefinite"/>
-                      </p:stCondLst>
-                      <p:childTnLst>
-                        <p:par>
-                          <p:cTn id="14" fill="hold">
-                            <p:stCondLst>
-                              <p:cond delay="0"/>
-                            </p:stCondLst>
-                            <p:childTnLst>
-                              <p:par>
-                                <p:cTn id="15" presetID="10" presetClass="entr" presetSubtype="0" fill="hold" grpId="0" nodeType="clickEffect">
-                                  <p:stCondLst>
-                                    <p:cond delay="0"/>
-                                  </p:stCondLst>
-                                  <p:childTnLst>
-                                    <p:set>
-                                      <p:cBhvr>
-                                        <p:cTn id="16" dur="1" fill="hold">
-                                          <p:stCondLst>
-                                            <p:cond delay="0"/>
-                                          </p:stCondLst>
-                                        </p:cTn>
-                                        <p:tgtEl>
-                                          <p:spTgt spid="3">
-                                            <p:txEl>
-                                              <p:pRg st="2" end="2"/>
-                                            </p:txEl>
-                                          </p:spTgt>
-                                        </p:tgtEl>
-                                        <p:attrNameLst>
-                                          <p:attrName>style.visibility</p:attrName>
-                                        </p:attrNameLst>
-                                      </p:cBhvr>
-                                      <p:to>
-                                        <p:strVal val="visible"/>
-                                      </p:to>
-                                    </p:set>
-                                    <p:animEffect transition="in" filter="fade">
-                                      <p:cBhvr>
-                                        <p:cTn id="17" dur="500"/>
-                                        <p:tgtEl>
-                                          <p:spTgt spid="3">
-                                            <p:txEl>
-                                              <p:pRg st="2" end="2"/>
-                                            </p:txEl>
-                                          </p:spTgt>
-                                        </p:tgtEl>
-                                      </p:cBhvr>
-                                    </p:animEffect>
-                                  </p:childTnLst>
-                                  <p:subTnLst>
-                                    <p:animClr clrSpc="rgb" dir="cw">
-                                      <p:cBhvr override="childStyle">
-                                        <p:cTn dur="1" fill="hold" display="0" masterRel="nextClick" afterEffect="1"/>
-                                        <p:tgtEl>
-                                          <p:spTgt spid="3">
-                                            <p:txEl>
-                                              <p:pRg st="2" end="2"/>
-                                            </p:txEl>
-                                          </p:spTgt>
-                                        </p:tgtEl>
-                                        <p:attrNameLst>
-                                          <p:attrName>ppt_c</p:attrName>
-                                        </p:attrNameLst>
-                                      </p:cBhvr>
-                                      <p:to>
-                                        <a:srgbClr val="B2B2B2"/>
-                                      </p:to>
-                                    </p:animClr>
-                                  </p:subTnLst>
-                                </p:cTn>
-                              </p:par>
-                            </p:childTnLst>
-                          </p:cTn>
-                        </p:par>
-                      </p:childTnLst>
-                    </p:cTn>
-                  </p:par>
-                  <p:par>
-                    <p:cTn id="18" fill="hold">
-                      <p:stCondLst>
-                        <p:cond delay="indefinite"/>
-                      </p:stCondLst>
-                      <p:childTnLst>
-                        <p:par>
-                          <p:cTn id="19" fill="hold">
-                            <p:stCondLst>
-                              <p:cond delay="0"/>
-                            </p:stCondLst>
-                            <p:childTnLst>
-                              <p:par>
-                                <p:cTn id="20" presetID="10" presetClass="entr" presetSubtype="0" fill="hold" grpId="0" nodeType="clickEffect">
-                                  <p:stCondLst>
-                                    <p:cond delay="0"/>
-                                  </p:stCondLst>
-                                  <p:childTnLst>
-                                    <p:set>
-                                      <p:cBhvr>
-                                        <p:cTn id="21" dur="1" fill="hold">
-                                          <p:stCondLst>
-                                            <p:cond delay="0"/>
-                                          </p:stCondLst>
-                                        </p:cTn>
-                                        <p:tgtEl>
-                                          <p:spTgt spid="3">
-                                            <p:txEl>
-                                              <p:pRg st="3" end="3"/>
-                                            </p:txEl>
-                                          </p:spTgt>
-                                        </p:tgtEl>
-                                        <p:attrNameLst>
-                                          <p:attrName>style.visibility</p:attrName>
-                                        </p:attrNameLst>
-                                      </p:cBhvr>
-                                      <p:to>
-                                        <p:strVal val="visible"/>
-                                      </p:to>
-                                    </p:set>
-                                    <p:animEffect transition="in" filter="fade">
-                                      <p:cBhvr>
-                                        <p:cTn id="22" dur="500"/>
-                                        <p:tgtEl>
-                                          <p:spTgt spid="3">
-                                            <p:txEl>
-                                              <p:pRg st="3" end="3"/>
-                                            </p:txEl>
-                                          </p:spTgt>
-                                        </p:tgtEl>
-                                      </p:cBhvr>
-                                    </p:animEffect>
-                                  </p:childTnLst>
-                                  <p:subTnLst>
-                                    <p:animClr clrSpc="rgb" dir="cw">
-                                      <p:cBhvr override="childStyle">
-                                        <p:cTn dur="1" fill="hold" display="0" masterRel="nextClick" afterEffect="1"/>
-                                        <p:tgtEl>
-                                          <p:spTgt spid="3">
-                                            <p:txEl>
-                                              <p:pRg st="3" end="3"/>
-                                            </p:txEl>
-                                          </p:spTgt>
-                                        </p:tgtEl>
-                                        <p:attrNameLst>
-                                          <p:attrName>ppt_c</p:attrName>
-                                        </p:attrNameLst>
-                                      </p:cBhvr>
-                                      <p:to>
-                                        <a:srgbClr val="B2B2B2"/>
-                                      </p:to>
-                                    </p:animClr>
-                                  </p:subTnLst>
-                                </p:cTn>
-                              </p:par>
-                            </p:childTnLst>
-                          </p:cTn>
-                        </p:par>
-                      </p:childTnLst>
-                    </p:cTn>
-                  </p:par>
-                  <p:par>
-                    <p:cTn id="23" fill="hold">
-                      <p:stCondLst>
-                        <p:cond delay="indefinite"/>
-                      </p:stCondLst>
-                      <p:childTnLst>
-                        <p:par>
-                          <p:cTn id="24" fill="hold">
-                            <p:stCondLst>
-                              <p:cond delay="0"/>
-                            </p:stCondLst>
-                            <p:childTnLst>
-                              <p:par>
-                                <p:cTn id="25" presetID="10" presetClass="entr" presetSubtype="0" fill="hold" grpId="0" nodeType="clickEffect">
-                                  <p:stCondLst>
-                                    <p:cond delay="0"/>
-                                  </p:stCondLst>
-                                  <p:childTnLst>
-                                    <p:set>
-                                      <p:cBhvr>
-                                        <p:cTn id="26" dur="1" fill="hold">
-                                          <p:stCondLst>
-                                            <p:cond delay="0"/>
-                                          </p:stCondLst>
-                                        </p:cTn>
-                                        <p:tgtEl>
-                                          <p:spTgt spid="3">
-                                            <p:txEl>
-                                              <p:pRg st="4" end="4"/>
-                                            </p:txEl>
-                                          </p:spTgt>
-                                        </p:tgtEl>
-                                        <p:attrNameLst>
-                                          <p:attrName>style.visibility</p:attrName>
-                                        </p:attrNameLst>
-                                      </p:cBhvr>
-                                      <p:to>
-                                        <p:strVal val="visible"/>
-                                      </p:to>
-                                    </p:set>
-                                    <p:animEffect transition="in" filter="fade">
-                                      <p:cBhvr>
-                                        <p:cTn id="27" dur="500"/>
-                                        <p:tgtEl>
-                                          <p:spTgt spid="3">
-                                            <p:txEl>
-                                              <p:pRg st="4" end="4"/>
-                                            </p:txEl>
-                                          </p:spTgt>
-                                        </p:tgtEl>
-                                      </p:cBhvr>
-                                    </p:animEffect>
-                                  </p:childTnLst>
-                                  <p:subTnLst>
-                                    <p:animClr clrSpc="rgb" dir="cw">
-                                      <p:cBhvr override="childStyle">
-                                        <p:cTn dur="1" fill="hold" display="0" masterRel="nextClick" afterEffect="1"/>
-                                        <p:tgtEl>
-                                          <p:spTgt spid="3">
-                                            <p:txEl>
-                                              <p:pRg st="4" end="4"/>
-                                            </p:txEl>
-                                          </p:spTgt>
-                                        </p:tgtEl>
-                                        <p:attrNameLst>
-                                          <p:attrName>ppt_c</p:attrName>
-                                        </p:attrNameLst>
-                                      </p:cBhvr>
-                                      <p:to>
-                                        <a:srgbClr val="B2B2B2"/>
-                                      </p:to>
-                                    </p:animClr>
-                                  </p:subTnLst>
-                                </p:cTn>
-                              </p:par>
-                            </p:childTnLst>
-                          </p:cTn>
-                        </p:par>
-                      </p:childTnLst>
-                    </p:cTn>
-                  </p:par>
-                </p:childTnLst>
-              </p:cTn>
-              <p:prevCondLst>
-                <p:cond evt="onPrev" delay="0">
-                  <p:tgtEl>
-                    <p:sldTgt/>
-                  </p:tgtEl>
-                </p:cond>
-              </p:prevCondLst>
-              <p:nextCondLst>
-                <p:cond evt="onNext" delay="0">
-                  <p:tgtEl>
-                    <p:sldTgt/>
-                  </p:tgtEl>
-                </p:cond>
-              </p:nextCondLst>
-            </p:seq>
-          </p:childTnLst>
-        </p:cTn>
-      </p:par>
-    </p:tnLst>
-    <p:bldLst>
-      <p:bldP spid="3" grpId="0" build="p"/>
-    </p:bldLst>
-  </p:timing>
-</p:sld>
-</file>
-
-<file path=ppt/slides/slide31.xml><?xml version="1.0" encoding="utf-8"?>
-<p:sld xmlns:a="http://schemas.openxmlformats.org/drawingml/2006/main" xmlns:r="http://schemas.openxmlformats.org/officeDocument/2006/relationships" xmlns:p="http://schemas.openxmlformats.org/presentationml/2006/main">
-  <p:cSld>
-    <p:spTree>
-      <p:nvGrpSpPr>
-        <p:cNvPr id="1" name=""/>
-        <p:cNvGrpSpPr/>
-        <p:nvPr/>
-      </p:nvGrpSpPr>
-      <p:grpSpPr>
-        <a:xfrm>
-          <a:off x="0" y="0"/>
-          <a:ext cx="0" cy="0"/>
-          <a:chOff x="0" y="0"/>
-          <a:chExt cx="0" cy="0"/>
-        </a:xfrm>
-      </p:grpSpPr>
-      <p:sp>
-        <p:nvSpPr>
-          <p:cNvPr id="2" name="Title 1"/>
-          <p:cNvSpPr>
-            <a:spLocks noGrp="1"/>
-          </p:cNvSpPr>
-          <p:nvPr>
-            <p:ph type="title"/>
-          </p:nvPr>
-        </p:nvSpPr>
-        <p:spPr/>
-        <p:txBody>
-          <a:bodyPr/>
-          <a:lstStyle/>
-          <a:p>
-            <a:r>
-              <a:rPr lang="en-US" dirty="0">
-                <a:solidFill>
-                  <a:schemeClr val="bg1">
-                    <a:lumMod val="65000"/>
-                  </a:schemeClr>
-                </a:solidFill>
-              </a:rPr>
-              <a:t>A Word On Rollbacks</a:t>
-            </a:r>
-          </a:p>
-        </p:txBody>
-      </p:sp>
-      <p:sp>
-        <p:nvSpPr>
-          <p:cNvPr id="3" name="Content Placeholder 2"/>
-          <p:cNvSpPr>
-            <a:spLocks noGrp="1"/>
-          </p:cNvSpPr>
-          <p:nvPr>
-            <p:ph idx="1"/>
-          </p:nvPr>
-        </p:nvSpPr>
-        <p:spPr>
-          <a:xfrm>
-            <a:off x="838200" y="1825625"/>
-            <a:ext cx="10515600" cy="4834108"/>
-          </a:xfrm>
-        </p:spPr>
-        <p:txBody>
-          <a:bodyPr>
-            <a:normAutofit/>
-          </a:bodyPr>
-          <a:lstStyle/>
-          <a:p>
-            <a:r>
-              <a:rPr lang="en-US" dirty="0"/>
-              <a:t>They are usually not worth the headache</a:t>
-            </a:r>
-          </a:p>
-          <a:p>
-            <a:r>
-              <a:rPr lang="en-US" dirty="0"/>
-              <a:t>Why did the deployments succeed in Dev, UAT, etc. but not in Production?</a:t>
-            </a:r>
-          </a:p>
-          <a:p>
-            <a:pPr lvl="1"/>
-            <a:r>
-              <a:rPr lang="en-US" dirty="0"/>
-              <a:t>Almost always a failure in people and/or process</a:t>
-            </a:r>
-          </a:p>
-          <a:p>
-            <a:r>
-              <a:rPr lang="en-US" dirty="0"/>
-              <a:t>How do you rollback something destructive (DROP, DELETE, TRUNCATE, etc.)?</a:t>
-            </a:r>
-          </a:p>
-          <a:p>
-            <a:r>
-              <a:rPr lang="en-US" dirty="0"/>
-              <a:t>Contextual</a:t>
-            </a:r>
-          </a:p>
-          <a:p>
-            <a:r>
-              <a:rPr lang="en-US" dirty="0"/>
-              <a:t>Tradeoffs</a:t>
-            </a:r>
-          </a:p>
-          <a:p>
-            <a:pPr lvl="1"/>
-            <a:r>
-              <a:rPr lang="en-US" dirty="0"/>
-              <a:t>Restore from backup but lose data in between deployment and restore.</a:t>
-            </a:r>
-          </a:p>
-          <a:p>
-            <a:r>
-              <a:rPr lang="en-US" dirty="0"/>
-              <a:t>Instead: Roll forward</a:t>
-            </a:r>
-          </a:p>
-        </p:txBody>
-      </p:sp>
-      <p:grpSp>
-        <p:nvGrpSpPr>
-          <p:cNvPr id="12" name="Group 11">
-            <a:extLst>
-              <a:ext uri="{FF2B5EF4-FFF2-40B4-BE49-F238E27FC236}">
-                <a16:creationId xmlns:a16="http://schemas.microsoft.com/office/drawing/2014/main" id="{1E455E13-339B-4D9C-B0D9-C993084C9B6D}"/>
-              </a:ext>
-            </a:extLst>
-          </p:cNvPr>
-          <p:cNvGrpSpPr/>
-          <p:nvPr/>
-        </p:nvGrpSpPr>
-        <p:grpSpPr>
-          <a:xfrm>
-            <a:off x="9970651" y="6185410"/>
-            <a:ext cx="2130724" cy="474323"/>
-            <a:chOff x="9970651" y="6185410"/>
-            <a:chExt cx="2130724" cy="474323"/>
-          </a:xfrm>
-        </p:grpSpPr>
-        <p:sp>
-          <p:nvSpPr>
-            <p:cNvPr id="13" name="Subtitle 2">
-              <a:extLst>
-                <a:ext uri="{FF2B5EF4-FFF2-40B4-BE49-F238E27FC236}">
-                  <a16:creationId xmlns:a16="http://schemas.microsoft.com/office/drawing/2014/main" id="{FCF20525-4390-436B-8C51-E8DE1EBA6454}"/>
-                </a:ext>
-              </a:extLst>
-            </p:cNvPr>
-            <p:cNvSpPr txBox="1">
-              <a:spLocks/>
-            </p:cNvSpPr>
-            <p:nvPr/>
-          </p:nvSpPr>
-          <p:spPr>
-            <a:xfrm>
-              <a:off x="10041147" y="6185410"/>
-              <a:ext cx="2060228" cy="474323"/>
-            </a:xfrm>
-            <a:prstGeom prst="rect">
-              <a:avLst/>
-            </a:prstGeom>
-          </p:spPr>
-          <p:txBody>
-            <a:bodyPr vert="horz" lIns="91440" tIns="45720" rIns="91440" bIns="45720" rtlCol="0">
-              <a:normAutofit/>
-            </a:bodyPr>
-            <a:lstStyle>
-              <a:lvl1pPr marL="0" indent="0" algn="ctr" defTabSz="914400" rtl="0" eaLnBrk="1" latinLnBrk="0" hangingPunct="1">
-                <a:lnSpc>
-                  <a:spcPct val="90000"/>
-                </a:lnSpc>
-                <a:spcBef>
-                  <a:spcPts val="1000"/>
-                </a:spcBef>
-                <a:buFont typeface="Arial" panose="020B0604020202020204" pitchFamily="34" charset="0"/>
-                <a:buNone/>
-                <a:defRPr sz="2400" kern="1200">
-                  <a:solidFill>
-                    <a:schemeClr val="tx1"/>
-                  </a:solidFill>
-                  <a:latin typeface="+mn-lt"/>
-                  <a:ea typeface="+mn-ea"/>
-                  <a:cs typeface="+mn-cs"/>
-                </a:defRPr>
-              </a:lvl1pPr>
-              <a:lvl2pPr marL="457200" indent="0" algn="ctr" defTabSz="914400" rtl="0" eaLnBrk="1" latinLnBrk="0" hangingPunct="1">
-                <a:lnSpc>
-                  <a:spcPct val="90000"/>
-                </a:lnSpc>
-                <a:spcBef>
-                  <a:spcPts val="500"/>
-                </a:spcBef>
-                <a:buFont typeface="Arial" panose="020B0604020202020204" pitchFamily="34" charset="0"/>
-                <a:buNone/>
-                <a:defRPr sz="2000" kern="1200">
-                  <a:solidFill>
-                    <a:schemeClr val="tx1"/>
-                  </a:solidFill>
-                  <a:latin typeface="+mn-lt"/>
-                  <a:ea typeface="+mn-ea"/>
-                  <a:cs typeface="+mn-cs"/>
-                </a:defRPr>
-              </a:lvl2pPr>
-              <a:lvl3pPr marL="914400" indent="0" algn="ctr" defTabSz="914400" rtl="0" eaLnBrk="1" latinLnBrk="0" hangingPunct="1">
-                <a:lnSpc>
-                  <a:spcPct val="90000"/>
-                </a:lnSpc>
-                <a:spcBef>
-                  <a:spcPts val="500"/>
-                </a:spcBef>
-                <a:buFont typeface="Arial" panose="020B0604020202020204" pitchFamily="34" charset="0"/>
-                <a:buNone/>
-                <a:defRPr sz="1800" kern="1200">
-                  <a:solidFill>
-                    <a:schemeClr val="tx1"/>
-                  </a:solidFill>
-                  <a:latin typeface="+mn-lt"/>
-                  <a:ea typeface="+mn-ea"/>
-                  <a:cs typeface="+mn-cs"/>
-                </a:defRPr>
-              </a:lvl3pPr>
-              <a:lvl4pPr marL="1371600" indent="0" algn="ctr" defTabSz="914400" rtl="0" eaLnBrk="1" latinLnBrk="0" hangingPunct="1">
-                <a:lnSpc>
-                  <a:spcPct val="90000"/>
-                </a:lnSpc>
-                <a:spcBef>
-                  <a:spcPts val="500"/>
-                </a:spcBef>
-                <a:buFont typeface="Arial" panose="020B0604020202020204" pitchFamily="34" charset="0"/>
-                <a:buNone/>
-                <a:defRPr sz="1600" kern="1200">
-                  <a:solidFill>
-                    <a:schemeClr val="tx1"/>
-                  </a:solidFill>
-                  <a:latin typeface="+mn-lt"/>
-                  <a:ea typeface="+mn-ea"/>
-                  <a:cs typeface="+mn-cs"/>
-                </a:defRPr>
-              </a:lvl4pPr>
-              <a:lvl5pPr marL="1828800" indent="0" algn="ctr" defTabSz="914400" rtl="0" eaLnBrk="1" latinLnBrk="0" hangingPunct="1">
-                <a:lnSpc>
-                  <a:spcPct val="90000"/>
-                </a:lnSpc>
-                <a:spcBef>
-                  <a:spcPts val="500"/>
-                </a:spcBef>
-                <a:buFont typeface="Arial" panose="020B0604020202020204" pitchFamily="34" charset="0"/>
-                <a:buNone/>
-                <a:defRPr sz="1600" kern="1200">
-                  <a:solidFill>
-                    <a:schemeClr val="tx1"/>
-                  </a:solidFill>
-                  <a:latin typeface="+mn-lt"/>
-                  <a:ea typeface="+mn-ea"/>
-                  <a:cs typeface="+mn-cs"/>
-                </a:defRPr>
-              </a:lvl5pPr>
-              <a:lvl6pPr marL="2286000" indent="0" algn="ctr" defTabSz="914400" rtl="0" eaLnBrk="1" latinLnBrk="0" hangingPunct="1">
-                <a:lnSpc>
-                  <a:spcPct val="90000"/>
-                </a:lnSpc>
-                <a:spcBef>
-                  <a:spcPts val="500"/>
-                </a:spcBef>
-                <a:buFont typeface="Arial" panose="020B0604020202020204" pitchFamily="34" charset="0"/>
-                <a:buNone/>
-                <a:defRPr sz="1600" kern="1200">
-                  <a:solidFill>
-                    <a:schemeClr val="tx1"/>
-                  </a:solidFill>
-                  <a:latin typeface="+mn-lt"/>
-                  <a:ea typeface="+mn-ea"/>
-                  <a:cs typeface="+mn-cs"/>
-                </a:defRPr>
-              </a:lvl6pPr>
-              <a:lvl7pPr marL="2743200" indent="0" algn="ctr" defTabSz="914400" rtl="0" eaLnBrk="1" latinLnBrk="0" hangingPunct="1">
-                <a:lnSpc>
-                  <a:spcPct val="90000"/>
-                </a:lnSpc>
-                <a:spcBef>
-                  <a:spcPts val="500"/>
-                </a:spcBef>
-                <a:buFont typeface="Arial" panose="020B0604020202020204" pitchFamily="34" charset="0"/>
-                <a:buNone/>
-                <a:defRPr sz="1600" kern="1200">
-                  <a:solidFill>
-                    <a:schemeClr val="tx1"/>
-                  </a:solidFill>
-                  <a:latin typeface="+mn-lt"/>
-                  <a:ea typeface="+mn-ea"/>
-                  <a:cs typeface="+mn-cs"/>
-                </a:defRPr>
-              </a:lvl7pPr>
-              <a:lvl8pPr marL="3200400" indent="0" algn="ctr" defTabSz="914400" rtl="0" eaLnBrk="1" latinLnBrk="0" hangingPunct="1">
-                <a:lnSpc>
-                  <a:spcPct val="90000"/>
-                </a:lnSpc>
-                <a:spcBef>
-                  <a:spcPts val="500"/>
-                </a:spcBef>
-                <a:buFont typeface="Arial" panose="020B0604020202020204" pitchFamily="34" charset="0"/>
-                <a:buNone/>
-                <a:defRPr sz="1600" kern="1200">
-                  <a:solidFill>
-                    <a:schemeClr val="tx1"/>
-                  </a:solidFill>
-                  <a:latin typeface="+mn-lt"/>
-                  <a:ea typeface="+mn-ea"/>
-                  <a:cs typeface="+mn-cs"/>
-                </a:defRPr>
-              </a:lvl8pPr>
-              <a:lvl9pPr marL="3657600" indent="0" algn="ctr" defTabSz="914400" rtl="0" eaLnBrk="1" latinLnBrk="0" hangingPunct="1">
-                <a:lnSpc>
-                  <a:spcPct val="90000"/>
-                </a:lnSpc>
-                <a:spcBef>
-                  <a:spcPts val="500"/>
-                </a:spcBef>
-                <a:buFont typeface="Arial" panose="020B0604020202020204" pitchFamily="34" charset="0"/>
-                <a:buNone/>
-                <a:defRPr sz="1600" kern="1200">
-                  <a:solidFill>
-                    <a:schemeClr val="tx1"/>
-                  </a:solidFill>
-                  <a:latin typeface="+mn-lt"/>
-                  <a:ea typeface="+mn-ea"/>
-                  <a:cs typeface="+mn-cs"/>
-                </a:defRPr>
-              </a:lvl9pPr>
-            </a:lstStyle>
-            <a:p>
-              <a:r>
-                <a:rPr lang="en-US" dirty="0" err="1">
-                  <a:solidFill>
-                    <a:schemeClr val="bg1">
-                      <a:lumMod val="65000"/>
-                    </a:schemeClr>
-                  </a:solidFill>
-                </a:rPr>
-                <a:t>scottsauber</a:t>
-              </a:r>
-              <a:endParaRPr lang="en-US" dirty="0">
-                <a:solidFill>
-                  <a:schemeClr val="bg1">
-                    <a:lumMod val="65000"/>
-                  </a:schemeClr>
-                </a:solidFill>
-              </a:endParaRPr>
-            </a:p>
-          </p:txBody>
-        </p:sp>
-        <p:sp>
-          <p:nvSpPr>
-            <p:cNvPr id="14" name="Rectangle 13">
-              <a:extLst>
-                <a:ext uri="{FF2B5EF4-FFF2-40B4-BE49-F238E27FC236}">
-                  <a16:creationId xmlns:a16="http://schemas.microsoft.com/office/drawing/2014/main" id="{79B59CE3-606B-495F-8BFF-EF27721B605D}"/>
-                </a:ext>
-              </a:extLst>
-            </p:cNvPr>
-            <p:cNvSpPr/>
-            <p:nvPr/>
-          </p:nvSpPr>
-          <p:spPr>
-            <a:xfrm>
-              <a:off x="9970651" y="6285411"/>
-              <a:ext cx="347472" cy="274320"/>
-            </a:xfrm>
-            <a:prstGeom prst="rect">
-              <a:avLst/>
-            </a:prstGeom>
-            <a:blipFill dpi="0" rotWithShape="1">
-              <a:blip r:embed="rId3">
-                <a:alphaModFix amt="50000"/>
-              </a:blip>
-              <a:srcRect/>
-              <a:stretch>
-                <a:fillRect/>
-              </a:stretch>
-            </a:blipFill>
-            <a:ln>
-              <a:noFill/>
-            </a:ln>
-          </p:spPr>
-          <p:style>
-            <a:lnRef idx="2">
-              <a:schemeClr val="accent1">
-                <a:shade val="50000"/>
-              </a:schemeClr>
-            </a:lnRef>
-            <a:fillRef idx="1">
-              <a:schemeClr val="accent1"/>
-            </a:fillRef>
-            <a:effectRef idx="0">
-              <a:schemeClr val="accent1"/>
-            </a:effectRef>
-            <a:fontRef idx="minor">
-              <a:schemeClr val="lt1"/>
-            </a:fontRef>
-          </p:style>
-          <p:txBody>
-            <a:bodyPr rtlCol="0" anchor="ctr"/>
-            <a:lstStyle/>
-            <a:p>
-              <a:pPr algn="ctr"/>
-              <a:endParaRPr lang="en-US"/>
-            </a:p>
-          </p:txBody>
-        </p:sp>
-      </p:grpSp>
-    </p:spTree>
-    <p:extLst>
-      <p:ext uri="{BB962C8B-B14F-4D97-AF65-F5344CB8AC3E}">
-        <p14:creationId xmlns:p14="http://schemas.microsoft.com/office/powerpoint/2010/main" val="2649175969"/>
-      </p:ext>
-    </p:extLst>
-  </p:cSld>
-  <p:clrMapOvr>
-    <a:masterClrMapping/>
-  </p:clrMapOvr>
-  <p:timing>
-    <p:tnLst>
-      <p:par>
-        <p:cTn id="1" dur="indefinite" restart="never" nodeType="tmRoot">
-          <p:childTnLst>
-            <p:seq concurrent="1" nextAc="seek">
-              <p:cTn id="2" dur="indefinite" nodeType="mainSeq">
-                <p:childTnLst>
-                  <p:par>
-                    <p:cTn id="3" fill="hold">
-                      <p:stCondLst>
-                        <p:cond delay="indefinite"/>
-                      </p:stCondLst>
-                      <p:childTnLst>
-                        <p:par>
-                          <p:cTn id="4" fill="hold">
-                            <p:stCondLst>
-                              <p:cond delay="0"/>
-                            </p:stCondLst>
-                            <p:childTnLst>
-                              <p:par>
-                                <p:cTn id="5" presetID="10" presetClass="entr" presetSubtype="0" fill="hold" grpId="0" nodeType="clickEffect">
-                                  <p:stCondLst>
-                                    <p:cond delay="0"/>
-                                  </p:stCondLst>
-                                  <p:childTnLst>
-                                    <p:set>
-                                      <p:cBhvr>
-                                        <p:cTn id="6" dur="1" fill="hold">
-                                          <p:stCondLst>
-                                            <p:cond delay="0"/>
-                                          </p:stCondLst>
-                                        </p:cTn>
-                                        <p:tgtEl>
-                                          <p:spTgt spid="3">
-                                            <p:txEl>
-                                              <p:pRg st="0" end="0"/>
-                                            </p:txEl>
-                                          </p:spTgt>
-                                        </p:tgtEl>
-                                        <p:attrNameLst>
-                                          <p:attrName>style.visibility</p:attrName>
-                                        </p:attrNameLst>
-                                      </p:cBhvr>
-                                      <p:to>
-                                        <p:strVal val="visible"/>
-                                      </p:to>
-                                    </p:set>
-                                    <p:animEffect transition="in" filter="fade">
-                                      <p:cBhvr>
-                                        <p:cTn id="7" dur="500"/>
-                                        <p:tgtEl>
-                                          <p:spTgt spid="3">
-                                            <p:txEl>
-                                              <p:pRg st="0" end="0"/>
-                                            </p:txEl>
-                                          </p:spTgt>
-                                        </p:tgtEl>
-                                      </p:cBhvr>
-                                    </p:animEffect>
-                                  </p:childTnLst>
-                                  <p:subTnLst>
-                                    <p:animClr clrSpc="rgb" dir="cw">
-                                      <p:cBhvr override="childStyle">
-                                        <p:cTn dur="1" fill="hold" display="0" masterRel="nextClick" afterEffect="1"/>
-                                        <p:tgtEl>
-                                          <p:spTgt spid="3">
-                                            <p:txEl>
-                                              <p:pRg st="0" end="0"/>
-                                            </p:txEl>
-                                          </p:spTgt>
-                                        </p:tgtEl>
-                                        <p:attrNameLst>
-                                          <p:attrName>ppt_c</p:attrName>
-                                        </p:attrNameLst>
-                                      </p:cBhvr>
-                                      <p:to>
-                                        <a:srgbClr val="B2B2B2"/>
-                                      </p:to>
-                                    </p:animClr>
-                                  </p:subTnLst>
-                                </p:cTn>
-                              </p:par>
-                            </p:childTnLst>
-                          </p:cTn>
-                        </p:par>
-                      </p:childTnLst>
-                    </p:cTn>
-                  </p:par>
-                  <p:par>
-                    <p:cTn id="8" fill="hold">
-                      <p:stCondLst>
-                        <p:cond delay="indefinite"/>
-                      </p:stCondLst>
-                      <p:childTnLst>
-                        <p:par>
-                          <p:cTn id="9" fill="hold">
-                            <p:stCondLst>
-                              <p:cond delay="0"/>
-                            </p:stCondLst>
-                            <p:childTnLst>
-                              <p:par>
-                                <p:cTn id="10" presetID="10" presetClass="entr" presetSubtype="0" fill="hold" grpId="0" nodeType="clickEffect">
-                                  <p:stCondLst>
-                                    <p:cond delay="0"/>
-                                  </p:stCondLst>
-                                  <p:childTnLst>
-                                    <p:set>
-                                      <p:cBhvr>
-                                        <p:cTn id="11" dur="1" fill="hold">
-                                          <p:stCondLst>
-                                            <p:cond delay="0"/>
-                                          </p:stCondLst>
-                                        </p:cTn>
-                                        <p:tgtEl>
-                                          <p:spTgt spid="3">
-                                            <p:txEl>
-                                              <p:pRg st="1" end="1"/>
-                                            </p:txEl>
-                                          </p:spTgt>
-                                        </p:tgtEl>
-                                        <p:attrNameLst>
-                                          <p:attrName>style.visibility</p:attrName>
-                                        </p:attrNameLst>
-                                      </p:cBhvr>
-                                      <p:to>
-                                        <p:strVal val="visible"/>
-                                      </p:to>
-                                    </p:set>
-                                    <p:animEffect transition="in" filter="fade">
-                                      <p:cBhvr>
-                                        <p:cTn id="12" dur="500"/>
-                                        <p:tgtEl>
-                                          <p:spTgt spid="3">
-                                            <p:txEl>
-                                              <p:pRg st="1" end="1"/>
-                                            </p:txEl>
-                                          </p:spTgt>
-                                        </p:tgtEl>
-                                      </p:cBhvr>
-                                    </p:animEffect>
-                                  </p:childTnLst>
-                                  <p:subTnLst>
-                                    <p:animClr clrSpc="rgb" dir="cw">
-                                      <p:cBhvr override="childStyle">
-                                        <p:cTn dur="1" fill="hold" display="0" masterRel="nextClick" afterEffect="1"/>
-                                        <p:tgtEl>
-                                          <p:spTgt spid="3">
-                                            <p:txEl>
-                                              <p:pRg st="1" end="1"/>
-                                            </p:txEl>
-                                          </p:spTgt>
-                                        </p:tgtEl>
-                                        <p:attrNameLst>
-                                          <p:attrName>ppt_c</p:attrName>
-                                        </p:attrNameLst>
-                                      </p:cBhvr>
-                                      <p:to>
-                                        <a:srgbClr val="B2B2B2"/>
-                                      </p:to>
-                                    </p:animClr>
-                                  </p:subTnLst>
-                                </p:cTn>
-                              </p:par>
-                              <p:par>
-                                <p:cTn id="13" presetID="10" presetClass="entr" presetSubtype="0" fill="hold" grpId="0" nodeType="withEffect">
-                                  <p:stCondLst>
-                                    <p:cond delay="0"/>
-                                  </p:stCondLst>
-                                  <p:childTnLst>
-                                    <p:set>
-                                      <p:cBhvr>
-                                        <p:cTn id="14" dur="1" fill="hold">
-                                          <p:stCondLst>
-                                            <p:cond delay="0"/>
-                                          </p:stCondLst>
-                                        </p:cTn>
-                                        <p:tgtEl>
-                                          <p:spTgt spid="3">
-                                            <p:txEl>
-                                              <p:pRg st="2" end="2"/>
-                                            </p:txEl>
-                                          </p:spTgt>
-                                        </p:tgtEl>
-                                        <p:attrNameLst>
-                                          <p:attrName>style.visibility</p:attrName>
-                                        </p:attrNameLst>
-                                      </p:cBhvr>
-                                      <p:to>
-                                        <p:strVal val="visible"/>
-                                      </p:to>
-                                    </p:set>
-                                    <p:animEffect transition="in" filter="fade">
-                                      <p:cBhvr>
-                                        <p:cTn id="15" dur="500"/>
-                                        <p:tgtEl>
-                                          <p:spTgt spid="3">
-                                            <p:txEl>
-                                              <p:pRg st="2" end="2"/>
-                                            </p:txEl>
-                                          </p:spTgt>
-                                        </p:tgtEl>
-                                      </p:cBhvr>
-                                    </p:animEffect>
-                                  </p:childTnLst>
-                                  <p:subTnLst>
-                                    <p:animClr clrSpc="rgb" dir="cw">
-                                      <p:cBhvr override="childStyle">
-                                        <p:cTn dur="1" fill="hold" display="0" masterRel="nextClick" afterEffect="1"/>
-                                        <p:tgtEl>
-                                          <p:spTgt spid="3">
-                                            <p:txEl>
-                                              <p:pRg st="2" end="2"/>
-                                            </p:txEl>
-                                          </p:spTgt>
-                                        </p:tgtEl>
-                                        <p:attrNameLst>
-                                          <p:attrName>ppt_c</p:attrName>
-                                        </p:attrNameLst>
-                                      </p:cBhvr>
-                                      <p:to>
-                                        <a:srgbClr val="B2B2B2"/>
-                                      </p:to>
-                                    </p:animClr>
-                                  </p:subTnLst>
-                                </p:cTn>
-                              </p:par>
-                            </p:childTnLst>
-                          </p:cTn>
-                        </p:par>
-                      </p:childTnLst>
-                    </p:cTn>
-                  </p:par>
-                  <p:par>
-                    <p:cTn id="16" fill="hold">
-                      <p:stCondLst>
-                        <p:cond delay="indefinite"/>
-                      </p:stCondLst>
-                      <p:childTnLst>
-                        <p:par>
-                          <p:cTn id="17" fill="hold">
-                            <p:stCondLst>
-                              <p:cond delay="0"/>
-                            </p:stCondLst>
-                            <p:childTnLst>
-                              <p:par>
-                                <p:cTn id="18" presetID="10" presetClass="entr" presetSubtype="0" fill="hold" grpId="0" nodeType="clickEffect">
-                                  <p:stCondLst>
-                                    <p:cond delay="0"/>
-                                  </p:stCondLst>
-                                  <p:childTnLst>
-                                    <p:set>
-                                      <p:cBhvr>
-                                        <p:cTn id="19" dur="1" fill="hold">
-                                          <p:stCondLst>
-                                            <p:cond delay="0"/>
-                                          </p:stCondLst>
-                                        </p:cTn>
-                                        <p:tgtEl>
-                                          <p:spTgt spid="3">
-                                            <p:txEl>
-                                              <p:pRg st="3" end="3"/>
-                                            </p:txEl>
-                                          </p:spTgt>
-                                        </p:tgtEl>
-                                        <p:attrNameLst>
-                                          <p:attrName>style.visibility</p:attrName>
-                                        </p:attrNameLst>
-                                      </p:cBhvr>
-                                      <p:to>
-                                        <p:strVal val="visible"/>
-                                      </p:to>
-                                    </p:set>
-                                    <p:animEffect transition="in" filter="fade">
-                                      <p:cBhvr>
-                                        <p:cTn id="20" dur="500"/>
-                                        <p:tgtEl>
-                                          <p:spTgt spid="3">
-                                            <p:txEl>
-                                              <p:pRg st="3" end="3"/>
-                                            </p:txEl>
-                                          </p:spTgt>
-                                        </p:tgtEl>
-                                      </p:cBhvr>
-                                    </p:animEffect>
-                                  </p:childTnLst>
-                                  <p:subTnLst>
-                                    <p:animClr clrSpc="rgb" dir="cw">
-                                      <p:cBhvr override="childStyle">
-                                        <p:cTn dur="1" fill="hold" display="0" masterRel="nextClick" afterEffect="1"/>
-                                        <p:tgtEl>
-                                          <p:spTgt spid="3">
-                                            <p:txEl>
-                                              <p:pRg st="3" end="3"/>
-                                            </p:txEl>
-                                          </p:spTgt>
-                                        </p:tgtEl>
-                                        <p:attrNameLst>
-                                          <p:attrName>ppt_c</p:attrName>
-                                        </p:attrNameLst>
-                                      </p:cBhvr>
-                                      <p:to>
-                                        <a:srgbClr val="B2B2B2"/>
-                                      </p:to>
-                                    </p:animClr>
-                                  </p:subTnLst>
-                                </p:cTn>
-                              </p:par>
-                            </p:childTnLst>
-                          </p:cTn>
-                        </p:par>
-                      </p:childTnLst>
-                    </p:cTn>
-                  </p:par>
-                  <p:par>
-                    <p:cTn id="21" fill="hold">
-                      <p:stCondLst>
-                        <p:cond delay="indefinite"/>
-                      </p:stCondLst>
-                      <p:childTnLst>
-                        <p:par>
-                          <p:cTn id="22" fill="hold">
-                            <p:stCondLst>
-                              <p:cond delay="0"/>
-                            </p:stCondLst>
-                            <p:childTnLst>
-                              <p:par>
-                                <p:cTn id="23" presetID="10" presetClass="entr" presetSubtype="0" fill="hold" grpId="0" nodeType="clickEffect">
-                                  <p:stCondLst>
-                                    <p:cond delay="0"/>
-                                  </p:stCondLst>
-                                  <p:childTnLst>
-                                    <p:set>
-                                      <p:cBhvr>
-                                        <p:cTn id="24" dur="1" fill="hold">
-                                          <p:stCondLst>
-                                            <p:cond delay="0"/>
-                                          </p:stCondLst>
-                                        </p:cTn>
-                                        <p:tgtEl>
-                                          <p:spTgt spid="3">
-                                            <p:txEl>
-                                              <p:pRg st="4" end="4"/>
-                                            </p:txEl>
-                                          </p:spTgt>
-                                        </p:tgtEl>
-                                        <p:attrNameLst>
-                                          <p:attrName>style.visibility</p:attrName>
-                                        </p:attrNameLst>
-                                      </p:cBhvr>
-                                      <p:to>
-                                        <p:strVal val="visible"/>
-                                      </p:to>
-                                    </p:set>
-                                    <p:animEffect transition="in" filter="fade">
-                                      <p:cBhvr>
-                                        <p:cTn id="25" dur="500"/>
-                                        <p:tgtEl>
-                                          <p:spTgt spid="3">
-                                            <p:txEl>
-                                              <p:pRg st="4" end="4"/>
-                                            </p:txEl>
-                                          </p:spTgt>
-                                        </p:tgtEl>
-                                      </p:cBhvr>
-                                    </p:animEffect>
-                                  </p:childTnLst>
-                                  <p:subTnLst>
-                                    <p:animClr clrSpc="rgb" dir="cw">
-                                      <p:cBhvr override="childStyle">
-                                        <p:cTn dur="1" fill="hold" display="0" masterRel="nextClick" afterEffect="1"/>
-                                        <p:tgtEl>
-                                          <p:spTgt spid="3">
-                                            <p:txEl>
-                                              <p:pRg st="4" end="4"/>
-                                            </p:txEl>
-                                          </p:spTgt>
-                                        </p:tgtEl>
-                                        <p:attrNameLst>
-                                          <p:attrName>ppt_c</p:attrName>
-                                        </p:attrNameLst>
-                                      </p:cBhvr>
-                                      <p:to>
-                                        <a:srgbClr val="B2B2B2"/>
-                                      </p:to>
-                                    </p:animClr>
-                                  </p:subTnLst>
-                                </p:cTn>
-                              </p:par>
-                            </p:childTnLst>
-                          </p:cTn>
-                        </p:par>
-                      </p:childTnLst>
-                    </p:cTn>
-                  </p:par>
-                  <p:par>
-                    <p:cTn id="26" fill="hold">
-                      <p:stCondLst>
-                        <p:cond delay="indefinite"/>
-                      </p:stCondLst>
-                      <p:childTnLst>
-                        <p:par>
-                          <p:cTn id="27" fill="hold">
-                            <p:stCondLst>
-                              <p:cond delay="0"/>
-                            </p:stCondLst>
-                            <p:childTnLst>
-                              <p:par>
-                                <p:cTn id="28" presetID="10" presetClass="entr" presetSubtype="0" fill="hold" grpId="0" nodeType="clickEffect">
-                                  <p:stCondLst>
-                                    <p:cond delay="0"/>
-                                  </p:stCondLst>
-                                  <p:childTnLst>
-                                    <p:set>
-                                      <p:cBhvr>
-                                        <p:cTn id="29" dur="1" fill="hold">
-                                          <p:stCondLst>
-                                            <p:cond delay="0"/>
-                                          </p:stCondLst>
-                                        </p:cTn>
-                                        <p:tgtEl>
-                                          <p:spTgt spid="3">
-                                            <p:txEl>
-                                              <p:pRg st="5" end="5"/>
-                                            </p:txEl>
-                                          </p:spTgt>
-                                        </p:tgtEl>
-                                        <p:attrNameLst>
-                                          <p:attrName>style.visibility</p:attrName>
-                                        </p:attrNameLst>
-                                      </p:cBhvr>
-                                      <p:to>
-                                        <p:strVal val="visible"/>
-                                      </p:to>
-                                    </p:set>
-                                    <p:animEffect transition="in" filter="fade">
-                                      <p:cBhvr>
-                                        <p:cTn id="30" dur="500"/>
-                                        <p:tgtEl>
-                                          <p:spTgt spid="3">
-                                            <p:txEl>
-                                              <p:pRg st="5" end="5"/>
-                                            </p:txEl>
-                                          </p:spTgt>
-                                        </p:tgtEl>
-                                      </p:cBhvr>
-                                    </p:animEffect>
-                                  </p:childTnLst>
-                                  <p:subTnLst>
-                                    <p:animClr clrSpc="rgb" dir="cw">
-                                      <p:cBhvr override="childStyle">
-                                        <p:cTn dur="1" fill="hold" display="0" masterRel="nextClick" afterEffect="1"/>
-                                        <p:tgtEl>
-                                          <p:spTgt spid="3">
-                                            <p:txEl>
-                                              <p:pRg st="5" end="5"/>
-                                            </p:txEl>
-                                          </p:spTgt>
-                                        </p:tgtEl>
-                                        <p:attrNameLst>
-                                          <p:attrName>ppt_c</p:attrName>
-                                        </p:attrNameLst>
-                                      </p:cBhvr>
-                                      <p:to>
-                                        <a:srgbClr val="B2B2B2"/>
-                                      </p:to>
-                                    </p:animClr>
-                                  </p:subTnLst>
-                                </p:cTn>
-                              </p:par>
-                              <p:par>
-                                <p:cTn id="31" presetID="10" presetClass="entr" presetSubtype="0" fill="hold" grpId="0" nodeType="withEffect">
-                                  <p:stCondLst>
-                                    <p:cond delay="0"/>
-                                  </p:stCondLst>
-                                  <p:childTnLst>
-                                    <p:set>
-                                      <p:cBhvr>
-                                        <p:cTn id="32" dur="1" fill="hold">
-                                          <p:stCondLst>
-                                            <p:cond delay="0"/>
-                                          </p:stCondLst>
-                                        </p:cTn>
-                                        <p:tgtEl>
-                                          <p:spTgt spid="3">
-                                            <p:txEl>
-                                              <p:pRg st="6" end="6"/>
-                                            </p:txEl>
-                                          </p:spTgt>
-                                        </p:tgtEl>
-                                        <p:attrNameLst>
-                                          <p:attrName>style.visibility</p:attrName>
-                                        </p:attrNameLst>
-                                      </p:cBhvr>
-                                      <p:to>
-                                        <p:strVal val="visible"/>
-                                      </p:to>
-                                    </p:set>
-                                    <p:animEffect transition="in" filter="fade">
-                                      <p:cBhvr>
-                                        <p:cTn id="33" dur="500"/>
-                                        <p:tgtEl>
-                                          <p:spTgt spid="3">
-                                            <p:txEl>
-                                              <p:pRg st="6" end="6"/>
-                                            </p:txEl>
-                                          </p:spTgt>
-                                        </p:tgtEl>
-                                      </p:cBhvr>
-                                    </p:animEffect>
-                                  </p:childTnLst>
-                                  <p:subTnLst>
-                                    <p:animClr clrSpc="rgb" dir="cw">
-                                      <p:cBhvr override="childStyle">
-                                        <p:cTn dur="1" fill="hold" display="0" masterRel="nextClick" afterEffect="1"/>
-                                        <p:tgtEl>
-                                          <p:spTgt spid="3">
-                                            <p:txEl>
-                                              <p:pRg st="6" end="6"/>
-                                            </p:txEl>
-                                          </p:spTgt>
-                                        </p:tgtEl>
-                                        <p:attrNameLst>
-                                          <p:attrName>ppt_c</p:attrName>
-                                        </p:attrNameLst>
-                                      </p:cBhvr>
-                                      <p:to>
-                                        <a:srgbClr val="B2B2B2"/>
-                                      </p:to>
-                                    </p:animClr>
-                                  </p:subTnLst>
-                                </p:cTn>
-                              </p:par>
-                            </p:childTnLst>
-                          </p:cTn>
-                        </p:par>
-                      </p:childTnLst>
-                    </p:cTn>
-                  </p:par>
-                  <p:par>
-                    <p:cTn id="34" fill="hold">
-                      <p:stCondLst>
-                        <p:cond delay="indefinite"/>
-                      </p:stCondLst>
-                      <p:childTnLst>
-                        <p:par>
-                          <p:cTn id="35" fill="hold">
-                            <p:stCondLst>
-                              <p:cond delay="0"/>
-                            </p:stCondLst>
-                            <p:childTnLst>
-                              <p:par>
-                                <p:cTn id="36" presetID="10" presetClass="entr" presetSubtype="0" fill="hold" grpId="0" nodeType="clickEffect">
-                                  <p:stCondLst>
-                                    <p:cond delay="0"/>
-                                  </p:stCondLst>
-                                  <p:childTnLst>
-                                    <p:set>
-                                      <p:cBhvr>
-                                        <p:cTn id="37" dur="1" fill="hold">
-                                          <p:stCondLst>
-                                            <p:cond delay="0"/>
-                                          </p:stCondLst>
-                                        </p:cTn>
-                                        <p:tgtEl>
-                                          <p:spTgt spid="3">
-                                            <p:txEl>
-                                              <p:pRg st="7" end="7"/>
-                                            </p:txEl>
-                                          </p:spTgt>
-                                        </p:tgtEl>
-                                        <p:attrNameLst>
-                                          <p:attrName>style.visibility</p:attrName>
-                                        </p:attrNameLst>
-                                      </p:cBhvr>
-                                      <p:to>
-                                        <p:strVal val="visible"/>
-                                      </p:to>
-                                    </p:set>
-                                    <p:animEffect transition="in" filter="fade">
-                                      <p:cBhvr>
-                                        <p:cTn id="38" dur="500"/>
-                                        <p:tgtEl>
-                                          <p:spTgt spid="3">
-                                            <p:txEl>
-                                              <p:pRg st="7" end="7"/>
-                                            </p:txEl>
-                                          </p:spTgt>
-                                        </p:tgtEl>
-                                      </p:cBhvr>
-                                    </p:animEffect>
-                                  </p:childTnLst>
-                                  <p:subTnLst>
-                                    <p:animClr clrSpc="rgb" dir="cw">
-                                      <p:cBhvr override="childStyle">
-                                        <p:cTn dur="1" fill="hold" display="0" masterRel="nextClick" afterEffect="1"/>
-                                        <p:tgtEl>
-                                          <p:spTgt spid="3">
-                                            <p:txEl>
-                                              <p:pRg st="7" end="7"/>
-                                            </p:txEl>
-                                          </p:spTgt>
-                                        </p:tgtEl>
-                                        <p:attrNameLst>
-                                          <p:attrName>ppt_c</p:attrName>
-                                        </p:attrNameLst>
-                                      </p:cBhvr>
-                                      <p:to>
-                                        <a:srgbClr val="B2B2B2"/>
-                                      </p:to>
-                                    </p:animClr>
-                                  </p:subTnLst>
-                                </p:cTn>
-                              </p:par>
-                            </p:childTnLst>
-                          </p:cTn>
-                        </p:par>
-                      </p:childTnLst>
-                    </p:cTn>
-                  </p:par>
-                </p:childTnLst>
-              </p:cTn>
-              <p:prevCondLst>
-                <p:cond evt="onPrev" delay="0">
-                  <p:tgtEl>
-                    <p:sldTgt/>
-                  </p:tgtEl>
-                </p:cond>
-              </p:prevCondLst>
-              <p:nextCondLst>
-                <p:cond evt="onNext" delay="0">
-                  <p:tgtEl>
-                    <p:sldTgt/>
-                  </p:tgtEl>
-                </p:cond>
-              </p:nextCondLst>
-            </p:seq>
-          </p:childTnLst>
-        </p:cTn>
-      </p:par>
-    </p:tnLst>
-    <p:bldLst>
-      <p:bldP spid="3" grpId="0" build="p"/>
-    </p:bldLst>
-  </p:timing>
-</p:sld>
-</file>
-
-<file path=ppt/slides/slide32.xml><?xml version="1.0" encoding="utf-8"?>
-<p:sld xmlns:a="http://schemas.openxmlformats.org/drawingml/2006/main" xmlns:r="http://schemas.openxmlformats.org/officeDocument/2006/relationships" xmlns:p="http://schemas.openxmlformats.org/presentationml/2006/main">
-  <p:cSld>
-    <p:spTree>
-      <p:nvGrpSpPr>
-        <p:cNvPr id="1" name=""/>
-        <p:cNvGrpSpPr/>
-        <p:nvPr/>
-      </p:nvGrpSpPr>
-      <p:grpSpPr>
-        <a:xfrm>
-          <a:off x="0" y="0"/>
-          <a:ext cx="0" cy="0"/>
-          <a:chOff x="0" y="0"/>
-          <a:chExt cx="0" cy="0"/>
-        </a:xfrm>
-      </p:grpSpPr>
-      <p:sp>
-        <p:nvSpPr>
-          <p:cNvPr id="2" name="Title 1"/>
-          <p:cNvSpPr>
-            <a:spLocks noGrp="1"/>
-          </p:cNvSpPr>
-          <p:nvPr>
-            <p:ph type="title"/>
-          </p:nvPr>
-        </p:nvSpPr>
-        <p:spPr/>
-        <p:txBody>
-          <a:bodyPr/>
-          <a:lstStyle/>
-          <a:p>
-            <a:r>
-              <a:rPr lang="en-US" dirty="0">
-                <a:solidFill>
-                  <a:schemeClr val="bg1">
-                    <a:lumMod val="65000"/>
-                  </a:schemeClr>
-                </a:solidFill>
-              </a:rPr>
               <a:t>People Challenges</a:t>
             </a:r>
           </a:p>
@@ -25863,7 +24499,7 @@
 </p:sld>
 </file>
 
-<file path=ppt/slides/slide33.xml><?xml version="1.0" encoding="utf-8"?>
+<file path=ppt/slides/slide31.xml><?xml version="1.0" encoding="utf-8"?>
 <p:sld xmlns:a="http://schemas.openxmlformats.org/drawingml/2006/main" xmlns:r="http://schemas.openxmlformats.org/officeDocument/2006/relationships" xmlns:p="http://schemas.openxmlformats.org/presentationml/2006/main">
   <p:cSld>
     <p:spTree>
@@ -26698,7 +25334,7 @@
 </p:sld>
 </file>
 
-<file path=ppt/slides/slide34.xml><?xml version="1.0" encoding="utf-8"?>
+<file path=ppt/slides/slide32.xml><?xml version="1.0" encoding="utf-8"?>
 <p:sld xmlns:a="http://schemas.openxmlformats.org/drawingml/2006/main" xmlns:r="http://schemas.openxmlformats.org/officeDocument/2006/relationships" xmlns:p="http://schemas.openxmlformats.org/presentationml/2006/main">
   <p:cSld>
     <p:spTree>
@@ -26829,7 +25465,7 @@
 </p:sld>
 </file>
 
-<file path=ppt/slides/slide35.xml><?xml version="1.0" encoding="utf-8"?>
+<file path=ppt/slides/slide33.xml><?xml version="1.0" encoding="utf-8"?>
 <p:sld xmlns:a="http://schemas.openxmlformats.org/drawingml/2006/main" xmlns:r="http://schemas.openxmlformats.org/officeDocument/2006/relationships" xmlns:p="http://schemas.openxmlformats.org/presentationml/2006/main">
   <p:cSld>
     <p:spTree>
@@ -27473,7 +26109,7 @@
 </p:sld>
 </file>
 
-<file path=ppt/slides/slide36.xml><?xml version="1.0" encoding="utf-8"?>
+<file path=ppt/slides/slide34.xml><?xml version="1.0" encoding="utf-8"?>
 <p:sld xmlns:a="http://schemas.openxmlformats.org/drawingml/2006/main" xmlns:r="http://schemas.openxmlformats.org/officeDocument/2006/relationships" xmlns:p="http://schemas.openxmlformats.org/presentationml/2006/main">
   <p:cSld>
     <p:bg>
@@ -28115,7 +26751,7 @@
 </p:sld>
 </file>
 
-<file path=ppt/slides/slide37.xml><?xml version="1.0" encoding="utf-8"?>
+<file path=ppt/slides/slide35.xml><?xml version="1.0" encoding="utf-8"?>
 <p:sld xmlns:a="http://schemas.openxmlformats.org/drawingml/2006/main" xmlns:r="http://schemas.openxmlformats.org/officeDocument/2006/relationships" xmlns:p="http://schemas.openxmlformats.org/presentationml/2006/main">
   <p:cSld>
     <p:bg>
@@ -29209,7 +27845,7 @@
           <a:p>
             <a:r>
               <a:rPr lang="en-US" dirty="0"/>
-              <a:t>Automated 100’s of databases</a:t>
+              <a:t>Automated dozens of databases</a:t>
             </a:r>
           </a:p>
           <a:p>
